--- a/sqlWorks/자료/db_ppt/6장. 함수2.pptx
+++ b/sqlWorks/자료/db_ppt/6장. 함수2.pptx
@@ -5,28 +5,29 @@
     <p:sldMasterId id="2147483648" r:id="rId1"/>
   </p:sldMasterIdLst>
   <p:notesMasterIdLst>
-    <p:notesMasterId r:id="rId21"/>
+    <p:notesMasterId r:id="rId22"/>
   </p:notesMasterIdLst>
   <p:sldIdLst>
     <p:sldId id="256" r:id="rId2"/>
-    <p:sldId id="302" r:id="rId3"/>
-    <p:sldId id="310" r:id="rId4"/>
-    <p:sldId id="311" r:id="rId5"/>
-    <p:sldId id="312" r:id="rId6"/>
-    <p:sldId id="315" r:id="rId7"/>
-    <p:sldId id="319" r:id="rId8"/>
-    <p:sldId id="313" r:id="rId9"/>
-    <p:sldId id="314" r:id="rId10"/>
-    <p:sldId id="316" r:id="rId11"/>
-    <p:sldId id="317" r:id="rId12"/>
-    <p:sldId id="303" r:id="rId13"/>
-    <p:sldId id="304" r:id="rId14"/>
-    <p:sldId id="305" r:id="rId15"/>
-    <p:sldId id="306" r:id="rId16"/>
-    <p:sldId id="318" r:id="rId17"/>
-    <p:sldId id="307" r:id="rId18"/>
-    <p:sldId id="309" r:id="rId19"/>
-    <p:sldId id="308" r:id="rId20"/>
+    <p:sldId id="310" r:id="rId3"/>
+    <p:sldId id="311" r:id="rId4"/>
+    <p:sldId id="312" r:id="rId5"/>
+    <p:sldId id="315" r:id="rId6"/>
+    <p:sldId id="319" r:id="rId7"/>
+    <p:sldId id="313" r:id="rId8"/>
+    <p:sldId id="314" r:id="rId9"/>
+    <p:sldId id="316" r:id="rId10"/>
+    <p:sldId id="317" r:id="rId11"/>
+    <p:sldId id="324" r:id="rId12"/>
+    <p:sldId id="320" r:id="rId13"/>
+    <p:sldId id="321" r:id="rId14"/>
+    <p:sldId id="326" r:id="rId15"/>
+    <p:sldId id="325" r:id="rId16"/>
+    <p:sldId id="322" r:id="rId17"/>
+    <p:sldId id="323" r:id="rId18"/>
+    <p:sldId id="327" r:id="rId19"/>
+    <p:sldId id="328" r:id="rId20"/>
+    <p:sldId id="329" r:id="rId21"/>
   </p:sldIdLst>
   <p:sldSz cx="9144000" cy="6858000" type="screen4x3"/>
   <p:notesSz cx="6858000" cy="9144000"/>
@@ -226,7 +227,7 @@
           <a:p>
             <a:fld id="{7665CDAC-D627-4E87-877A-1B781DD4CADC}" type="datetimeFigureOut">
               <a:rPr lang="ko-KR" altLang="en-US" smtClean="0"/>
-              <a:t>2023-04-24</a:t>
+              <a:t>2023-05-01</a:t>
             </a:fld>
             <a:endParaRPr lang="ko-KR" altLang="en-US"/>
           </a:p>
@@ -1082,7 +1083,7 @@
           <a:p>
             <a:fld id="{E240FE80-3752-4C44-80B8-E31C3450070D}" type="datetime1">
               <a:rPr lang="ko-KR" altLang="en-US" smtClean="0"/>
-              <a:t>2023-04-24</a:t>
+              <a:t>2023-05-01</a:t>
             </a:fld>
             <a:endParaRPr lang="ko-KR" altLang="en-US"/>
           </a:p>
@@ -1262,7 +1263,7 @@
           <a:p>
             <a:fld id="{5FA88D13-428F-4553-BC93-2E91B1DA3F5C}" type="datetime1">
               <a:rPr lang="ko-KR" altLang="en-US" smtClean="0"/>
-              <a:t>2023-04-24</a:t>
+              <a:t>2023-05-01</a:t>
             </a:fld>
             <a:endParaRPr lang="ko-KR" altLang="en-US"/>
           </a:p>
@@ -1436,7 +1437,7 @@
           <a:p>
             <a:fld id="{4E9D4779-FB94-4D0A-9770-16BB460ADD4B}" type="datetime1">
               <a:rPr lang="ko-KR" altLang="en-US" smtClean="0"/>
-              <a:t>2023-04-24</a:t>
+              <a:t>2023-05-01</a:t>
             </a:fld>
             <a:endParaRPr lang="ko-KR" altLang="en-US"/>
           </a:p>
@@ -1682,7 +1683,7 @@
           <a:p>
             <a:fld id="{DD687F0D-089E-4098-8EE9-5721C76E52EC}" type="datetime1">
               <a:rPr lang="ko-KR" altLang="en-US" smtClean="0"/>
-              <a:t>2023-04-24</a:t>
+              <a:t>2023-05-01</a:t>
             </a:fld>
             <a:endParaRPr lang="ko-KR" altLang="en-US"/>
           </a:p>
@@ -1970,7 +1971,7 @@
           <a:p>
             <a:fld id="{09C650FE-E6B2-4D57-AAF6-1B2A37421AAD}" type="datetime1">
               <a:rPr lang="ko-KR" altLang="en-US" smtClean="0"/>
-              <a:t>2023-04-24</a:t>
+              <a:t>2023-05-01</a:t>
             </a:fld>
             <a:endParaRPr lang="ko-KR" altLang="en-US"/>
           </a:p>
@@ -2392,7 +2393,7 @@
           <a:p>
             <a:fld id="{E87F20C2-C949-4E4F-9580-FEE4F2DAC554}" type="datetime1">
               <a:rPr lang="ko-KR" altLang="en-US" smtClean="0"/>
-              <a:t>2023-04-24</a:t>
+              <a:t>2023-05-01</a:t>
             </a:fld>
             <a:endParaRPr lang="ko-KR" altLang="en-US"/>
           </a:p>
@@ -2510,7 +2511,7 @@
           <a:p>
             <a:fld id="{476DBFE0-70CA-4AA9-9C17-F02054822E7E}" type="datetime1">
               <a:rPr lang="ko-KR" altLang="en-US" smtClean="0"/>
-              <a:t>2023-04-24</a:t>
+              <a:t>2023-05-01</a:t>
             </a:fld>
             <a:endParaRPr lang="ko-KR" altLang="en-US"/>
           </a:p>
@@ -2605,7 +2606,7 @@
           <a:p>
             <a:fld id="{6DA84A72-C6AC-45C3-AE5A-9CF6D245353A}" type="datetime1">
               <a:rPr lang="ko-KR" altLang="en-US" smtClean="0"/>
-              <a:t>2023-04-24</a:t>
+              <a:t>2023-05-01</a:t>
             </a:fld>
             <a:endParaRPr lang="ko-KR" altLang="en-US"/>
           </a:p>
@@ -2882,7 +2883,7 @@
           <a:p>
             <a:fld id="{092D9E8D-7616-4FA8-9B12-88059974D499}" type="datetime1">
               <a:rPr lang="ko-KR" altLang="en-US" smtClean="0"/>
-              <a:t>2023-04-24</a:t>
+              <a:t>2023-05-01</a:t>
             </a:fld>
             <a:endParaRPr lang="ko-KR" altLang="en-US"/>
           </a:p>
@@ -3135,7 +3136,7 @@
           <a:p>
             <a:fld id="{79F4C3F6-B4DC-4E51-8609-BCC628ECDBF3}" type="datetime1">
               <a:rPr lang="ko-KR" altLang="en-US" smtClean="0"/>
-              <a:t>2023-04-24</a:t>
+              <a:t>2023-05-01</a:t>
             </a:fld>
             <a:endParaRPr lang="ko-KR" altLang="en-US"/>
           </a:p>
@@ -3315,7 +3316,7 @@
           <a:p>
             <a:fld id="{B2C4C586-F21B-48DD-B591-4B12E73E0749}" type="datetime1">
               <a:rPr lang="ko-KR" altLang="en-US" smtClean="0"/>
-              <a:t>2023-04-24</a:t>
+              <a:t>2023-05-01</a:t>
             </a:fld>
             <a:endParaRPr lang="ko-KR" altLang="en-US"/>
           </a:p>
@@ -3947,7 +3948,7 @@
         <p:spPr>
           <a:xfrm>
             <a:off x="2051720" y="1379514"/>
-            <a:ext cx="5184576" cy="1226567"/>
+            <a:ext cx="5904656" cy="1226567"/>
           </a:xfrm>
         </p:spPr>
         <p:txBody>
@@ -3958,7 +3959,7 @@
           <a:p>
             <a:pPr algn="l"/>
             <a:r>
-              <a:rPr lang="en-US" altLang="ko-KR" b="1" dirty="0" smtClean="0">
+              <a:rPr lang="en-US" altLang="ko-KR" sz="2800" b="1" dirty="0" smtClean="0">
                 <a:solidFill>
                   <a:srgbClr val="0070C0"/>
                 </a:solidFill>
@@ -3968,7 +3969,7 @@
               <a:t>6</a:t>
             </a:r>
             <a:r>
-              <a:rPr lang="ko-KR" altLang="en-US" b="1" dirty="0" smtClean="0">
+              <a:rPr lang="ko-KR" altLang="en-US" sz="2800" b="1" dirty="0" smtClean="0">
                 <a:solidFill>
                   <a:srgbClr val="0070C0"/>
                 </a:solidFill>
@@ -3978,7 +3979,7 @@
               <a:t>장</a:t>
             </a:r>
             <a:r>
-              <a:rPr lang="en-US" altLang="ko-KR" b="1" dirty="0" smtClean="0">
+              <a:rPr lang="en-US" altLang="ko-KR" sz="2800" b="1" dirty="0" smtClean="0">
                 <a:solidFill>
                   <a:srgbClr val="0070C0"/>
                 </a:solidFill>
@@ -3988,26 +3989,36 @@
               <a:t>.  </a:t>
             </a:r>
             <a:r>
-              <a:rPr lang="ko-KR" altLang="en-US" b="1" dirty="0" smtClean="0">
+              <a:rPr lang="ko-KR" altLang="en-US" sz="2800" b="1" dirty="0" smtClean="0">
                 <a:solidFill>
                   <a:srgbClr val="0070C0"/>
                 </a:solidFill>
                 <a:latin typeface="휴먼엑스포" panose="02030504000101010101" pitchFamily="18" charset="-127"/>
                 <a:ea typeface="휴먼엑스포" panose="02030504000101010101" pitchFamily="18" charset="-127"/>
               </a:rPr>
-              <a:t>함수</a:t>
-            </a:r>
-            <a:r>
-              <a:rPr lang="en-US" altLang="ko-KR" b="1" dirty="0" smtClean="0">
+              <a:t>집합 연산 및 </a:t>
+            </a:r>
+            <a:r>
+              <a:rPr lang="en-US" altLang="ko-KR" sz="2800" b="1" dirty="0" smtClean="0">
                 <a:solidFill>
                   <a:srgbClr val="0070C0"/>
                 </a:solidFill>
                 <a:latin typeface="휴먼엑스포" panose="02030504000101010101" pitchFamily="18" charset="-127"/>
                 <a:ea typeface="휴먼엑스포" panose="02030504000101010101" pitchFamily="18" charset="-127"/>
               </a:rPr>
-              <a:t>2</a:t>
-            </a:r>
-            <a:endParaRPr lang="ko-KR" altLang="en-US" b="1" dirty="0">
+              <a:t>SQL </a:t>
+            </a:r>
+            <a:r>
+              <a:rPr lang="ko-KR" altLang="en-US" sz="2800" b="1" dirty="0" smtClean="0">
+                <a:solidFill>
+                  <a:srgbClr val="0070C0"/>
+                </a:solidFill>
+                <a:latin typeface="휴먼엑스포" panose="02030504000101010101" pitchFamily="18" charset="-127"/>
+                <a:ea typeface="휴먼엑스포" panose="02030504000101010101" pitchFamily="18" charset="-127"/>
+              </a:rPr>
+              <a:t>최적화</a:t>
+            </a:r>
+            <a:endParaRPr lang="ko-KR" altLang="en-US" sz="2800" b="1" dirty="0">
               <a:solidFill>
                 <a:srgbClr val="0070C0"/>
               </a:solidFill>
@@ -4160,11 +4171,7 @@
           <a:p>
             <a:r>
               <a:rPr lang="en-US" altLang="ko-KR" dirty="0"/>
-              <a:t>  </a:t>
-            </a:r>
-            <a:r>
-              <a:rPr lang="en-US" altLang="ko-KR" dirty="0" smtClean="0"/>
-              <a:t>EXISTS</a:t>
+              <a:t>  EXISTS</a:t>
             </a:r>
             <a:endParaRPr lang="ko-KR" altLang="en-US" dirty="0"/>
           </a:p>
@@ -4238,78 +4245,9 @@
           </a:p>
         </p:txBody>
       </p:sp>
-      <p:sp>
-        <p:nvSpPr>
-          <p:cNvPr id="7" name="TextBox 6"/>
-          <p:cNvSpPr txBox="1"/>
-          <p:nvPr/>
-        </p:nvSpPr>
-        <p:spPr>
-          <a:xfrm>
-            <a:off x="1043608" y="1628800"/>
-            <a:ext cx="7643192" cy="830997"/>
-          </a:xfrm>
-          <a:prstGeom prst="rect">
-            <a:avLst/>
-          </a:prstGeom>
-          <a:noFill/>
-        </p:spPr>
-        <p:txBody>
-          <a:bodyPr wrap="square" rtlCol="0">
-            <a:spAutoFit/>
-          </a:bodyPr>
-          <a:lstStyle/>
-          <a:p>
-            <a:pPr>
-              <a:lnSpc>
-                <a:spcPct val="150000"/>
-              </a:lnSpc>
-            </a:pPr>
-            <a:r>
-              <a:rPr lang="ko-KR" altLang="en-US" sz="1600" dirty="0"/>
-              <a:t>조건에 맞는 </a:t>
-            </a:r>
-            <a:r>
-              <a:rPr lang="ko-KR" altLang="en-US" sz="1600" dirty="0" err="1" smtClean="0"/>
-              <a:t>투플이</a:t>
-            </a:r>
-            <a:r>
-              <a:rPr lang="ko-KR" altLang="en-US" sz="1600" dirty="0"/>
-              <a:t> </a:t>
-            </a:r>
-            <a:r>
-              <a:rPr lang="ko-KR" altLang="en-US" sz="1600" dirty="0" smtClean="0"/>
-              <a:t>존재하면 </a:t>
-            </a:r>
-            <a:r>
-              <a:rPr lang="ko-KR" altLang="en-US" sz="1600" dirty="0"/>
-              <a:t>결과에 포함시킨다</a:t>
-            </a:r>
-            <a:r>
-              <a:rPr lang="en-US" altLang="ko-KR" sz="1600" dirty="0"/>
-              <a:t>.</a:t>
-            </a:r>
-          </a:p>
-          <a:p>
-            <a:pPr>
-              <a:lnSpc>
-                <a:spcPct val="150000"/>
-              </a:lnSpc>
-            </a:pPr>
-            <a:r>
-              <a:rPr lang="ko-KR" altLang="en-US" sz="1600" dirty="0"/>
-              <a:t>즉 부속질의문의 어떤 행이 조건에 만족하면 참이다</a:t>
-            </a:r>
-            <a:r>
-              <a:rPr lang="en-US" altLang="ko-KR" sz="1600" dirty="0"/>
-              <a:t>.</a:t>
-            </a:r>
-          </a:p>
-        </p:txBody>
-      </p:sp>
       <p:pic>
         <p:nvPicPr>
-          <p:cNvPr id="3" name="그림 2"/>
+          <p:cNvPr id="5" name="그림 4"/>
           <p:cNvPicPr>
             <a:picLocks noChangeAspect="1"/>
           </p:cNvPicPr>
@@ -4329,8 +4267,8 @@
         </p:blipFill>
         <p:spPr>
           <a:xfrm>
-            <a:off x="1187624" y="2636912"/>
-            <a:ext cx="5006774" cy="1676545"/>
+            <a:off x="1259632" y="1895387"/>
+            <a:ext cx="4191363" cy="1470787"/>
           </a:xfrm>
           <a:prstGeom prst="rect">
             <a:avLst/>
@@ -4346,7 +4284,7 @@
       </p:pic>
       <p:pic>
         <p:nvPicPr>
-          <p:cNvPr id="8" name="그림 7"/>
+          <p:cNvPr id="6" name="그림 5"/>
           <p:cNvPicPr>
             <a:picLocks noChangeAspect="1"/>
           </p:cNvPicPr>
@@ -4366,8 +4304,8 @@
         </p:blipFill>
         <p:spPr>
           <a:xfrm>
-            <a:off x="5364088" y="3938362"/>
-            <a:ext cx="2720576" cy="1036410"/>
+            <a:off x="3707904" y="3717032"/>
+            <a:ext cx="2636748" cy="769687"/>
           </a:xfrm>
           <a:prstGeom prst="rect">
             <a:avLst/>
@@ -4384,7 +4322,7 @@
     </p:spTree>
     <p:extLst>
       <p:ext uri="{BB962C8B-B14F-4D97-AF65-F5344CB8AC3E}">
-        <p14:creationId xmlns:p14="http://schemas.microsoft.com/office/powerpoint/2010/main" val="2049825284"/>
+        <p14:creationId xmlns:p14="http://schemas.microsoft.com/office/powerpoint/2010/main" val="646223869"/>
       </p:ext>
     </p:extLst>
   </p:cSld>
@@ -4413,33 +4351,6 @@
       </p:grpSpPr>
       <p:sp>
         <p:nvSpPr>
-          <p:cNvPr id="2" name="제목 1"/>
-          <p:cNvSpPr>
-            <a:spLocks noGrp="1"/>
-          </p:cNvSpPr>
-          <p:nvPr>
-            <p:ph type="title"/>
-          </p:nvPr>
-        </p:nvSpPr>
-        <p:spPr/>
-        <p:txBody>
-          <a:bodyPr/>
-          <a:lstStyle/>
-          <a:p>
-            <a:r>
-              <a:rPr lang="en-US" altLang="ko-KR" dirty="0"/>
-              <a:t>  </a:t>
-            </a:r>
-            <a:r>
-              <a:rPr lang="en-US" altLang="ko-KR" dirty="0"/>
-              <a:t>EXISTS</a:t>
-            </a:r>
-            <a:endParaRPr lang="ko-KR" altLang="en-US" dirty="0"/>
-          </a:p>
-        </p:txBody>
-      </p:sp>
-      <p:sp>
-        <p:nvSpPr>
           <p:cNvPr id="4" name="슬라이드 번호 개체 틀 3"/>
           <p:cNvSpPr>
             <a:spLocks noGrp="1"/>
@@ -4463,14 +4374,14 @@
       </p:sp>
       <p:sp>
         <p:nvSpPr>
-          <p:cNvPr id="11" name="TextBox 10"/>
+          <p:cNvPr id="3" name="TextBox 2"/>
           <p:cNvSpPr txBox="1"/>
           <p:nvPr/>
         </p:nvSpPr>
         <p:spPr>
           <a:xfrm>
-            <a:off x="971600" y="1196752"/>
-            <a:ext cx="5904656" cy="400110"/>
+            <a:off x="827584" y="1156682"/>
+            <a:ext cx="6120680" cy="400110"/>
           </a:xfrm>
           <a:prstGeom prst="rect">
             <a:avLst/>
@@ -4484,112 +4395,252 @@
           <a:lstStyle/>
           <a:p>
             <a:r>
-              <a:rPr lang="en-US" altLang="ko-KR" sz="2000" b="1" dirty="0"/>
-              <a:t>EXISTS</a:t>
-            </a:r>
-            <a:r>
-              <a:rPr lang="ko-KR" altLang="en-US" sz="2000" b="1" dirty="0"/>
+              <a:rPr lang="ko-KR" altLang="en-US" sz="2000" b="1" dirty="0" err="1" smtClean="0"/>
+              <a:t>옵티마이저</a:t>
+            </a:r>
+            <a:r>
+              <a:rPr lang="en-US" altLang="ko-KR" sz="2000" b="1" dirty="0" smtClean="0"/>
+              <a:t>(Optimizer)</a:t>
+            </a:r>
+            <a:r>
+              <a:rPr lang="ko-KR" altLang="en-US" sz="2000" b="1" dirty="0" smtClean="0"/>
+              <a:t>와</a:t>
+            </a:r>
+            <a:r>
+              <a:rPr lang="en-US" altLang="ko-KR" sz="2000" b="1" dirty="0" smtClean="0"/>
               <a:t> </a:t>
             </a:r>
             <a:r>
-              <a:rPr lang="en-US" altLang="ko-KR" sz="2000" b="1" dirty="0"/>
-              <a:t>– </a:t>
-            </a:r>
-            <a:r>
-              <a:rPr lang="ko-KR" altLang="en-US" dirty="0"/>
-              <a:t>주문이 있는 고객을 알고 싶다</a:t>
-            </a:r>
-            <a:r>
-              <a:rPr lang="en-US" altLang="ko-KR" dirty="0"/>
-              <a:t>.</a:t>
-            </a:r>
-          </a:p>
-        </p:txBody>
-      </p:sp>
-      <p:pic>
-        <p:nvPicPr>
-          <p:cNvPr id="5" name="그림 4"/>
-          <p:cNvPicPr>
-            <a:picLocks noChangeAspect="1"/>
-          </p:cNvPicPr>
+              <a:rPr lang="ko-KR" altLang="en-US" sz="2000" b="1" dirty="0" smtClean="0"/>
+              <a:t>실행 계획</a:t>
+            </a:r>
+            <a:endParaRPr lang="ko-KR" altLang="en-US" sz="2000" b="1" dirty="0"/>
+          </a:p>
+        </p:txBody>
+      </p:sp>
+      <p:sp>
+        <p:nvSpPr>
+          <p:cNvPr id="10" name="제목 1"/>
+          <p:cNvSpPr>
+            <a:spLocks noGrp="1"/>
+          </p:cNvSpPr>
+          <p:nvPr>
+            <p:ph type="title"/>
+          </p:nvPr>
+        </p:nvSpPr>
+        <p:spPr>
+          <a:xfrm>
+            <a:off x="1" y="-18256"/>
+            <a:ext cx="5724128" cy="854968"/>
+          </a:xfrm>
+        </p:spPr>
+        <p:txBody>
+          <a:bodyPr>
+            <a:normAutofit/>
+          </a:bodyPr>
+          <a:lstStyle/>
+          <a:p>
+            <a:r>
+              <a:rPr lang="en-US" altLang="ko-KR" sz="2800" dirty="0" smtClean="0"/>
+              <a:t>  SQL </a:t>
+            </a:r>
+            <a:r>
+              <a:rPr lang="ko-KR" altLang="en-US" sz="2800" dirty="0" smtClean="0"/>
+              <a:t>최적화</a:t>
+            </a:r>
+            <a:endParaRPr lang="ko-KR" altLang="en-US" sz="2800" b="1" dirty="0"/>
+          </a:p>
+        </p:txBody>
+      </p:sp>
+      <p:sp>
+        <p:nvSpPr>
+          <p:cNvPr id="5" name="TextBox 4"/>
+          <p:cNvSpPr txBox="1"/>
           <p:nvPr/>
-        </p:nvPicPr>
-        <p:blipFill>
-          <a:blip r:embed="rId2">
-            <a:extLst>
-              <a:ext uri="{28A0092B-C50C-407E-A947-70E740481C1C}">
-                <a14:useLocalDpi xmlns:a14="http://schemas.microsoft.com/office/drawing/2010/main" val="0"/>
-              </a:ext>
-            </a:extLst>
-          </a:blip>
-          <a:stretch>
-            <a:fillRect/>
-          </a:stretch>
-        </p:blipFill>
-        <p:spPr>
-          <a:xfrm>
-            <a:off x="1259632" y="1895387"/>
-            <a:ext cx="4191363" cy="1470787"/>
+        </p:nvSpPr>
+        <p:spPr>
+          <a:xfrm>
+            <a:off x="827583" y="1724779"/>
+            <a:ext cx="7448807" cy="2677656"/>
           </a:xfrm>
           <a:prstGeom prst="rect">
             <a:avLst/>
           </a:prstGeom>
-          <a:ln>
-            <a:solidFill>
-              <a:schemeClr val="bg1">
-                <a:lumMod val="85000"/>
-              </a:schemeClr>
-            </a:solidFill>
-          </a:ln>
-        </p:spPr>
-      </p:pic>
-      <p:pic>
-        <p:nvPicPr>
-          <p:cNvPr id="6" name="그림 5"/>
-          <p:cNvPicPr>
-            <a:picLocks noChangeAspect="1"/>
-          </p:cNvPicPr>
-          <p:nvPr/>
-        </p:nvPicPr>
-        <p:blipFill>
-          <a:blip r:embed="rId3">
-            <a:extLst>
-              <a:ext uri="{28A0092B-C50C-407E-A947-70E740481C1C}">
-                <a14:useLocalDpi xmlns:a14="http://schemas.microsoft.com/office/drawing/2010/main" val="0"/>
-              </a:ext>
-            </a:extLst>
-          </a:blip>
-          <a:stretch>
-            <a:fillRect/>
-          </a:stretch>
-        </p:blipFill>
-        <p:spPr>
-          <a:xfrm>
-            <a:off x="3707904" y="3717032"/>
-            <a:ext cx="2636748" cy="769687"/>
-          </a:xfrm>
-          <a:prstGeom prst="rect">
-            <a:avLst/>
-          </a:prstGeom>
-          <a:ln>
-            <a:solidFill>
-              <a:schemeClr val="bg1">
-                <a:lumMod val="85000"/>
-              </a:schemeClr>
-            </a:solidFill>
-          </a:ln>
-        </p:spPr>
-      </p:pic>
+          <a:noFill/>
+        </p:spPr>
+        <p:txBody>
+          <a:bodyPr wrap="square" rtlCol="0">
+            <a:spAutoFit/>
+          </a:bodyPr>
+          <a:lstStyle/>
+          <a:p>
+            <a:pPr marL="285750" indent="-285750">
+              <a:lnSpc>
+                <a:spcPct val="150000"/>
+              </a:lnSpc>
+              <a:buFontTx/>
+              <a:buChar char="-"/>
+            </a:pPr>
+            <a:r>
+              <a:rPr lang="ko-KR" altLang="en-US" sz="1600" dirty="0" err="1" smtClean="0"/>
+              <a:t>옵티마이저는</a:t>
+            </a:r>
+            <a:r>
+              <a:rPr lang="ko-KR" altLang="en-US" sz="1600" dirty="0" smtClean="0"/>
+              <a:t> </a:t>
+            </a:r>
+            <a:r>
+              <a:rPr lang="en-US" altLang="ko-KR" sz="1600" dirty="0" smtClean="0"/>
+              <a:t>SQL</a:t>
+            </a:r>
+            <a:r>
+              <a:rPr lang="ko-KR" altLang="en-US" sz="1600" dirty="0" smtClean="0"/>
+              <a:t>의 실행 계획을 수립하고</a:t>
+            </a:r>
+            <a:r>
+              <a:rPr lang="en-US" altLang="ko-KR" sz="1600" dirty="0" smtClean="0"/>
+              <a:t>, SQL</a:t>
+            </a:r>
+            <a:r>
+              <a:rPr lang="ko-KR" altLang="en-US" sz="1600" dirty="0" smtClean="0"/>
+              <a:t>을 실행하는 데이터베이스 관리 시스템의 소프트웨어이다</a:t>
+            </a:r>
+            <a:r>
+              <a:rPr lang="en-US" altLang="ko-KR" sz="1600" dirty="0" smtClean="0"/>
+              <a:t>.</a:t>
+            </a:r>
+          </a:p>
+          <a:p>
+            <a:pPr marL="285750" indent="-285750">
+              <a:lnSpc>
+                <a:spcPct val="150000"/>
+              </a:lnSpc>
+              <a:buFontTx/>
+              <a:buChar char="-"/>
+            </a:pPr>
+            <a:r>
+              <a:rPr lang="ko-KR" altLang="en-US" sz="1600" dirty="0" smtClean="0"/>
+              <a:t>동일한 결과가 나오는 </a:t>
+            </a:r>
+            <a:r>
+              <a:rPr lang="en-US" altLang="ko-KR" sz="1600" dirty="0" smtClean="0"/>
+              <a:t>SQL</a:t>
+            </a:r>
+            <a:r>
+              <a:rPr lang="ko-KR" altLang="en-US" sz="1600" dirty="0" smtClean="0"/>
+              <a:t>도 어떻게 </a:t>
+            </a:r>
+            <a:r>
+              <a:rPr lang="ko-KR" altLang="en-US" sz="1600" dirty="0" err="1" smtClean="0"/>
+              <a:t>실행하느냐에</a:t>
+            </a:r>
+            <a:r>
+              <a:rPr lang="ko-KR" altLang="en-US" sz="1600" dirty="0" smtClean="0"/>
+              <a:t> 따라 성능이 달라진다</a:t>
+            </a:r>
+            <a:r>
+              <a:rPr lang="en-US" altLang="ko-KR" sz="1600" dirty="0" smtClean="0"/>
+              <a:t>.</a:t>
+            </a:r>
+          </a:p>
+          <a:p>
+            <a:pPr marL="285750" indent="-285750">
+              <a:lnSpc>
+                <a:spcPct val="150000"/>
+              </a:lnSpc>
+              <a:buFontTx/>
+              <a:buChar char="-"/>
+            </a:pPr>
+            <a:r>
+              <a:rPr lang="ko-KR" altLang="en-US" sz="1600" dirty="0" smtClean="0"/>
+              <a:t>데이터 </a:t>
+            </a:r>
+            <a:r>
+              <a:rPr lang="ko-KR" altLang="en-US" sz="1600" dirty="0" err="1" smtClean="0"/>
+              <a:t>딕셔너리에</a:t>
+            </a:r>
+            <a:r>
+              <a:rPr lang="ko-KR" altLang="en-US" sz="1600" dirty="0" smtClean="0"/>
+              <a:t> 있는 오브젝트 통계</a:t>
+            </a:r>
+            <a:r>
+              <a:rPr lang="en-US" altLang="ko-KR" sz="1600" dirty="0" smtClean="0"/>
+              <a:t>, </a:t>
+            </a:r>
+            <a:r>
+              <a:rPr lang="ko-KR" altLang="en-US" sz="1600" dirty="0" smtClean="0"/>
+              <a:t>시스템 </a:t>
+            </a:r>
+            <a:r>
+              <a:rPr lang="ko-KR" altLang="en-US" sz="1600" dirty="0" err="1" smtClean="0"/>
+              <a:t>통계등의</a:t>
+            </a:r>
+            <a:r>
+              <a:rPr lang="ko-KR" altLang="en-US" sz="1600" dirty="0" smtClean="0"/>
+              <a:t> 정보를 사용해서 예상되는 비용을 산정한다</a:t>
+            </a:r>
+            <a:r>
+              <a:rPr lang="en-US" altLang="ko-KR" sz="1600" dirty="0" smtClean="0"/>
+              <a:t>.</a:t>
+            </a:r>
+          </a:p>
+          <a:p>
+            <a:pPr marL="285750" indent="-285750">
+              <a:lnSpc>
+                <a:spcPct val="150000"/>
+              </a:lnSpc>
+              <a:buFontTx/>
+              <a:buChar char="-"/>
+            </a:pPr>
+            <a:r>
+              <a:rPr lang="ko-KR" altLang="en-US" sz="1600" dirty="0" err="1" smtClean="0"/>
+              <a:t>옵티마이저는</a:t>
+            </a:r>
+            <a:r>
+              <a:rPr lang="ko-KR" altLang="en-US" sz="1600" dirty="0" smtClean="0"/>
+              <a:t> 여러 개의 실행 계획 중에서 </a:t>
+            </a:r>
+            <a:r>
+              <a:rPr lang="ko-KR" altLang="en-US" sz="1600" dirty="0" err="1" smtClean="0"/>
+              <a:t>최저비용을</a:t>
+            </a:r>
+            <a:r>
+              <a:rPr lang="ko-KR" altLang="en-US" sz="1600" dirty="0" smtClean="0"/>
+              <a:t> 가지고 있는 계획을 선택해서 </a:t>
+            </a:r>
+            <a:r>
+              <a:rPr lang="en-US" altLang="ko-KR" sz="1600" dirty="0" smtClean="0"/>
+              <a:t>SQL</a:t>
+            </a:r>
+            <a:r>
+              <a:rPr lang="ko-KR" altLang="en-US" sz="1600" dirty="0" smtClean="0"/>
+              <a:t>을 실행한다</a:t>
+            </a:r>
+            <a:r>
+              <a:rPr lang="en-US" altLang="ko-KR" sz="1600" dirty="0" smtClean="0"/>
+              <a:t>.</a:t>
+            </a:r>
+            <a:endParaRPr lang="ko-KR" altLang="en-US" sz="1600" dirty="0"/>
+          </a:p>
+        </p:txBody>
+      </p:sp>
     </p:spTree>
     <p:extLst>
       <p:ext uri="{BB962C8B-B14F-4D97-AF65-F5344CB8AC3E}">
-        <p14:creationId xmlns:p14="http://schemas.microsoft.com/office/powerpoint/2010/main" val="646223869"/>
+        <p14:creationId xmlns:p14="http://schemas.microsoft.com/office/powerpoint/2010/main" val="1255724130"/>
       </p:ext>
     </p:extLst>
   </p:cSld>
   <p:clrMapOvr>
     <a:masterClrMapping/>
   </p:clrMapOvr>
+  <p:timing>
+    <p:tnLst>
+      <p:par>
+        <p:cTn id="1" dur="indefinite" restart="never" nodeType="tmRoot"/>
+      </p:par>
+    </p:tnLst>
+  </p:timing>
 </p:sld>
 </file>
 
@@ -4656,20 +4707,24 @@
           <a:lstStyle/>
           <a:p>
             <a:r>
+              <a:rPr lang="ko-KR" altLang="en-US" sz="2000" b="1" dirty="0" err="1" smtClean="0"/>
+              <a:t>옵티마이저</a:t>
+            </a:r>
+            <a:r>
               <a:rPr lang="en-US" altLang="ko-KR" sz="2000" b="1" dirty="0" smtClean="0"/>
-              <a:t>RANK() </a:t>
+              <a:t>(Optimizer)</a:t>
             </a:r>
             <a:r>
               <a:rPr lang="ko-KR" altLang="en-US" sz="2000" b="1" dirty="0" smtClean="0"/>
-              <a:t>함수 </a:t>
+              <a:t>와</a:t>
             </a:r>
             <a:r>
               <a:rPr lang="en-US" altLang="ko-KR" sz="2000" b="1" dirty="0" smtClean="0"/>
-              <a:t>– </a:t>
+              <a:t> </a:t>
             </a:r>
             <a:r>
               <a:rPr lang="ko-KR" altLang="en-US" sz="2000" b="1" dirty="0" smtClean="0"/>
-              <a:t>데이터 값에 순위 정하기</a:t>
+              <a:t>실행 계획</a:t>
             </a:r>
             <a:endParaRPr lang="ko-KR" altLang="en-US" sz="2000" b="1" dirty="0"/>
           </a:p>
@@ -4699,359 +4754,124 @@
           <a:p>
             <a:r>
               <a:rPr lang="en-US" altLang="ko-KR" sz="2800" dirty="0" smtClean="0"/>
-              <a:t>  </a:t>
-            </a:r>
-            <a:r>
-              <a:rPr lang="ko-KR" altLang="en-US" sz="2800" b="1" dirty="0" smtClean="0"/>
-              <a:t>그룹 함수 </a:t>
-            </a:r>
-            <a:r>
-              <a:rPr lang="en-US" altLang="ko-KR" sz="2800" b="1" dirty="0" smtClean="0"/>
-              <a:t>– RANK()</a:t>
+              <a:t>  SQL </a:t>
+            </a:r>
+            <a:r>
+              <a:rPr lang="ko-KR" altLang="en-US" sz="2800" dirty="0" smtClean="0"/>
+              <a:t>최적화</a:t>
             </a:r>
             <a:endParaRPr lang="ko-KR" altLang="en-US" sz="2800" b="1" dirty="0"/>
           </a:p>
         </p:txBody>
       </p:sp>
-      <p:graphicFrame>
-        <p:nvGraphicFramePr>
-          <p:cNvPr id="9" name="내용 개체 틀 4"/>
-          <p:cNvGraphicFramePr>
-            <a:graphicFrameLocks/>
-          </p:cNvGraphicFramePr>
-          <p:nvPr>
-            <p:extLst/>
-          </p:nvPr>
-        </p:nvGraphicFramePr>
-        <p:xfrm>
-          <a:off x="827584" y="1844824"/>
-          <a:ext cx="7632848" cy="2262207"/>
-        </p:xfrm>
-        <a:graphic>
-          <a:graphicData uri="http://schemas.openxmlformats.org/drawingml/2006/table">
-            <a:tbl>
-              <a:tblPr firstRow="1">
-                <a:tableStyleId>{21E4AEA4-8DFA-4A89-87EB-49C32662AFE0}</a:tableStyleId>
-              </a:tblPr>
-              <a:tblGrid>
-                <a:gridCol w="1800200">
-                  <a:extLst>
-                    <a:ext uri="{9D8B030D-6E8A-4147-A177-3AD203B41FA5}">
-                      <a16:colId xmlns:a16="http://schemas.microsoft.com/office/drawing/2014/main" val="20000"/>
-                    </a:ext>
-                  </a:extLst>
-                </a:gridCol>
-                <a:gridCol w="4176464">
-                  <a:extLst>
-                    <a:ext uri="{9D8B030D-6E8A-4147-A177-3AD203B41FA5}">
-                      <a16:colId xmlns:a16="http://schemas.microsoft.com/office/drawing/2014/main" val="20001"/>
-                    </a:ext>
-                  </a:extLst>
-                </a:gridCol>
-                <a:gridCol w="1656184">
-                  <a:extLst>
-                    <a:ext uri="{9D8B030D-6E8A-4147-A177-3AD203B41FA5}">
-                      <a16:colId xmlns:a16="http://schemas.microsoft.com/office/drawing/2014/main" val="20002"/>
-                    </a:ext>
-                  </a:extLst>
-                </a:gridCol>
-              </a:tblGrid>
-              <a:tr h="616287">
-                <a:tc>
-                  <a:txBody>
-                    <a:bodyPr/>
-                    <a:lstStyle/>
-                    <a:p>
-                      <a:pPr algn="ctr" latinLnBrk="1"/>
-                      <a:r>
-                        <a:rPr lang="ko-KR" altLang="en-US" sz="1600" dirty="0" smtClean="0"/>
-                        <a:t>함수</a:t>
-                      </a:r>
-                      <a:endParaRPr lang="ko-KR" altLang="en-US" sz="1600" dirty="0"/>
-                    </a:p>
-                  </a:txBody>
-                  <a:tcPr anchor="ctr">
-                    <a:solidFill>
-                      <a:schemeClr val="accent5">
-                        <a:lumMod val="75000"/>
-                      </a:schemeClr>
-                    </a:solidFill>
-                  </a:tcPr>
-                </a:tc>
-                <a:tc>
-                  <a:txBody>
-                    <a:bodyPr/>
-                    <a:lstStyle/>
-                    <a:p>
-                      <a:pPr algn="ctr" latinLnBrk="1"/>
-                      <a:r>
-                        <a:rPr lang="ko-KR" altLang="en-US" sz="1600" dirty="0" smtClean="0"/>
-                        <a:t>설명</a:t>
-                      </a:r>
-                      <a:endParaRPr lang="ko-KR" altLang="en-US" sz="1600" dirty="0"/>
-                    </a:p>
-                  </a:txBody>
-                  <a:tcPr anchor="ctr">
-                    <a:solidFill>
-                      <a:schemeClr val="accent5">
-                        <a:lumMod val="75000"/>
-                      </a:schemeClr>
-                    </a:solidFill>
-                  </a:tcPr>
-                </a:tc>
-                <a:tc>
-                  <a:txBody>
-                    <a:bodyPr/>
-                    <a:lstStyle/>
-                    <a:p>
-                      <a:pPr algn="ctr" latinLnBrk="1"/>
-                      <a:r>
-                        <a:rPr lang="ko-KR" altLang="en-US" sz="1600" dirty="0" smtClean="0"/>
-                        <a:t>순위 예</a:t>
-                      </a:r>
-                      <a:endParaRPr lang="ko-KR" altLang="en-US" sz="1600" dirty="0"/>
-                    </a:p>
-                  </a:txBody>
-                  <a:tcPr anchor="ctr">
-                    <a:solidFill>
-                      <a:schemeClr val="accent5">
-                        <a:lumMod val="75000"/>
-                      </a:schemeClr>
-                    </a:solidFill>
-                  </a:tcPr>
-                </a:tc>
-                <a:extLst>
-                  <a:ext uri="{0D108BD9-81ED-4DB2-BD59-A6C34878D82A}">
-                    <a16:rowId xmlns:a16="http://schemas.microsoft.com/office/drawing/2014/main" val="10000"/>
-                  </a:ext>
-                </a:extLst>
-              </a:tr>
-              <a:tr h="769439">
-                <a:tc>
-                  <a:txBody>
-                    <a:bodyPr/>
-                    <a:lstStyle/>
-                    <a:p>
-                      <a:pPr algn="l" latinLnBrk="1">
-                        <a:lnSpc>
-                          <a:spcPct val="150000"/>
-                        </a:lnSpc>
-                      </a:pPr>
-                      <a:r>
-                        <a:rPr lang="en-US" altLang="ko-KR" sz="1600" dirty="0" smtClean="0"/>
-                        <a:t> RANK</a:t>
-                      </a:r>
-                      <a:endParaRPr lang="ko-KR" altLang="en-US" sz="1600" dirty="0"/>
-                    </a:p>
-                  </a:txBody>
-                  <a:tcPr anchor="ctr">
-                    <a:solidFill>
-                      <a:schemeClr val="accent5">
-                        <a:lumMod val="20000"/>
-                        <a:lumOff val="80000"/>
-                      </a:schemeClr>
-                    </a:solidFill>
-                  </a:tcPr>
-                </a:tc>
-                <a:tc>
-                  <a:txBody>
-                    <a:bodyPr/>
-                    <a:lstStyle/>
-                    <a:p>
-                      <a:pPr algn="l" latinLnBrk="1">
-                        <a:lnSpc>
-                          <a:spcPct val="150000"/>
-                        </a:lnSpc>
-                      </a:pPr>
-                      <a:r>
-                        <a:rPr lang="en-US" altLang="ko-KR" sz="1600" dirty="0" smtClean="0"/>
-                        <a:t> </a:t>
-                      </a:r>
-                      <a:r>
-                        <a:rPr lang="ko-KR" altLang="en-US" sz="1600" dirty="0" smtClean="0"/>
-                        <a:t>공통 순위를 출력하되 공통 순위만큼 건너뛰어 다음 순위를 출력한다</a:t>
-                      </a:r>
-                      <a:r>
-                        <a:rPr lang="en-US" altLang="ko-KR" sz="1600" dirty="0" smtClean="0"/>
-                        <a:t>.</a:t>
-                      </a:r>
-                      <a:endParaRPr lang="ko-KR" altLang="en-US" sz="1600" dirty="0"/>
-                    </a:p>
-                  </a:txBody>
-                  <a:tcPr anchor="ctr">
-                    <a:solidFill>
-                      <a:schemeClr val="accent5">
-                        <a:lumMod val="20000"/>
-                        <a:lumOff val="80000"/>
-                      </a:schemeClr>
-                    </a:solidFill>
-                  </a:tcPr>
-                </a:tc>
-                <a:tc>
-                  <a:txBody>
-                    <a:bodyPr/>
-                    <a:lstStyle/>
-                    <a:p>
-                      <a:pPr algn="l" latinLnBrk="1">
-                        <a:lnSpc>
-                          <a:spcPct val="150000"/>
-                        </a:lnSpc>
-                      </a:pPr>
-                      <a:r>
-                        <a:rPr lang="en-US" altLang="ko-KR" sz="1600" dirty="0" smtClean="0"/>
-                        <a:t> 1, 2, 2, 4, …</a:t>
-                      </a:r>
-                      <a:endParaRPr lang="ko-KR" altLang="en-US" sz="1600" dirty="0"/>
-                    </a:p>
-                  </a:txBody>
-                  <a:tcPr anchor="ctr">
-                    <a:solidFill>
-                      <a:schemeClr val="accent5">
-                        <a:lumMod val="20000"/>
-                        <a:lumOff val="80000"/>
-                      </a:schemeClr>
-                    </a:solidFill>
-                  </a:tcPr>
-                </a:tc>
-                <a:extLst>
-                  <a:ext uri="{0D108BD9-81ED-4DB2-BD59-A6C34878D82A}">
-                    <a16:rowId xmlns:a16="http://schemas.microsoft.com/office/drawing/2014/main" val="10001"/>
-                  </a:ext>
-                </a:extLst>
-              </a:tr>
-              <a:tr h="616287">
-                <a:tc>
-                  <a:txBody>
-                    <a:bodyPr/>
-                    <a:lstStyle/>
-                    <a:p>
-                      <a:pPr marL="0" marR="0" indent="0" algn="l" defTabSz="914400" rtl="0" eaLnBrk="1" fontAlgn="auto" latinLnBrk="1" hangingPunct="1">
-                        <a:lnSpc>
-                          <a:spcPct val="150000"/>
-                        </a:lnSpc>
-                        <a:spcBef>
-                          <a:spcPts val="0"/>
-                        </a:spcBef>
-                        <a:spcAft>
-                          <a:spcPts val="0"/>
-                        </a:spcAft>
-                        <a:buClrTx/>
-                        <a:buSzTx/>
-                        <a:buFontTx/>
-                        <a:buNone/>
-                        <a:tabLst/>
-                        <a:defRPr/>
-                      </a:pPr>
-                      <a:r>
-                        <a:rPr lang="en-US" altLang="ko-KR" sz="1600" dirty="0" smtClean="0"/>
-                        <a:t> DENSE_RANK</a:t>
-                      </a:r>
-                      <a:endParaRPr lang="ko-KR" altLang="en-US" sz="1600" dirty="0" smtClean="0"/>
-                    </a:p>
-                  </a:txBody>
-                  <a:tcPr anchor="ctr">
-                    <a:solidFill>
-                      <a:schemeClr val="accent5">
-                        <a:lumMod val="20000"/>
-                        <a:lumOff val="80000"/>
-                      </a:schemeClr>
-                    </a:solidFill>
-                  </a:tcPr>
-                </a:tc>
-                <a:tc>
-                  <a:txBody>
-                    <a:bodyPr/>
-                    <a:lstStyle/>
-                    <a:p>
-                      <a:pPr marL="0" marR="0" indent="0" algn="l" defTabSz="914400" rtl="0" eaLnBrk="1" fontAlgn="auto" latinLnBrk="1" hangingPunct="1">
-                        <a:lnSpc>
-                          <a:spcPct val="150000"/>
-                        </a:lnSpc>
-                        <a:spcBef>
-                          <a:spcPts val="0"/>
-                        </a:spcBef>
-                        <a:spcAft>
-                          <a:spcPts val="0"/>
-                        </a:spcAft>
-                        <a:buClrTx/>
-                        <a:buSzTx/>
-                        <a:buFontTx/>
-                        <a:buNone/>
-                        <a:tabLst/>
-                        <a:defRPr/>
-                      </a:pPr>
-                      <a:r>
-                        <a:rPr lang="ko-KR" altLang="en-US" sz="1600" dirty="0" smtClean="0"/>
-                        <a:t>공통 순위를 출력하되 공통 건너 뛰지 않고 다음 순위를 출력한다</a:t>
-                      </a:r>
-                      <a:r>
-                        <a:rPr lang="en-US" altLang="ko-KR" sz="1600" dirty="0" smtClean="0"/>
-                        <a:t>.</a:t>
-                      </a:r>
-                      <a:endParaRPr lang="ko-KR" altLang="en-US" sz="1600" dirty="0" smtClean="0"/>
-                    </a:p>
-                  </a:txBody>
-                  <a:tcPr anchor="ctr">
-                    <a:solidFill>
-                      <a:schemeClr val="accent5">
-                        <a:lumMod val="20000"/>
-                        <a:lumOff val="80000"/>
-                      </a:schemeClr>
-                    </a:solidFill>
-                  </a:tcPr>
-                </a:tc>
-                <a:tc>
-                  <a:txBody>
-                    <a:bodyPr/>
-                    <a:lstStyle/>
-                    <a:p>
-                      <a:pPr marL="0" marR="0" indent="0" algn="l" defTabSz="914400" rtl="0" eaLnBrk="1" fontAlgn="auto" latinLnBrk="1" hangingPunct="1">
-                        <a:lnSpc>
-                          <a:spcPct val="150000"/>
-                        </a:lnSpc>
-                        <a:spcBef>
-                          <a:spcPts val="0"/>
-                        </a:spcBef>
-                        <a:spcAft>
-                          <a:spcPts val="0"/>
-                        </a:spcAft>
-                        <a:buClrTx/>
-                        <a:buSzTx/>
-                        <a:buFontTx/>
-                        <a:buNone/>
-                        <a:tabLst/>
-                        <a:defRPr/>
-                      </a:pPr>
-                      <a:r>
-                        <a:rPr lang="en-US" altLang="ko-KR" sz="1600" dirty="0" smtClean="0"/>
-                        <a:t> 1, 2, 2, 3, …</a:t>
-                      </a:r>
-                      <a:endParaRPr lang="ko-KR" altLang="en-US" sz="1600" dirty="0" smtClean="0"/>
-                    </a:p>
-                  </a:txBody>
-                  <a:tcPr anchor="ctr">
-                    <a:solidFill>
-                      <a:schemeClr val="accent5">
-                        <a:lumMod val="20000"/>
-                        <a:lumOff val="80000"/>
-                      </a:schemeClr>
-                    </a:solidFill>
-                  </a:tcPr>
-                </a:tc>
-                <a:extLst>
-                  <a:ext uri="{0D108BD9-81ED-4DB2-BD59-A6C34878D82A}">
-                    <a16:rowId xmlns:a16="http://schemas.microsoft.com/office/drawing/2014/main" val="10002"/>
-                  </a:ext>
-                </a:extLst>
-              </a:tr>
-            </a:tbl>
-          </a:graphicData>
-        </a:graphic>
-      </p:graphicFrame>
+      <p:sp>
+        <p:nvSpPr>
+          <p:cNvPr id="11" name="TextBox 10"/>
+          <p:cNvSpPr txBox="1"/>
+          <p:nvPr/>
+        </p:nvSpPr>
+        <p:spPr>
+          <a:xfrm>
+            <a:off x="827584" y="1772816"/>
+            <a:ext cx="2448272" cy="369332"/>
+          </a:xfrm>
+          <a:prstGeom prst="rect">
+            <a:avLst/>
+          </a:prstGeom>
+          <a:noFill/>
+        </p:spPr>
+        <p:txBody>
+          <a:bodyPr wrap="square" rtlCol="0">
+            <a:spAutoFit/>
+          </a:bodyPr>
+          <a:lstStyle/>
+          <a:p>
+            <a:r>
+              <a:rPr lang="en-US" altLang="ko-KR" dirty="0" smtClean="0"/>
+              <a:t>Oracle </a:t>
+            </a:r>
+            <a:r>
+              <a:rPr lang="ko-KR" altLang="en-US" dirty="0" smtClean="0"/>
+              <a:t>명령어</a:t>
+            </a:r>
+            <a:endParaRPr lang="ko-KR" altLang="en-US" dirty="0"/>
+          </a:p>
+        </p:txBody>
+      </p:sp>
+      <p:sp>
+        <p:nvSpPr>
+          <p:cNvPr id="13" name="TextBox 12"/>
+          <p:cNvSpPr txBox="1"/>
+          <p:nvPr/>
+        </p:nvSpPr>
+        <p:spPr>
+          <a:xfrm>
+            <a:off x="1078092" y="2225516"/>
+            <a:ext cx="6552728" cy="369332"/>
+          </a:xfrm>
+          <a:prstGeom prst="rect">
+            <a:avLst/>
+          </a:prstGeom>
+          <a:noFill/>
+        </p:spPr>
+        <p:txBody>
+          <a:bodyPr wrap="square" rtlCol="0">
+            <a:spAutoFit/>
+          </a:bodyPr>
+          <a:lstStyle/>
+          <a:p>
+            <a:r>
+              <a:rPr lang="en-US" altLang="ko-KR" dirty="0"/>
+              <a:t>DESC PLAN_TABLE</a:t>
+            </a:r>
+            <a:r>
+              <a:rPr lang="en-US" altLang="ko-KR" dirty="0" smtClean="0"/>
+              <a:t>;</a:t>
+            </a:r>
+          </a:p>
+        </p:txBody>
+      </p:sp>
+      <p:pic>
+        <p:nvPicPr>
+          <p:cNvPr id="6" name="그림 5"/>
+          <p:cNvPicPr>
+            <a:picLocks noChangeAspect="1"/>
+          </p:cNvPicPr>
+          <p:nvPr/>
+        </p:nvPicPr>
+        <p:blipFill>
+          <a:blip r:embed="rId2">
+            <a:extLst>
+              <a:ext uri="{28A0092B-C50C-407E-A947-70E740481C1C}">
+                <a14:useLocalDpi xmlns:a14="http://schemas.microsoft.com/office/drawing/2010/main" val="0"/>
+              </a:ext>
+            </a:extLst>
+          </a:blip>
+          <a:stretch>
+            <a:fillRect/>
+          </a:stretch>
+        </p:blipFill>
+        <p:spPr>
+          <a:xfrm>
+            <a:off x="3737328" y="1876762"/>
+            <a:ext cx="3863675" cy="3947502"/>
+          </a:xfrm>
+          <a:prstGeom prst="rect">
+            <a:avLst/>
+          </a:prstGeom>
+          <a:ln>
+            <a:solidFill>
+              <a:schemeClr val="bg1">
+                <a:lumMod val="85000"/>
+              </a:schemeClr>
+            </a:solidFill>
+          </a:ln>
+        </p:spPr>
+      </p:pic>
     </p:spTree>
     <p:extLst>
       <p:ext uri="{BB962C8B-B14F-4D97-AF65-F5344CB8AC3E}">
-        <p14:creationId xmlns:p14="http://schemas.microsoft.com/office/powerpoint/2010/main" val="3678187145"/>
+        <p14:creationId xmlns:p14="http://schemas.microsoft.com/office/powerpoint/2010/main" val="3797626672"/>
       </p:ext>
     </p:extLst>
   </p:cSld>
@@ -5110,48 +4930,6 @@
       </p:sp>
       <p:sp>
         <p:nvSpPr>
-          <p:cNvPr id="3" name="TextBox 2"/>
-          <p:cNvSpPr txBox="1"/>
-          <p:nvPr/>
-        </p:nvSpPr>
-        <p:spPr>
-          <a:xfrm>
-            <a:off x="827584" y="1052736"/>
-            <a:ext cx="6120680" cy="400110"/>
-          </a:xfrm>
-          <a:prstGeom prst="rect">
-            <a:avLst/>
-          </a:prstGeom>
-          <a:noFill/>
-        </p:spPr>
-        <p:txBody>
-          <a:bodyPr wrap="square" rtlCol="0">
-            <a:spAutoFit/>
-          </a:bodyPr>
-          <a:lstStyle/>
-          <a:p>
-            <a:r>
-              <a:rPr lang="en-US" altLang="ko-KR" sz="2000" b="1" dirty="0" smtClean="0"/>
-              <a:t>RANK() </a:t>
-            </a:r>
-            <a:r>
-              <a:rPr lang="ko-KR" altLang="en-US" sz="2000" b="1" dirty="0" smtClean="0"/>
-              <a:t>함수 </a:t>
-            </a:r>
-            <a:r>
-              <a:rPr lang="en-US" altLang="ko-KR" sz="2000" b="1" dirty="0" smtClean="0"/>
-              <a:t>– </a:t>
-            </a:r>
-            <a:r>
-              <a:rPr lang="ko-KR" altLang="en-US" sz="2000" b="1" dirty="0" smtClean="0"/>
-              <a:t>데이터 값에 순위 정하기</a:t>
-            </a:r>
-            <a:endParaRPr lang="ko-KR" altLang="en-US" sz="2000" b="1" dirty="0"/>
-          </a:p>
-        </p:txBody>
-      </p:sp>
-      <p:sp>
-        <p:nvSpPr>
           <p:cNvPr id="10" name="제목 1"/>
           <p:cNvSpPr>
             <a:spLocks noGrp="1"/>
@@ -5177,207 +4955,20 @@
               <a:t>  </a:t>
             </a:r>
             <a:r>
-              <a:rPr lang="ko-KR" altLang="en-US" sz="2800" b="1" dirty="0" smtClean="0"/>
-              <a:t>그룹 함수 </a:t>
-            </a:r>
-            <a:r>
-              <a:rPr lang="en-US" altLang="ko-KR" sz="2800" b="1" dirty="0" smtClean="0"/>
-              <a:t>– RANK()</a:t>
+              <a:rPr lang="en-US" altLang="ko-KR" sz="2800" dirty="0"/>
+              <a:t>SQL </a:t>
+            </a:r>
+            <a:r>
+              <a:rPr lang="ko-KR" altLang="en-US" sz="2800" dirty="0"/>
+              <a:t>최적화</a:t>
             </a:r>
             <a:endParaRPr lang="ko-KR" altLang="en-US" sz="2800" b="1" dirty="0"/>
-          </a:p>
-        </p:txBody>
-      </p:sp>
-      <p:sp>
-        <p:nvSpPr>
-          <p:cNvPr id="7" name="내용 개체 틀 2"/>
-          <p:cNvSpPr txBox="1">
-            <a:spLocks/>
-          </p:cNvSpPr>
-          <p:nvPr/>
-        </p:nvSpPr>
-        <p:spPr>
-          <a:xfrm>
-            <a:off x="1835696" y="1700808"/>
-            <a:ext cx="4896544" cy="507452"/>
-          </a:xfrm>
-          <a:prstGeom prst="rect">
-            <a:avLst/>
-          </a:prstGeom>
-          <a:solidFill>
-            <a:schemeClr val="accent5">
-              <a:lumMod val="20000"/>
-              <a:lumOff val="80000"/>
-            </a:schemeClr>
-          </a:solidFill>
-        </p:spPr>
-        <p:txBody>
-          <a:bodyPr vert="horz" lIns="91440" tIns="45720" rIns="91440" bIns="45720" rtlCol="0">
-            <a:normAutofit/>
-          </a:bodyPr>
-          <a:lstStyle>
-            <a:lvl1pPr marL="342900" indent="-342900" algn="l" defTabSz="914400" rtl="0" eaLnBrk="1" latinLnBrk="1" hangingPunct="1">
-              <a:spcBef>
-                <a:spcPct val="20000"/>
-              </a:spcBef>
-              <a:buFont typeface="Arial" panose="020B0604020202020204" pitchFamily="34" charset="0"/>
-              <a:buChar char="•"/>
-              <a:defRPr sz="3200" kern="1200">
-                <a:solidFill>
-                  <a:schemeClr val="tx1"/>
-                </a:solidFill>
-                <a:latin typeface="+mn-lt"/>
-                <a:ea typeface="+mn-ea"/>
-                <a:cs typeface="+mn-cs"/>
-              </a:defRPr>
-            </a:lvl1pPr>
-            <a:lvl2pPr marL="742950" indent="-285750" algn="l" defTabSz="914400" rtl="0" eaLnBrk="1" latinLnBrk="1" hangingPunct="1">
-              <a:spcBef>
-                <a:spcPct val="20000"/>
-              </a:spcBef>
-              <a:buFont typeface="Arial" panose="020B0604020202020204" pitchFamily="34" charset="0"/>
-              <a:buChar char="–"/>
-              <a:defRPr sz="2800" kern="1200">
-                <a:solidFill>
-                  <a:schemeClr val="tx1"/>
-                </a:solidFill>
-                <a:latin typeface="+mn-lt"/>
-                <a:ea typeface="+mn-ea"/>
-                <a:cs typeface="+mn-cs"/>
-              </a:defRPr>
-            </a:lvl2pPr>
-            <a:lvl3pPr marL="1143000" indent="-228600" algn="l" defTabSz="914400" rtl="0" eaLnBrk="1" latinLnBrk="1" hangingPunct="1">
-              <a:spcBef>
-                <a:spcPct val="20000"/>
-              </a:spcBef>
-              <a:buFont typeface="Arial" panose="020B0604020202020204" pitchFamily="34" charset="0"/>
-              <a:buChar char="•"/>
-              <a:defRPr sz="2400" kern="1200">
-                <a:solidFill>
-                  <a:schemeClr val="tx1"/>
-                </a:solidFill>
-                <a:latin typeface="+mn-lt"/>
-                <a:ea typeface="+mn-ea"/>
-                <a:cs typeface="+mn-cs"/>
-              </a:defRPr>
-            </a:lvl3pPr>
-            <a:lvl4pPr marL="1600200" indent="-228600" algn="l" defTabSz="914400" rtl="0" eaLnBrk="1" latinLnBrk="1" hangingPunct="1">
-              <a:spcBef>
-                <a:spcPct val="20000"/>
-              </a:spcBef>
-              <a:buFont typeface="Arial" panose="020B0604020202020204" pitchFamily="34" charset="0"/>
-              <a:buChar char="–"/>
-              <a:defRPr sz="2000" kern="1200">
-                <a:solidFill>
-                  <a:schemeClr val="tx1"/>
-                </a:solidFill>
-                <a:latin typeface="+mn-lt"/>
-                <a:ea typeface="+mn-ea"/>
-                <a:cs typeface="+mn-cs"/>
-              </a:defRPr>
-            </a:lvl4pPr>
-            <a:lvl5pPr marL="2057400" indent="-228600" algn="l" defTabSz="914400" rtl="0" eaLnBrk="1" latinLnBrk="1" hangingPunct="1">
-              <a:spcBef>
-                <a:spcPct val="20000"/>
-              </a:spcBef>
-              <a:buFont typeface="Arial" panose="020B0604020202020204" pitchFamily="34" charset="0"/>
-              <a:buChar char="»"/>
-              <a:defRPr sz="2000" kern="1200">
-                <a:solidFill>
-                  <a:schemeClr val="tx1"/>
-                </a:solidFill>
-                <a:latin typeface="+mn-lt"/>
-                <a:ea typeface="+mn-ea"/>
-                <a:cs typeface="+mn-cs"/>
-              </a:defRPr>
-            </a:lvl5pPr>
-            <a:lvl6pPr marL="2514600" indent="-228600" algn="l" defTabSz="914400" rtl="0" eaLnBrk="1" latinLnBrk="1" hangingPunct="1">
-              <a:spcBef>
-                <a:spcPct val="20000"/>
-              </a:spcBef>
-              <a:buFont typeface="Arial" panose="020B0604020202020204" pitchFamily="34" charset="0"/>
-              <a:buChar char="•"/>
-              <a:defRPr sz="2000" kern="1200">
-                <a:solidFill>
-                  <a:schemeClr val="tx1"/>
-                </a:solidFill>
-                <a:latin typeface="+mn-lt"/>
-                <a:ea typeface="+mn-ea"/>
-                <a:cs typeface="+mn-cs"/>
-              </a:defRPr>
-            </a:lvl6pPr>
-            <a:lvl7pPr marL="2971800" indent="-228600" algn="l" defTabSz="914400" rtl="0" eaLnBrk="1" latinLnBrk="1" hangingPunct="1">
-              <a:spcBef>
-                <a:spcPct val="20000"/>
-              </a:spcBef>
-              <a:buFont typeface="Arial" panose="020B0604020202020204" pitchFamily="34" charset="0"/>
-              <a:buChar char="•"/>
-              <a:defRPr sz="2000" kern="1200">
-                <a:solidFill>
-                  <a:schemeClr val="tx1"/>
-                </a:solidFill>
-                <a:latin typeface="+mn-lt"/>
-                <a:ea typeface="+mn-ea"/>
-                <a:cs typeface="+mn-cs"/>
-              </a:defRPr>
-            </a:lvl7pPr>
-            <a:lvl8pPr marL="3429000" indent="-228600" algn="l" defTabSz="914400" rtl="0" eaLnBrk="1" latinLnBrk="1" hangingPunct="1">
-              <a:spcBef>
-                <a:spcPct val="20000"/>
-              </a:spcBef>
-              <a:buFont typeface="Arial" panose="020B0604020202020204" pitchFamily="34" charset="0"/>
-              <a:buChar char="•"/>
-              <a:defRPr sz="2000" kern="1200">
-                <a:solidFill>
-                  <a:schemeClr val="tx1"/>
-                </a:solidFill>
-                <a:latin typeface="+mn-lt"/>
-                <a:ea typeface="+mn-ea"/>
-                <a:cs typeface="+mn-cs"/>
-              </a:defRPr>
-            </a:lvl8pPr>
-            <a:lvl9pPr marL="3886200" indent="-228600" algn="l" defTabSz="914400" rtl="0" eaLnBrk="1" latinLnBrk="1" hangingPunct="1">
-              <a:spcBef>
-                <a:spcPct val="20000"/>
-              </a:spcBef>
-              <a:buFont typeface="Arial" panose="020B0604020202020204" pitchFamily="34" charset="0"/>
-              <a:buChar char="•"/>
-              <a:defRPr sz="2000" kern="1200">
-                <a:solidFill>
-                  <a:schemeClr val="tx1"/>
-                </a:solidFill>
-                <a:latin typeface="+mn-lt"/>
-                <a:ea typeface="+mn-ea"/>
-                <a:cs typeface="+mn-cs"/>
-              </a:defRPr>
-            </a:lvl9pPr>
-          </a:lstStyle>
-          <a:p>
-            <a:pPr marL="0" indent="0">
-              <a:lnSpc>
-                <a:spcPct val="150000"/>
-              </a:lnSpc>
-              <a:buFont typeface="Arial" panose="020B0604020202020204" pitchFamily="34" charset="0"/>
-              <a:buNone/>
-            </a:pPr>
-            <a:r>
-              <a:rPr lang="en-US" altLang="ko-KR" sz="1800" b="1" dirty="0" smtClean="0"/>
-              <a:t>RANK()  OVER(ORDER BY </a:t>
-            </a:r>
-            <a:r>
-              <a:rPr lang="ko-KR" altLang="en-US" sz="1800" b="1" dirty="0" smtClean="0"/>
-              <a:t>열 이름</a:t>
-            </a:r>
-            <a:r>
-              <a:rPr lang="en-US" altLang="ko-KR" sz="1800" b="1" dirty="0" smtClean="0"/>
-              <a:t>)</a:t>
-            </a:r>
           </a:p>
         </p:txBody>
       </p:sp>
       <p:pic>
         <p:nvPicPr>
-          <p:cNvPr id="6" name="그림 5"/>
+          <p:cNvPr id="5" name="그림 4"/>
           <p:cNvPicPr>
             <a:picLocks noChangeAspect="1"/>
           </p:cNvPicPr>
@@ -5397,8 +4988,8 @@
         </p:blipFill>
         <p:spPr>
           <a:xfrm>
-            <a:off x="1547664" y="3152642"/>
-            <a:ext cx="6226080" cy="1356478"/>
+            <a:off x="395536" y="2276872"/>
+            <a:ext cx="8460432" cy="600114"/>
           </a:xfrm>
           <a:prstGeom prst="rect">
             <a:avLst/>
@@ -5412,234 +5003,40 @@
           </a:ln>
         </p:spPr>
       </p:pic>
-      <p:pic>
-        <p:nvPicPr>
-          <p:cNvPr id="8" name="그림 7"/>
-          <p:cNvPicPr>
-            <a:picLocks noChangeAspect="1"/>
-          </p:cNvPicPr>
+      <p:sp>
+        <p:nvSpPr>
+          <p:cNvPr id="8" name="TextBox 7"/>
+          <p:cNvSpPr txBox="1"/>
           <p:nvPr/>
-        </p:nvPicPr>
-        <p:blipFill>
-          <a:blip r:embed="rId3">
-            <a:extLst>
-              <a:ext uri="{28A0092B-C50C-407E-A947-70E740481C1C}">
-                <a14:useLocalDpi xmlns:a14="http://schemas.microsoft.com/office/drawing/2010/main" val="0"/>
-              </a:ext>
-            </a:extLst>
-          </a:blip>
-          <a:stretch>
-            <a:fillRect/>
-          </a:stretch>
-        </p:blipFill>
-        <p:spPr>
-          <a:xfrm>
-            <a:off x="1547664" y="4840086"/>
-            <a:ext cx="4122777" cy="1181202"/>
+        </p:nvSpPr>
+        <p:spPr>
+          <a:xfrm>
+            <a:off x="467544" y="1445452"/>
+            <a:ext cx="5040560" cy="369332"/>
           </a:xfrm>
           <a:prstGeom prst="rect">
             <a:avLst/>
           </a:prstGeom>
-          <a:ln>
-            <a:solidFill>
-              <a:schemeClr val="bg1">
-                <a:lumMod val="85000"/>
-              </a:schemeClr>
-            </a:solidFill>
-          </a:ln>
-        </p:spPr>
-      </p:pic>
-      <p:sp>
-        <p:nvSpPr>
-          <p:cNvPr id="11" name="내용 개체 틀 2"/>
-          <p:cNvSpPr txBox="1">
-            <a:spLocks/>
-          </p:cNvSpPr>
-          <p:nvPr/>
-        </p:nvSpPr>
-        <p:spPr>
-          <a:xfrm>
-            <a:off x="1835696" y="2326248"/>
-            <a:ext cx="4896544" cy="507452"/>
-          </a:xfrm>
-          <a:prstGeom prst="rect">
-            <a:avLst/>
-          </a:prstGeom>
-          <a:solidFill>
-            <a:schemeClr val="accent5">
-              <a:lumMod val="20000"/>
-              <a:lumOff val="80000"/>
-            </a:schemeClr>
-          </a:solidFill>
-        </p:spPr>
-        <p:txBody>
-          <a:bodyPr vert="horz" lIns="91440" tIns="45720" rIns="91440" bIns="45720" rtlCol="0">
-            <a:normAutofit/>
+          <a:noFill/>
+        </p:spPr>
+        <p:txBody>
+          <a:bodyPr wrap="square" rtlCol="0">
+            <a:spAutoFit/>
           </a:bodyPr>
-          <a:lstStyle>
-            <a:lvl1pPr marL="342900" indent="-342900" algn="l" defTabSz="914400" rtl="0" eaLnBrk="1" latinLnBrk="1" hangingPunct="1">
-              <a:spcBef>
-                <a:spcPct val="20000"/>
-              </a:spcBef>
-              <a:buFont typeface="Arial" panose="020B0604020202020204" pitchFamily="34" charset="0"/>
-              <a:buChar char="•"/>
-              <a:defRPr sz="3200" kern="1200">
-                <a:solidFill>
-                  <a:schemeClr val="tx1"/>
-                </a:solidFill>
-                <a:latin typeface="+mn-lt"/>
-                <a:ea typeface="+mn-ea"/>
-                <a:cs typeface="+mn-cs"/>
-              </a:defRPr>
-            </a:lvl1pPr>
-            <a:lvl2pPr marL="742950" indent="-285750" algn="l" defTabSz="914400" rtl="0" eaLnBrk="1" latinLnBrk="1" hangingPunct="1">
-              <a:spcBef>
-                <a:spcPct val="20000"/>
-              </a:spcBef>
-              <a:buFont typeface="Arial" panose="020B0604020202020204" pitchFamily="34" charset="0"/>
-              <a:buChar char="–"/>
-              <a:defRPr sz="2800" kern="1200">
-                <a:solidFill>
-                  <a:schemeClr val="tx1"/>
-                </a:solidFill>
-                <a:latin typeface="+mn-lt"/>
-                <a:ea typeface="+mn-ea"/>
-                <a:cs typeface="+mn-cs"/>
-              </a:defRPr>
-            </a:lvl2pPr>
-            <a:lvl3pPr marL="1143000" indent="-228600" algn="l" defTabSz="914400" rtl="0" eaLnBrk="1" latinLnBrk="1" hangingPunct="1">
-              <a:spcBef>
-                <a:spcPct val="20000"/>
-              </a:spcBef>
-              <a:buFont typeface="Arial" panose="020B0604020202020204" pitchFamily="34" charset="0"/>
-              <a:buChar char="•"/>
-              <a:defRPr sz="2400" kern="1200">
-                <a:solidFill>
-                  <a:schemeClr val="tx1"/>
-                </a:solidFill>
-                <a:latin typeface="+mn-lt"/>
-                <a:ea typeface="+mn-ea"/>
-                <a:cs typeface="+mn-cs"/>
-              </a:defRPr>
-            </a:lvl3pPr>
-            <a:lvl4pPr marL="1600200" indent="-228600" algn="l" defTabSz="914400" rtl="0" eaLnBrk="1" latinLnBrk="1" hangingPunct="1">
-              <a:spcBef>
-                <a:spcPct val="20000"/>
-              </a:spcBef>
-              <a:buFont typeface="Arial" panose="020B0604020202020204" pitchFamily="34" charset="0"/>
-              <a:buChar char="–"/>
-              <a:defRPr sz="2000" kern="1200">
-                <a:solidFill>
-                  <a:schemeClr val="tx1"/>
-                </a:solidFill>
-                <a:latin typeface="+mn-lt"/>
-                <a:ea typeface="+mn-ea"/>
-                <a:cs typeface="+mn-cs"/>
-              </a:defRPr>
-            </a:lvl4pPr>
-            <a:lvl5pPr marL="2057400" indent="-228600" algn="l" defTabSz="914400" rtl="0" eaLnBrk="1" latinLnBrk="1" hangingPunct="1">
-              <a:spcBef>
-                <a:spcPct val="20000"/>
-              </a:spcBef>
-              <a:buFont typeface="Arial" panose="020B0604020202020204" pitchFamily="34" charset="0"/>
-              <a:buChar char="»"/>
-              <a:defRPr sz="2000" kern="1200">
-                <a:solidFill>
-                  <a:schemeClr val="tx1"/>
-                </a:solidFill>
-                <a:latin typeface="+mn-lt"/>
-                <a:ea typeface="+mn-ea"/>
-                <a:cs typeface="+mn-cs"/>
-              </a:defRPr>
-            </a:lvl5pPr>
-            <a:lvl6pPr marL="2514600" indent="-228600" algn="l" defTabSz="914400" rtl="0" eaLnBrk="1" latinLnBrk="1" hangingPunct="1">
-              <a:spcBef>
-                <a:spcPct val="20000"/>
-              </a:spcBef>
-              <a:buFont typeface="Arial" panose="020B0604020202020204" pitchFamily="34" charset="0"/>
-              <a:buChar char="•"/>
-              <a:defRPr sz="2000" kern="1200">
-                <a:solidFill>
-                  <a:schemeClr val="tx1"/>
-                </a:solidFill>
-                <a:latin typeface="+mn-lt"/>
-                <a:ea typeface="+mn-ea"/>
-                <a:cs typeface="+mn-cs"/>
-              </a:defRPr>
-            </a:lvl6pPr>
-            <a:lvl7pPr marL="2971800" indent="-228600" algn="l" defTabSz="914400" rtl="0" eaLnBrk="1" latinLnBrk="1" hangingPunct="1">
-              <a:spcBef>
-                <a:spcPct val="20000"/>
-              </a:spcBef>
-              <a:buFont typeface="Arial" panose="020B0604020202020204" pitchFamily="34" charset="0"/>
-              <a:buChar char="•"/>
-              <a:defRPr sz="2000" kern="1200">
-                <a:solidFill>
-                  <a:schemeClr val="tx1"/>
-                </a:solidFill>
-                <a:latin typeface="+mn-lt"/>
-                <a:ea typeface="+mn-ea"/>
-                <a:cs typeface="+mn-cs"/>
-              </a:defRPr>
-            </a:lvl7pPr>
-            <a:lvl8pPr marL="3429000" indent="-228600" algn="l" defTabSz="914400" rtl="0" eaLnBrk="1" latinLnBrk="1" hangingPunct="1">
-              <a:spcBef>
-                <a:spcPct val="20000"/>
-              </a:spcBef>
-              <a:buFont typeface="Arial" panose="020B0604020202020204" pitchFamily="34" charset="0"/>
-              <a:buChar char="•"/>
-              <a:defRPr sz="2000" kern="1200">
-                <a:solidFill>
-                  <a:schemeClr val="tx1"/>
-                </a:solidFill>
-                <a:latin typeface="+mn-lt"/>
-                <a:ea typeface="+mn-ea"/>
-                <a:cs typeface="+mn-cs"/>
-              </a:defRPr>
-            </a:lvl8pPr>
-            <a:lvl9pPr marL="3886200" indent="-228600" algn="l" defTabSz="914400" rtl="0" eaLnBrk="1" latinLnBrk="1" hangingPunct="1">
-              <a:spcBef>
-                <a:spcPct val="20000"/>
-              </a:spcBef>
-              <a:buFont typeface="Arial" panose="020B0604020202020204" pitchFamily="34" charset="0"/>
-              <a:buChar char="•"/>
-              <a:defRPr sz="2000" kern="1200">
-                <a:solidFill>
-                  <a:schemeClr val="tx1"/>
-                </a:solidFill>
-                <a:latin typeface="+mn-lt"/>
-                <a:ea typeface="+mn-ea"/>
-                <a:cs typeface="+mn-cs"/>
-              </a:defRPr>
-            </a:lvl9pPr>
-          </a:lstStyle>
-          <a:p>
-            <a:pPr marL="0" indent="0">
-              <a:lnSpc>
-                <a:spcPct val="150000"/>
-              </a:lnSpc>
-              <a:buFont typeface="Arial" panose="020B0604020202020204" pitchFamily="34" charset="0"/>
-              <a:buNone/>
-            </a:pPr>
-            <a:r>
-              <a:rPr lang="en-US" altLang="ko-KR" sz="1800" b="1" dirty="0" smtClean="0"/>
-              <a:t>DENSE_RANK()  OVER(ORDER BY </a:t>
-            </a:r>
-            <a:r>
-              <a:rPr lang="ko-KR" altLang="en-US" sz="1800" b="1" dirty="0" smtClean="0"/>
-              <a:t>열 이름</a:t>
-            </a:r>
-            <a:r>
-              <a:rPr lang="en-US" altLang="ko-KR" sz="1800" b="1" dirty="0" smtClean="0"/>
-              <a:t>)</a:t>
-            </a:r>
+          <a:lstStyle/>
+          <a:p>
+            <a:r>
+              <a:rPr lang="en-US" altLang="ko-KR" dirty="0" smtClean="0"/>
+              <a:t>SELECT * FROM employee;</a:t>
+            </a:r>
+            <a:endParaRPr lang="ko-KR" altLang="en-US" dirty="0"/>
           </a:p>
         </p:txBody>
       </p:sp>
     </p:spTree>
     <p:extLst>
       <p:ext uri="{BB962C8B-B14F-4D97-AF65-F5344CB8AC3E}">
-        <p14:creationId xmlns:p14="http://schemas.microsoft.com/office/powerpoint/2010/main" val="2065935130"/>
+        <p14:creationId xmlns:p14="http://schemas.microsoft.com/office/powerpoint/2010/main" val="1691497401"/>
       </p:ext>
     </p:extLst>
   </p:cSld>
@@ -5675,7 +5072,30 @@
       </p:grpSpPr>
       <p:sp>
         <p:nvSpPr>
-          <p:cNvPr id="2" name="제목 1"/>
+          <p:cNvPr id="4" name="슬라이드 번호 개체 틀 3"/>
+          <p:cNvSpPr>
+            <a:spLocks noGrp="1"/>
+          </p:cNvSpPr>
+          <p:nvPr>
+            <p:ph type="sldNum" sz="quarter" idx="12"/>
+          </p:nvPr>
+        </p:nvSpPr>
+        <p:spPr/>
+        <p:txBody>
+          <a:bodyPr/>
+          <a:lstStyle/>
+          <a:p>
+            <a:fld id="{1BDE3FE7-3AEA-4B05-AC5A-802D1816ACF0}" type="slidenum">
+              <a:rPr lang="ko-KR" altLang="en-US" smtClean="0"/>
+              <a:t>14</a:t>
+            </a:fld>
+            <a:endParaRPr lang="ko-KR" altLang="en-US"/>
+          </a:p>
+        </p:txBody>
+      </p:sp>
+      <p:sp>
+        <p:nvSpPr>
+          <p:cNvPr id="10" name="제목 1"/>
           <p:cNvSpPr>
             <a:spLocks noGrp="1"/>
           </p:cNvSpPr>
@@ -5683,7 +5103,12 @@
             <p:ph type="title"/>
           </p:nvPr>
         </p:nvSpPr>
-        <p:spPr/>
+        <p:spPr>
+          <a:xfrm>
+            <a:off x="1" y="-18256"/>
+            <a:ext cx="5724128" cy="854968"/>
+          </a:xfrm>
+        </p:spPr>
         <p:txBody>
           <a:bodyPr>
             <a:normAutofit/>
@@ -5692,585 +5117,135 @@
           <a:p>
             <a:r>
               <a:rPr lang="en-US" altLang="ko-KR" sz="2800" dirty="0" smtClean="0"/>
-              <a:t> </a:t>
-            </a:r>
-            <a:r>
-              <a:rPr lang="en-US" altLang="ko-KR" sz="2800" b="1" dirty="0" smtClean="0"/>
-              <a:t>LOLLUP() </a:t>
-            </a:r>
-            <a:r>
-              <a:rPr lang="ko-KR" altLang="en-US" sz="2800" b="1" dirty="0"/>
-              <a:t>함수 </a:t>
-            </a:r>
-            <a:r>
-              <a:rPr lang="en-US" altLang="ko-KR" sz="2800" b="1" dirty="0"/>
-              <a:t>vs </a:t>
-            </a:r>
-            <a:r>
-              <a:rPr lang="en-US" altLang="ko-KR" sz="2800" b="1" dirty="0" smtClean="0"/>
-              <a:t>CUBE()</a:t>
-            </a:r>
-            <a:endParaRPr lang="ko-KR" altLang="en-US" sz="2800" dirty="0"/>
-          </a:p>
-        </p:txBody>
-      </p:sp>
-      <p:sp>
-        <p:nvSpPr>
-          <p:cNvPr id="4" name="슬라이드 번호 개체 틀 3"/>
-          <p:cNvSpPr>
-            <a:spLocks noGrp="1"/>
-          </p:cNvSpPr>
-          <p:nvPr>
-            <p:ph type="sldNum" sz="quarter" idx="12"/>
-          </p:nvPr>
-        </p:nvSpPr>
-        <p:spPr/>
-        <p:txBody>
-          <a:bodyPr/>
-          <a:lstStyle/>
-          <a:p>
-            <a:fld id="{1BDE3FE7-3AEA-4B05-AC5A-802D1816ACF0}" type="slidenum">
-              <a:rPr lang="ko-KR" altLang="en-US" smtClean="0"/>
-              <a:t>14</a:t>
-            </a:fld>
-            <a:endParaRPr lang="ko-KR" altLang="en-US"/>
-          </a:p>
-        </p:txBody>
-      </p:sp>
-      <p:sp>
-        <p:nvSpPr>
-          <p:cNvPr id="6" name="TextBox 5"/>
-          <p:cNvSpPr txBox="1"/>
+              <a:t>  </a:t>
+            </a:r>
+            <a:r>
+              <a:rPr lang="en-US" altLang="ko-KR" sz="2800" dirty="0"/>
+              <a:t>SQL </a:t>
+            </a:r>
+            <a:r>
+              <a:rPr lang="ko-KR" altLang="en-US" sz="2800" dirty="0"/>
+              <a:t>최적화</a:t>
+            </a:r>
+            <a:endParaRPr lang="ko-KR" altLang="en-US" sz="2800" b="1" dirty="0"/>
+          </a:p>
+        </p:txBody>
+      </p:sp>
+      <p:pic>
+        <p:nvPicPr>
+          <p:cNvPr id="2" name="그림 1"/>
+          <p:cNvPicPr>
+            <a:picLocks noChangeAspect="1"/>
+          </p:cNvPicPr>
           <p:nvPr/>
-        </p:nvSpPr>
-        <p:spPr>
-          <a:xfrm>
-            <a:off x="827584" y="1193356"/>
-            <a:ext cx="3816424" cy="400110"/>
+        </p:nvPicPr>
+        <p:blipFill>
+          <a:blip r:embed="rId2">
+            <a:extLst>
+              <a:ext uri="{28A0092B-C50C-407E-A947-70E740481C1C}">
+                <a14:useLocalDpi xmlns:a14="http://schemas.microsoft.com/office/drawing/2010/main" val="0"/>
+              </a:ext>
+            </a:extLst>
+          </a:blip>
+          <a:stretch>
+            <a:fillRect/>
+          </a:stretch>
+        </p:blipFill>
+        <p:spPr>
+          <a:xfrm>
+            <a:off x="1115616" y="1484784"/>
+            <a:ext cx="5654530" cy="2225233"/>
           </a:xfrm>
           <a:prstGeom prst="rect">
             <a:avLst/>
           </a:prstGeom>
-          <a:noFill/>
-        </p:spPr>
-        <p:txBody>
-          <a:bodyPr wrap="square" rtlCol="0">
-            <a:spAutoFit/>
-          </a:bodyPr>
-          <a:lstStyle/>
-          <a:p>
-            <a:pPr marL="342900" indent="-342900">
-              <a:buFont typeface="Wingdings" panose="05000000000000000000" pitchFamily="2" charset="2"/>
-              <a:buChar char="ü"/>
-            </a:pPr>
-            <a:r>
-              <a:rPr lang="en-US" altLang="ko-KR" sz="2000" b="1" dirty="0" smtClean="0"/>
-              <a:t>LOLLUP(</a:t>
-            </a:r>
-            <a:r>
-              <a:rPr lang="ko-KR" altLang="en-US" sz="2000" b="1" dirty="0" err="1" smtClean="0"/>
-              <a:t>칼럼명</a:t>
-            </a:r>
-            <a:r>
-              <a:rPr lang="en-US" altLang="ko-KR" sz="2000" b="1" dirty="0" smtClean="0"/>
-              <a:t>, </a:t>
-            </a:r>
-            <a:r>
-              <a:rPr lang="ko-KR" altLang="en-US" sz="2000" b="1" dirty="0" err="1" smtClean="0"/>
-              <a:t>칼럼명</a:t>
-            </a:r>
-            <a:r>
-              <a:rPr lang="en-US" altLang="ko-KR" sz="2000" b="1" dirty="0" smtClean="0"/>
-              <a:t>)</a:t>
-            </a:r>
-            <a:endParaRPr lang="ko-KR" altLang="en-US" sz="2000" b="1" dirty="0"/>
-          </a:p>
-        </p:txBody>
-      </p:sp>
-      <p:sp>
-        <p:nvSpPr>
-          <p:cNvPr id="8" name="내용 개체 틀 2"/>
-          <p:cNvSpPr txBox="1">
-            <a:spLocks/>
-          </p:cNvSpPr>
+          <a:ln>
+            <a:solidFill>
+              <a:schemeClr val="bg1">
+                <a:lumMod val="85000"/>
+              </a:schemeClr>
+            </a:solidFill>
+          </a:ln>
+        </p:spPr>
+      </p:pic>
+      <p:pic>
+        <p:nvPicPr>
+          <p:cNvPr id="7" name="그림 6"/>
+          <p:cNvPicPr>
+            <a:picLocks noChangeAspect="1"/>
+          </p:cNvPicPr>
           <p:nvPr/>
-        </p:nvSpPr>
-        <p:spPr>
-          <a:xfrm>
-            <a:off x="1259632" y="1718753"/>
-            <a:ext cx="6120680" cy="1371548"/>
+        </p:nvPicPr>
+        <p:blipFill>
+          <a:blip r:embed="rId3">
+            <a:extLst>
+              <a:ext uri="{28A0092B-C50C-407E-A947-70E740481C1C}">
+                <a14:useLocalDpi xmlns:a14="http://schemas.microsoft.com/office/drawing/2010/main" val="0"/>
+              </a:ext>
+            </a:extLst>
+          </a:blip>
+          <a:stretch>
+            <a:fillRect/>
+          </a:stretch>
+        </p:blipFill>
+        <p:spPr>
+          <a:xfrm>
+            <a:off x="6044760" y="3431863"/>
+            <a:ext cx="2156647" cy="556308"/>
           </a:xfrm>
           <a:prstGeom prst="rect">
             <a:avLst/>
           </a:prstGeom>
-          <a:solidFill>
-            <a:schemeClr val="accent5">
-              <a:lumMod val="20000"/>
-              <a:lumOff val="80000"/>
-            </a:schemeClr>
-          </a:solidFill>
-        </p:spPr>
-        <p:txBody>
-          <a:bodyPr vert="horz" lIns="91440" tIns="45720" rIns="91440" bIns="45720" rtlCol="0">
-            <a:normAutofit lnSpcReduction="10000"/>
-          </a:bodyPr>
-          <a:lstStyle>
-            <a:lvl1pPr marL="342900" indent="-342900" algn="l" defTabSz="914400" rtl="0" eaLnBrk="1" latinLnBrk="1" hangingPunct="1">
-              <a:spcBef>
-                <a:spcPct val="20000"/>
-              </a:spcBef>
-              <a:buFont typeface="Arial" panose="020B0604020202020204" pitchFamily="34" charset="0"/>
-              <a:buChar char="•"/>
-              <a:defRPr sz="3200" kern="1200">
-                <a:solidFill>
-                  <a:schemeClr val="tx1"/>
-                </a:solidFill>
-                <a:latin typeface="+mn-lt"/>
-                <a:ea typeface="+mn-ea"/>
-                <a:cs typeface="+mn-cs"/>
-              </a:defRPr>
-            </a:lvl1pPr>
-            <a:lvl2pPr marL="742950" indent="-285750" algn="l" defTabSz="914400" rtl="0" eaLnBrk="1" latinLnBrk="1" hangingPunct="1">
-              <a:spcBef>
-                <a:spcPct val="20000"/>
-              </a:spcBef>
-              <a:buFont typeface="Arial" panose="020B0604020202020204" pitchFamily="34" charset="0"/>
-              <a:buChar char="–"/>
-              <a:defRPr sz="2800" kern="1200">
-                <a:solidFill>
-                  <a:schemeClr val="tx1"/>
-                </a:solidFill>
-                <a:latin typeface="+mn-lt"/>
-                <a:ea typeface="+mn-ea"/>
-                <a:cs typeface="+mn-cs"/>
-              </a:defRPr>
-            </a:lvl2pPr>
-            <a:lvl3pPr marL="1143000" indent="-228600" algn="l" defTabSz="914400" rtl="0" eaLnBrk="1" latinLnBrk="1" hangingPunct="1">
-              <a:spcBef>
-                <a:spcPct val="20000"/>
-              </a:spcBef>
-              <a:buFont typeface="Arial" panose="020B0604020202020204" pitchFamily="34" charset="0"/>
-              <a:buChar char="•"/>
-              <a:defRPr sz="2400" kern="1200">
-                <a:solidFill>
-                  <a:schemeClr val="tx1"/>
-                </a:solidFill>
-                <a:latin typeface="+mn-lt"/>
-                <a:ea typeface="+mn-ea"/>
-                <a:cs typeface="+mn-cs"/>
-              </a:defRPr>
-            </a:lvl3pPr>
-            <a:lvl4pPr marL="1600200" indent="-228600" algn="l" defTabSz="914400" rtl="0" eaLnBrk="1" latinLnBrk="1" hangingPunct="1">
-              <a:spcBef>
-                <a:spcPct val="20000"/>
-              </a:spcBef>
-              <a:buFont typeface="Arial" panose="020B0604020202020204" pitchFamily="34" charset="0"/>
-              <a:buChar char="–"/>
-              <a:defRPr sz="2000" kern="1200">
-                <a:solidFill>
-                  <a:schemeClr val="tx1"/>
-                </a:solidFill>
-                <a:latin typeface="+mn-lt"/>
-                <a:ea typeface="+mn-ea"/>
-                <a:cs typeface="+mn-cs"/>
-              </a:defRPr>
-            </a:lvl4pPr>
-            <a:lvl5pPr marL="2057400" indent="-228600" algn="l" defTabSz="914400" rtl="0" eaLnBrk="1" latinLnBrk="1" hangingPunct="1">
-              <a:spcBef>
-                <a:spcPct val="20000"/>
-              </a:spcBef>
-              <a:buFont typeface="Arial" panose="020B0604020202020204" pitchFamily="34" charset="0"/>
-              <a:buChar char="»"/>
-              <a:defRPr sz="2000" kern="1200">
-                <a:solidFill>
-                  <a:schemeClr val="tx1"/>
-                </a:solidFill>
-                <a:latin typeface="+mn-lt"/>
-                <a:ea typeface="+mn-ea"/>
-                <a:cs typeface="+mn-cs"/>
-              </a:defRPr>
-            </a:lvl5pPr>
-            <a:lvl6pPr marL="2514600" indent="-228600" algn="l" defTabSz="914400" rtl="0" eaLnBrk="1" latinLnBrk="1" hangingPunct="1">
-              <a:spcBef>
-                <a:spcPct val="20000"/>
-              </a:spcBef>
-              <a:buFont typeface="Arial" panose="020B0604020202020204" pitchFamily="34" charset="0"/>
-              <a:buChar char="•"/>
-              <a:defRPr sz="2000" kern="1200">
-                <a:solidFill>
-                  <a:schemeClr val="tx1"/>
-                </a:solidFill>
-                <a:latin typeface="+mn-lt"/>
-                <a:ea typeface="+mn-ea"/>
-                <a:cs typeface="+mn-cs"/>
-              </a:defRPr>
-            </a:lvl6pPr>
-            <a:lvl7pPr marL="2971800" indent="-228600" algn="l" defTabSz="914400" rtl="0" eaLnBrk="1" latinLnBrk="1" hangingPunct="1">
-              <a:spcBef>
-                <a:spcPct val="20000"/>
-              </a:spcBef>
-              <a:buFont typeface="Arial" panose="020B0604020202020204" pitchFamily="34" charset="0"/>
-              <a:buChar char="•"/>
-              <a:defRPr sz="2000" kern="1200">
-                <a:solidFill>
-                  <a:schemeClr val="tx1"/>
-                </a:solidFill>
-                <a:latin typeface="+mn-lt"/>
-                <a:ea typeface="+mn-ea"/>
-                <a:cs typeface="+mn-cs"/>
-              </a:defRPr>
-            </a:lvl7pPr>
-            <a:lvl8pPr marL="3429000" indent="-228600" algn="l" defTabSz="914400" rtl="0" eaLnBrk="1" latinLnBrk="1" hangingPunct="1">
-              <a:spcBef>
-                <a:spcPct val="20000"/>
-              </a:spcBef>
-              <a:buFont typeface="Arial" panose="020B0604020202020204" pitchFamily="34" charset="0"/>
-              <a:buChar char="•"/>
-              <a:defRPr sz="2000" kern="1200">
-                <a:solidFill>
-                  <a:schemeClr val="tx1"/>
-                </a:solidFill>
-                <a:latin typeface="+mn-lt"/>
-                <a:ea typeface="+mn-ea"/>
-                <a:cs typeface="+mn-cs"/>
-              </a:defRPr>
-            </a:lvl8pPr>
-            <a:lvl9pPr marL="3886200" indent="-228600" algn="l" defTabSz="914400" rtl="0" eaLnBrk="1" latinLnBrk="1" hangingPunct="1">
-              <a:spcBef>
-                <a:spcPct val="20000"/>
-              </a:spcBef>
-              <a:buFont typeface="Arial" panose="020B0604020202020204" pitchFamily="34" charset="0"/>
-              <a:buChar char="•"/>
-              <a:defRPr sz="2000" kern="1200">
-                <a:solidFill>
-                  <a:schemeClr val="tx1"/>
-                </a:solidFill>
-                <a:latin typeface="+mn-lt"/>
-                <a:ea typeface="+mn-ea"/>
-                <a:cs typeface="+mn-cs"/>
-              </a:defRPr>
-            </a:lvl9pPr>
-          </a:lstStyle>
-          <a:p>
-            <a:pPr marL="0" indent="0">
-              <a:lnSpc>
-                <a:spcPct val="150000"/>
-              </a:lnSpc>
-              <a:buFont typeface="Arial" panose="020B0604020202020204" pitchFamily="34" charset="0"/>
-              <a:buNone/>
-            </a:pPr>
-            <a:r>
-              <a:rPr lang="en-US" altLang="ko-KR" sz="1800" dirty="0" smtClean="0"/>
-              <a:t>GROUP BY</a:t>
-            </a:r>
-            <a:r>
-              <a:rPr lang="ko-KR" altLang="en-US" sz="1800" dirty="0" smtClean="0"/>
-              <a:t>의 칼럼에 대해서 소계를 만들어 준다</a:t>
-            </a:r>
-            <a:r>
-              <a:rPr lang="en-US" altLang="ko-KR" sz="1800" dirty="0" smtClean="0"/>
-              <a:t>.</a:t>
-            </a:r>
-            <a:r>
-              <a:rPr lang="ko-KR" altLang="en-US" sz="1800" dirty="0" smtClean="0"/>
-              <a:t> </a:t>
-            </a:r>
-            <a:endParaRPr lang="en-US" altLang="ko-KR" sz="1800" dirty="0" smtClean="0"/>
-          </a:p>
-          <a:p>
-            <a:pPr marL="0" indent="0">
-              <a:lnSpc>
-                <a:spcPct val="150000"/>
-              </a:lnSpc>
-              <a:buFont typeface="Arial" panose="020B0604020202020204" pitchFamily="34" charset="0"/>
-              <a:buNone/>
-            </a:pPr>
-            <a:r>
-              <a:rPr lang="en-US" altLang="ko-KR" sz="1800" dirty="0" smtClean="0"/>
-              <a:t>GROUP BY </a:t>
-            </a:r>
-            <a:r>
-              <a:rPr lang="ko-KR" altLang="en-US" sz="1800" dirty="0" smtClean="0"/>
-              <a:t>구문에 칼럼이 두 개 이상 오면 순서에 따라</a:t>
-            </a:r>
-            <a:endParaRPr lang="en-US" altLang="ko-KR" sz="1800" dirty="0" smtClean="0"/>
-          </a:p>
-          <a:p>
-            <a:pPr marL="0" indent="0">
-              <a:lnSpc>
-                <a:spcPct val="150000"/>
-              </a:lnSpc>
-              <a:buFont typeface="Arial" panose="020B0604020202020204" pitchFamily="34" charset="0"/>
-              <a:buNone/>
-            </a:pPr>
-            <a:r>
-              <a:rPr lang="ko-KR" altLang="en-US" sz="1800" dirty="0" smtClean="0"/>
-              <a:t>결과가 달라진다</a:t>
-            </a:r>
-            <a:r>
-              <a:rPr lang="en-US" altLang="ko-KR" sz="1800" dirty="0" smtClean="0"/>
-              <a:t>.</a:t>
-            </a:r>
-          </a:p>
-        </p:txBody>
-      </p:sp>
-      <p:sp>
-        <p:nvSpPr>
-          <p:cNvPr id="7" name="TextBox 6"/>
-          <p:cNvSpPr txBox="1"/>
+          <a:ln>
+            <a:solidFill>
+              <a:schemeClr val="bg1">
+                <a:lumMod val="85000"/>
+              </a:schemeClr>
+            </a:solidFill>
+          </a:ln>
+        </p:spPr>
+      </p:pic>
+      <p:pic>
+        <p:nvPicPr>
+          <p:cNvPr id="3" name="그림 2"/>
+          <p:cNvPicPr>
+            <a:picLocks noChangeAspect="1"/>
+          </p:cNvPicPr>
           <p:nvPr/>
-        </p:nvSpPr>
-        <p:spPr>
-          <a:xfrm>
-            <a:off x="827584" y="3645024"/>
-            <a:ext cx="5400600" cy="400110"/>
+        </p:nvPicPr>
+        <p:blipFill>
+          <a:blip r:embed="rId4">
+            <a:extLst>
+              <a:ext uri="{28A0092B-C50C-407E-A947-70E740481C1C}">
+                <a14:useLocalDpi xmlns:a14="http://schemas.microsoft.com/office/drawing/2010/main" val="0"/>
+              </a:ext>
+            </a:extLst>
+          </a:blip>
+          <a:stretch>
+            <a:fillRect/>
+          </a:stretch>
+        </p:blipFill>
+        <p:spPr>
+          <a:xfrm>
+            <a:off x="323527" y="4221088"/>
+            <a:ext cx="8589359" cy="1512168"/>
           </a:xfrm>
           <a:prstGeom prst="rect">
             <a:avLst/>
           </a:prstGeom>
-          <a:noFill/>
-        </p:spPr>
-        <p:txBody>
-          <a:bodyPr wrap="square" rtlCol="0">
-            <a:spAutoFit/>
-          </a:bodyPr>
-          <a:lstStyle/>
-          <a:p>
-            <a:pPr marL="342900" indent="-342900">
-              <a:buFont typeface="Wingdings" panose="05000000000000000000" pitchFamily="2" charset="2"/>
-              <a:buChar char="ü"/>
-            </a:pPr>
-            <a:r>
-              <a:rPr lang="en-US" altLang="ko-KR" sz="2000" b="1" dirty="0" smtClean="0"/>
-              <a:t>CUBE(</a:t>
-            </a:r>
-            <a:r>
-              <a:rPr lang="ko-KR" altLang="en-US" sz="2000" b="1" dirty="0" err="1" smtClean="0"/>
-              <a:t>칼럼명</a:t>
-            </a:r>
-            <a:r>
-              <a:rPr lang="en-US" altLang="ko-KR" sz="2000" b="1" dirty="0" smtClean="0"/>
-              <a:t>, </a:t>
-            </a:r>
-            <a:r>
-              <a:rPr lang="ko-KR" altLang="en-US" sz="2000" b="1" dirty="0" err="1" smtClean="0"/>
-              <a:t>칼럼명</a:t>
-            </a:r>
-            <a:r>
-              <a:rPr lang="en-US" altLang="ko-KR" sz="2000" b="1" dirty="0" smtClean="0"/>
-              <a:t>)</a:t>
-            </a:r>
-            <a:endParaRPr lang="ko-KR" altLang="en-US" sz="2000" b="1" dirty="0"/>
-          </a:p>
-        </p:txBody>
-      </p:sp>
-      <p:sp>
-        <p:nvSpPr>
-          <p:cNvPr id="9" name="내용 개체 틀 2"/>
-          <p:cNvSpPr txBox="1">
-            <a:spLocks/>
-          </p:cNvSpPr>
-          <p:nvPr/>
-        </p:nvSpPr>
-        <p:spPr>
-          <a:xfrm>
-            <a:off x="1259632" y="4217691"/>
-            <a:ext cx="6984776" cy="1092228"/>
-          </a:xfrm>
-          <a:prstGeom prst="rect">
-            <a:avLst/>
-          </a:prstGeom>
-          <a:solidFill>
-            <a:schemeClr val="accent5">
-              <a:lumMod val="20000"/>
-              <a:lumOff val="80000"/>
-            </a:schemeClr>
-          </a:solidFill>
-        </p:spPr>
-        <p:txBody>
-          <a:bodyPr vert="horz" lIns="91440" tIns="45720" rIns="91440" bIns="45720" rtlCol="0">
-            <a:noAutofit/>
-          </a:bodyPr>
-          <a:lstStyle>
-            <a:lvl1pPr marL="342900" indent="-342900" algn="l" defTabSz="914400" rtl="0" eaLnBrk="1" latinLnBrk="1" hangingPunct="1">
-              <a:spcBef>
-                <a:spcPct val="20000"/>
-              </a:spcBef>
-              <a:buFont typeface="Arial" panose="020B0604020202020204" pitchFamily="34" charset="0"/>
-              <a:buChar char="•"/>
-              <a:defRPr sz="3200" kern="1200">
-                <a:solidFill>
-                  <a:schemeClr val="tx1"/>
-                </a:solidFill>
-                <a:latin typeface="+mn-lt"/>
-                <a:ea typeface="+mn-ea"/>
-                <a:cs typeface="+mn-cs"/>
-              </a:defRPr>
-            </a:lvl1pPr>
-            <a:lvl2pPr marL="742950" indent="-285750" algn="l" defTabSz="914400" rtl="0" eaLnBrk="1" latinLnBrk="1" hangingPunct="1">
-              <a:spcBef>
-                <a:spcPct val="20000"/>
-              </a:spcBef>
-              <a:buFont typeface="Arial" panose="020B0604020202020204" pitchFamily="34" charset="0"/>
-              <a:buChar char="–"/>
-              <a:defRPr sz="2800" kern="1200">
-                <a:solidFill>
-                  <a:schemeClr val="tx1"/>
-                </a:solidFill>
-                <a:latin typeface="+mn-lt"/>
-                <a:ea typeface="+mn-ea"/>
-                <a:cs typeface="+mn-cs"/>
-              </a:defRPr>
-            </a:lvl2pPr>
-            <a:lvl3pPr marL="1143000" indent="-228600" algn="l" defTabSz="914400" rtl="0" eaLnBrk="1" latinLnBrk="1" hangingPunct="1">
-              <a:spcBef>
-                <a:spcPct val="20000"/>
-              </a:spcBef>
-              <a:buFont typeface="Arial" panose="020B0604020202020204" pitchFamily="34" charset="0"/>
-              <a:buChar char="•"/>
-              <a:defRPr sz="2400" kern="1200">
-                <a:solidFill>
-                  <a:schemeClr val="tx1"/>
-                </a:solidFill>
-                <a:latin typeface="+mn-lt"/>
-                <a:ea typeface="+mn-ea"/>
-                <a:cs typeface="+mn-cs"/>
-              </a:defRPr>
-            </a:lvl3pPr>
-            <a:lvl4pPr marL="1600200" indent="-228600" algn="l" defTabSz="914400" rtl="0" eaLnBrk="1" latinLnBrk="1" hangingPunct="1">
-              <a:spcBef>
-                <a:spcPct val="20000"/>
-              </a:spcBef>
-              <a:buFont typeface="Arial" panose="020B0604020202020204" pitchFamily="34" charset="0"/>
-              <a:buChar char="–"/>
-              <a:defRPr sz="2000" kern="1200">
-                <a:solidFill>
-                  <a:schemeClr val="tx1"/>
-                </a:solidFill>
-                <a:latin typeface="+mn-lt"/>
-                <a:ea typeface="+mn-ea"/>
-                <a:cs typeface="+mn-cs"/>
-              </a:defRPr>
-            </a:lvl4pPr>
-            <a:lvl5pPr marL="2057400" indent="-228600" algn="l" defTabSz="914400" rtl="0" eaLnBrk="1" latinLnBrk="1" hangingPunct="1">
-              <a:spcBef>
-                <a:spcPct val="20000"/>
-              </a:spcBef>
-              <a:buFont typeface="Arial" panose="020B0604020202020204" pitchFamily="34" charset="0"/>
-              <a:buChar char="»"/>
-              <a:defRPr sz="2000" kern="1200">
-                <a:solidFill>
-                  <a:schemeClr val="tx1"/>
-                </a:solidFill>
-                <a:latin typeface="+mn-lt"/>
-                <a:ea typeface="+mn-ea"/>
-                <a:cs typeface="+mn-cs"/>
-              </a:defRPr>
-            </a:lvl5pPr>
-            <a:lvl6pPr marL="2514600" indent="-228600" algn="l" defTabSz="914400" rtl="0" eaLnBrk="1" latinLnBrk="1" hangingPunct="1">
-              <a:spcBef>
-                <a:spcPct val="20000"/>
-              </a:spcBef>
-              <a:buFont typeface="Arial" panose="020B0604020202020204" pitchFamily="34" charset="0"/>
-              <a:buChar char="•"/>
-              <a:defRPr sz="2000" kern="1200">
-                <a:solidFill>
-                  <a:schemeClr val="tx1"/>
-                </a:solidFill>
-                <a:latin typeface="+mn-lt"/>
-                <a:ea typeface="+mn-ea"/>
-                <a:cs typeface="+mn-cs"/>
-              </a:defRPr>
-            </a:lvl6pPr>
-            <a:lvl7pPr marL="2971800" indent="-228600" algn="l" defTabSz="914400" rtl="0" eaLnBrk="1" latinLnBrk="1" hangingPunct="1">
-              <a:spcBef>
-                <a:spcPct val="20000"/>
-              </a:spcBef>
-              <a:buFont typeface="Arial" panose="020B0604020202020204" pitchFamily="34" charset="0"/>
-              <a:buChar char="•"/>
-              <a:defRPr sz="2000" kern="1200">
-                <a:solidFill>
-                  <a:schemeClr val="tx1"/>
-                </a:solidFill>
-                <a:latin typeface="+mn-lt"/>
-                <a:ea typeface="+mn-ea"/>
-                <a:cs typeface="+mn-cs"/>
-              </a:defRPr>
-            </a:lvl7pPr>
-            <a:lvl8pPr marL="3429000" indent="-228600" algn="l" defTabSz="914400" rtl="0" eaLnBrk="1" latinLnBrk="1" hangingPunct="1">
-              <a:spcBef>
-                <a:spcPct val="20000"/>
-              </a:spcBef>
-              <a:buFont typeface="Arial" panose="020B0604020202020204" pitchFamily="34" charset="0"/>
-              <a:buChar char="•"/>
-              <a:defRPr sz="2000" kern="1200">
-                <a:solidFill>
-                  <a:schemeClr val="tx1"/>
-                </a:solidFill>
-                <a:latin typeface="+mn-lt"/>
-                <a:ea typeface="+mn-ea"/>
-                <a:cs typeface="+mn-cs"/>
-              </a:defRPr>
-            </a:lvl8pPr>
-            <a:lvl9pPr marL="3886200" indent="-228600" algn="l" defTabSz="914400" rtl="0" eaLnBrk="1" latinLnBrk="1" hangingPunct="1">
-              <a:spcBef>
-                <a:spcPct val="20000"/>
-              </a:spcBef>
-              <a:buFont typeface="Arial" panose="020B0604020202020204" pitchFamily="34" charset="0"/>
-              <a:buChar char="•"/>
-              <a:defRPr sz="2000" kern="1200">
-                <a:solidFill>
-                  <a:schemeClr val="tx1"/>
-                </a:solidFill>
-                <a:latin typeface="+mn-lt"/>
-                <a:ea typeface="+mn-ea"/>
-                <a:cs typeface="+mn-cs"/>
-              </a:defRPr>
-            </a:lvl9pPr>
-          </a:lstStyle>
-          <a:p>
-            <a:pPr marL="0" indent="0">
-              <a:lnSpc>
-                <a:spcPct val="150000"/>
-              </a:lnSpc>
-              <a:buNone/>
-            </a:pPr>
-            <a:r>
-              <a:rPr lang="en-US" altLang="ko-KR" sz="1800" dirty="0"/>
-              <a:t>GROUP BY</a:t>
-            </a:r>
-            <a:r>
-              <a:rPr lang="ko-KR" altLang="en-US" sz="1800" dirty="0"/>
-              <a:t>의 칼럼에 대해서 </a:t>
-            </a:r>
-            <a:r>
-              <a:rPr lang="ko-KR" altLang="en-US" sz="1800" dirty="0" smtClean="0"/>
-              <a:t>결합 가능한 모든 집계를 계산한다</a:t>
-            </a:r>
-            <a:r>
-              <a:rPr lang="en-US" altLang="ko-KR" sz="1800" dirty="0" smtClean="0"/>
-              <a:t>.</a:t>
-            </a:r>
-          </a:p>
-          <a:p>
-            <a:pPr marL="0" indent="0">
-              <a:lnSpc>
-                <a:spcPct val="150000"/>
-              </a:lnSpc>
-              <a:buNone/>
-            </a:pPr>
-            <a:r>
-              <a:rPr lang="ko-KR" altLang="en-US" sz="1800" dirty="0" smtClean="0"/>
-              <a:t>다차원 집계를 제공하여 다양하게 데이터를 분석할 수 있다</a:t>
-            </a:r>
-            <a:endParaRPr lang="en-US" altLang="ko-KR" sz="1800" dirty="0" smtClean="0"/>
-          </a:p>
-        </p:txBody>
-      </p:sp>
+          <a:ln>
+            <a:solidFill>
+              <a:schemeClr val="bg1">
+                <a:lumMod val="85000"/>
+              </a:schemeClr>
+            </a:solidFill>
+          </a:ln>
+        </p:spPr>
+      </p:pic>
     </p:spTree>
     <p:extLst>
       <p:ext uri="{BB962C8B-B14F-4D97-AF65-F5344CB8AC3E}">
-        <p14:creationId xmlns:p14="http://schemas.microsoft.com/office/powerpoint/2010/main" val="2754560311"/>
+        <p14:creationId xmlns:p14="http://schemas.microsoft.com/office/powerpoint/2010/main" val="3878738176"/>
       </p:ext>
     </p:extLst>
   </p:cSld>
@@ -6306,7 +5281,30 @@
       </p:grpSpPr>
       <p:sp>
         <p:nvSpPr>
-          <p:cNvPr id="2" name="제목 1"/>
+          <p:cNvPr id="4" name="슬라이드 번호 개체 틀 3"/>
+          <p:cNvSpPr>
+            <a:spLocks noGrp="1"/>
+          </p:cNvSpPr>
+          <p:nvPr>
+            <p:ph type="sldNum" sz="quarter" idx="12"/>
+          </p:nvPr>
+        </p:nvSpPr>
+        <p:spPr/>
+        <p:txBody>
+          <a:bodyPr/>
+          <a:lstStyle/>
+          <a:p>
+            <a:fld id="{1BDE3FE7-3AEA-4B05-AC5A-802D1816ACF0}" type="slidenum">
+              <a:rPr lang="ko-KR" altLang="en-US" smtClean="0"/>
+              <a:t>15</a:t>
+            </a:fld>
+            <a:endParaRPr lang="ko-KR" altLang="en-US"/>
+          </a:p>
+        </p:txBody>
+      </p:sp>
+      <p:sp>
+        <p:nvSpPr>
+          <p:cNvPr id="10" name="제목 1"/>
           <p:cNvSpPr>
             <a:spLocks noGrp="1"/>
           </p:cNvSpPr>
@@ -6314,7 +5312,12 @@
             <p:ph type="title"/>
           </p:nvPr>
         </p:nvSpPr>
-        <p:spPr/>
+        <p:spPr>
+          <a:xfrm>
+            <a:off x="1" y="-18256"/>
+            <a:ext cx="5724128" cy="854968"/>
+          </a:xfrm>
+        </p:spPr>
         <p:txBody>
           <a:bodyPr>
             <a:normAutofit/>
@@ -6323,54 +5326,23 @@
           <a:p>
             <a:r>
               <a:rPr lang="en-US" altLang="ko-KR" sz="2800" dirty="0" smtClean="0"/>
-              <a:t> </a:t>
-            </a:r>
-            <a:r>
-              <a:rPr lang="en-US" altLang="ko-KR" sz="2800" b="1" dirty="0" smtClean="0"/>
-              <a:t>LOLLUP() </a:t>
-            </a:r>
-            <a:r>
-              <a:rPr lang="ko-KR" altLang="en-US" sz="2800" b="1" dirty="0"/>
-              <a:t>함수 </a:t>
-            </a:r>
-            <a:r>
-              <a:rPr lang="en-US" altLang="ko-KR" sz="2800" b="1" dirty="0"/>
-              <a:t>vs </a:t>
-            </a:r>
-            <a:r>
-              <a:rPr lang="en-US" altLang="ko-KR" sz="2800" b="1" dirty="0" smtClean="0"/>
-              <a:t>CUBE()</a:t>
-            </a:r>
-            <a:endParaRPr lang="ko-KR" altLang="en-US" sz="2800" dirty="0"/>
-          </a:p>
-        </p:txBody>
-      </p:sp>
-      <p:sp>
-        <p:nvSpPr>
-          <p:cNvPr id="4" name="슬라이드 번호 개체 틀 3"/>
-          <p:cNvSpPr>
-            <a:spLocks noGrp="1"/>
-          </p:cNvSpPr>
-          <p:nvPr>
-            <p:ph type="sldNum" sz="quarter" idx="12"/>
-          </p:nvPr>
-        </p:nvSpPr>
-        <p:spPr/>
-        <p:txBody>
-          <a:bodyPr/>
-          <a:lstStyle/>
-          <a:p>
-            <a:fld id="{1BDE3FE7-3AEA-4B05-AC5A-802D1816ACF0}" type="slidenum">
-              <a:rPr lang="ko-KR" altLang="en-US" smtClean="0"/>
-              <a:t>15</a:t>
-            </a:fld>
-            <a:endParaRPr lang="ko-KR" altLang="en-US"/>
+              <a:t>  </a:t>
+            </a:r>
+            <a:r>
+              <a:rPr lang="en-US" altLang="ko-KR" sz="2800" dirty="0"/>
+              <a:t>SQL </a:t>
+            </a:r>
+            <a:r>
+              <a:rPr lang="ko-KR" altLang="en-US" sz="2800" dirty="0"/>
+              <a:t>최적화</a:t>
+            </a:r>
+            <a:endParaRPr lang="ko-KR" altLang="en-US" sz="2800" b="1" dirty="0"/>
           </a:p>
         </p:txBody>
       </p:sp>
       <p:pic>
         <p:nvPicPr>
-          <p:cNvPr id="3" name="그림 2"/>
+          <p:cNvPr id="6" name="그림 5"/>
           <p:cNvPicPr>
             <a:picLocks noChangeAspect="1"/>
           </p:cNvPicPr>
@@ -6390,8 +5362,8 @@
         </p:blipFill>
         <p:spPr>
           <a:xfrm>
-            <a:off x="1291378" y="1772816"/>
-            <a:ext cx="5121084" cy="3071126"/>
+            <a:off x="755576" y="2276872"/>
+            <a:ext cx="7524328" cy="2428102"/>
           </a:xfrm>
           <a:prstGeom prst="rect">
             <a:avLst/>
@@ -6405,48 +5377,47 @@
           </a:ln>
         </p:spPr>
       </p:pic>
-      <p:sp>
-        <p:nvSpPr>
-          <p:cNvPr id="5" name="TextBox 4"/>
-          <p:cNvSpPr txBox="1"/>
+      <p:pic>
+        <p:nvPicPr>
+          <p:cNvPr id="7" name="그림 6"/>
+          <p:cNvPicPr>
+            <a:picLocks noChangeAspect="1"/>
+          </p:cNvPicPr>
           <p:nvPr/>
-        </p:nvSpPr>
-        <p:spPr>
-          <a:xfrm>
-            <a:off x="827584" y="1193356"/>
-            <a:ext cx="3024336" cy="400110"/>
+        </p:nvPicPr>
+        <p:blipFill>
+          <a:blip r:embed="rId3">
+            <a:extLst>
+              <a:ext uri="{28A0092B-C50C-407E-A947-70E740481C1C}">
+                <a14:useLocalDpi xmlns:a14="http://schemas.microsoft.com/office/drawing/2010/main" val="0"/>
+              </a:ext>
+            </a:extLst>
+          </a:blip>
+          <a:stretch>
+            <a:fillRect/>
+          </a:stretch>
+        </p:blipFill>
+        <p:spPr>
+          <a:xfrm>
+            <a:off x="683568" y="1538163"/>
+            <a:ext cx="6923519" cy="429144"/>
           </a:xfrm>
           <a:prstGeom prst="rect">
             <a:avLst/>
           </a:prstGeom>
-          <a:noFill/>
-        </p:spPr>
-        <p:txBody>
-          <a:bodyPr wrap="square" rtlCol="0">
-            <a:spAutoFit/>
-          </a:bodyPr>
-          <a:lstStyle/>
-          <a:p>
-            <a:pPr marL="342900" indent="-342900">
-              <a:buFont typeface="Wingdings" panose="05000000000000000000" pitchFamily="2" charset="2"/>
-              <a:buChar char="ü"/>
-            </a:pPr>
-            <a:r>
-              <a:rPr lang="en-US" altLang="ko-KR" sz="2000" b="1" dirty="0" smtClean="0"/>
-              <a:t>DEPT </a:t>
-            </a:r>
-            <a:r>
-              <a:rPr lang="ko-KR" altLang="en-US" sz="2000" b="1" dirty="0" smtClean="0"/>
-              <a:t>테이블 생성</a:t>
-            </a:r>
-            <a:endParaRPr lang="ko-KR" altLang="en-US" sz="2000" b="1" dirty="0"/>
-          </a:p>
-        </p:txBody>
-      </p:sp>
+          <a:ln>
+            <a:solidFill>
+              <a:schemeClr val="bg1">
+                <a:lumMod val="85000"/>
+              </a:schemeClr>
+            </a:solidFill>
+          </a:ln>
+        </p:spPr>
+      </p:pic>
     </p:spTree>
     <p:extLst>
       <p:ext uri="{BB962C8B-B14F-4D97-AF65-F5344CB8AC3E}">
-        <p14:creationId xmlns:p14="http://schemas.microsoft.com/office/powerpoint/2010/main" val="500985783"/>
+        <p14:creationId xmlns:p14="http://schemas.microsoft.com/office/powerpoint/2010/main" val="1459100322"/>
       </p:ext>
     </p:extLst>
   </p:cSld>
@@ -6482,7 +5453,30 @@
       </p:grpSpPr>
       <p:sp>
         <p:nvSpPr>
-          <p:cNvPr id="2" name="제목 1"/>
+          <p:cNvPr id="4" name="슬라이드 번호 개체 틀 3"/>
+          <p:cNvSpPr>
+            <a:spLocks noGrp="1"/>
+          </p:cNvSpPr>
+          <p:nvPr>
+            <p:ph type="sldNum" sz="quarter" idx="12"/>
+          </p:nvPr>
+        </p:nvSpPr>
+        <p:spPr/>
+        <p:txBody>
+          <a:bodyPr/>
+          <a:lstStyle/>
+          <a:p>
+            <a:fld id="{1BDE3FE7-3AEA-4B05-AC5A-802D1816ACF0}" type="slidenum">
+              <a:rPr lang="ko-KR" altLang="en-US" smtClean="0"/>
+              <a:t>16</a:t>
+            </a:fld>
+            <a:endParaRPr lang="ko-KR" altLang="en-US"/>
+          </a:p>
+        </p:txBody>
+      </p:sp>
+      <p:sp>
+        <p:nvSpPr>
+          <p:cNvPr id="10" name="제목 1"/>
           <p:cNvSpPr>
             <a:spLocks noGrp="1"/>
           </p:cNvSpPr>
@@ -6490,7 +5484,12 @@
             <p:ph type="title"/>
           </p:nvPr>
         </p:nvSpPr>
-        <p:spPr/>
+        <p:spPr>
+          <a:xfrm>
+            <a:off x="1" y="-18256"/>
+            <a:ext cx="5724128" cy="854968"/>
+          </a:xfrm>
+        </p:spPr>
         <p:txBody>
           <a:bodyPr>
             <a:normAutofit/>
@@ -6499,100 +5498,23 @@
           <a:p>
             <a:r>
               <a:rPr lang="en-US" altLang="ko-KR" sz="2800" dirty="0" smtClean="0"/>
-              <a:t> </a:t>
-            </a:r>
-            <a:r>
-              <a:rPr lang="en-US" altLang="ko-KR" sz="2800" b="1" dirty="0" smtClean="0"/>
-              <a:t>LOLLUP() </a:t>
-            </a:r>
-            <a:r>
-              <a:rPr lang="ko-KR" altLang="en-US" sz="2800" b="1" dirty="0"/>
-              <a:t>함수 </a:t>
-            </a:r>
-            <a:r>
-              <a:rPr lang="en-US" altLang="ko-KR" sz="2800" b="1" dirty="0"/>
-              <a:t>vs </a:t>
-            </a:r>
-            <a:r>
-              <a:rPr lang="en-US" altLang="ko-KR" sz="2800" b="1" dirty="0" smtClean="0"/>
-              <a:t>CUBE()</a:t>
-            </a:r>
-            <a:endParaRPr lang="ko-KR" altLang="en-US" sz="2800" dirty="0"/>
-          </a:p>
-        </p:txBody>
-      </p:sp>
-      <p:sp>
-        <p:nvSpPr>
-          <p:cNvPr id="4" name="슬라이드 번호 개체 틀 3"/>
-          <p:cNvSpPr>
-            <a:spLocks noGrp="1"/>
-          </p:cNvSpPr>
-          <p:nvPr>
-            <p:ph type="sldNum" sz="quarter" idx="12"/>
-          </p:nvPr>
-        </p:nvSpPr>
-        <p:spPr/>
-        <p:txBody>
-          <a:bodyPr/>
-          <a:lstStyle/>
-          <a:p>
-            <a:fld id="{1BDE3FE7-3AEA-4B05-AC5A-802D1816ACF0}" type="slidenum">
-              <a:rPr lang="ko-KR" altLang="en-US" smtClean="0"/>
-              <a:t>16</a:t>
-            </a:fld>
-            <a:endParaRPr lang="ko-KR" altLang="en-US"/>
-          </a:p>
-        </p:txBody>
-      </p:sp>
-      <p:sp>
-        <p:nvSpPr>
-          <p:cNvPr id="5" name="TextBox 4"/>
-          <p:cNvSpPr txBox="1"/>
-          <p:nvPr/>
-        </p:nvSpPr>
-        <p:spPr>
-          <a:xfrm>
-            <a:off x="827584" y="1193356"/>
-            <a:ext cx="4248472" cy="400110"/>
-          </a:xfrm>
-          <a:prstGeom prst="rect">
-            <a:avLst/>
-          </a:prstGeom>
-          <a:noFill/>
-        </p:spPr>
-        <p:txBody>
-          <a:bodyPr wrap="square" rtlCol="0">
-            <a:spAutoFit/>
-          </a:bodyPr>
-          <a:lstStyle/>
-          <a:p>
-            <a:pPr marL="342900" indent="-342900">
-              <a:buFont typeface="Wingdings" panose="05000000000000000000" pitchFamily="2" charset="2"/>
-              <a:buChar char="ü"/>
-            </a:pPr>
-            <a:r>
-              <a:rPr lang="ko-KR" altLang="en-US" sz="2000" b="1" dirty="0" err="1" smtClean="0"/>
-              <a:t>그룹함수</a:t>
-            </a:r>
-            <a:r>
-              <a:rPr lang="ko-KR" altLang="en-US" sz="2000" b="1" dirty="0" smtClean="0"/>
-              <a:t> </a:t>
-            </a:r>
-            <a:r>
-              <a:rPr lang="en-US" altLang="ko-KR" sz="2000" b="1" dirty="0" smtClean="0"/>
-              <a:t>– Group By </a:t>
-            </a:r>
-            <a:r>
-              <a:rPr lang="ko-KR" altLang="en-US" sz="2000" b="1" dirty="0" smtClean="0"/>
-              <a:t>절</a:t>
-            </a:r>
-            <a:endParaRPr lang="ko-KR" altLang="en-US" sz="2000" b="1" dirty="0"/>
+              <a:t>  </a:t>
+            </a:r>
+            <a:r>
+              <a:rPr lang="en-US" altLang="ko-KR" sz="2800" dirty="0"/>
+              <a:t>SQL </a:t>
+            </a:r>
+            <a:r>
+              <a:rPr lang="ko-KR" altLang="en-US" sz="2800" dirty="0"/>
+              <a:t>최적화</a:t>
+            </a:r>
+            <a:endParaRPr lang="ko-KR" altLang="en-US" sz="2800" b="1" dirty="0"/>
           </a:p>
         </p:txBody>
       </p:sp>
       <p:pic>
         <p:nvPicPr>
-          <p:cNvPr id="6" name="그림 5"/>
+          <p:cNvPr id="3" name="그림 2"/>
           <p:cNvPicPr>
             <a:picLocks noChangeAspect="1"/>
           </p:cNvPicPr>
@@ -6612,8 +5534,8 @@
         </p:blipFill>
         <p:spPr>
           <a:xfrm>
-            <a:off x="1331640" y="1981752"/>
-            <a:ext cx="5253798" cy="2311343"/>
+            <a:off x="1115616" y="1556792"/>
+            <a:ext cx="6424217" cy="2552921"/>
           </a:xfrm>
           <a:prstGeom prst="rect">
             <a:avLst/>
@@ -6627,10 +5549,47 @@
           </a:ln>
         </p:spPr>
       </p:pic>
+      <p:pic>
+        <p:nvPicPr>
+          <p:cNvPr id="7" name="그림 6"/>
+          <p:cNvPicPr>
+            <a:picLocks noChangeAspect="1"/>
+          </p:cNvPicPr>
+          <p:nvPr/>
+        </p:nvPicPr>
+        <p:blipFill>
+          <a:blip r:embed="rId3">
+            <a:extLst>
+              <a:ext uri="{28A0092B-C50C-407E-A947-70E740481C1C}">
+                <a14:useLocalDpi xmlns:a14="http://schemas.microsoft.com/office/drawing/2010/main" val="0"/>
+              </a:ext>
+            </a:extLst>
+          </a:blip>
+          <a:stretch>
+            <a:fillRect/>
+          </a:stretch>
+        </p:blipFill>
+        <p:spPr>
+          <a:xfrm>
+            <a:off x="5386838" y="4551639"/>
+            <a:ext cx="2156647" cy="556308"/>
+          </a:xfrm>
+          <a:prstGeom prst="rect">
+            <a:avLst/>
+          </a:prstGeom>
+          <a:ln>
+            <a:solidFill>
+              <a:schemeClr val="bg1">
+                <a:lumMod val="85000"/>
+              </a:schemeClr>
+            </a:solidFill>
+          </a:ln>
+        </p:spPr>
+      </p:pic>
     </p:spTree>
     <p:extLst>
       <p:ext uri="{BB962C8B-B14F-4D97-AF65-F5344CB8AC3E}">
-        <p14:creationId xmlns:p14="http://schemas.microsoft.com/office/powerpoint/2010/main" val="2368361010"/>
+        <p14:creationId xmlns:p14="http://schemas.microsoft.com/office/powerpoint/2010/main" val="1588408365"/>
       </p:ext>
     </p:extLst>
   </p:cSld>
@@ -6666,7 +5625,30 @@
       </p:grpSpPr>
       <p:sp>
         <p:nvSpPr>
-          <p:cNvPr id="2" name="제목 1"/>
+          <p:cNvPr id="4" name="슬라이드 번호 개체 틀 3"/>
+          <p:cNvSpPr>
+            <a:spLocks noGrp="1"/>
+          </p:cNvSpPr>
+          <p:nvPr>
+            <p:ph type="sldNum" sz="quarter" idx="12"/>
+          </p:nvPr>
+        </p:nvSpPr>
+        <p:spPr/>
+        <p:txBody>
+          <a:bodyPr/>
+          <a:lstStyle/>
+          <a:p>
+            <a:fld id="{1BDE3FE7-3AEA-4B05-AC5A-802D1816ACF0}" type="slidenum">
+              <a:rPr lang="ko-KR" altLang="en-US" smtClean="0"/>
+              <a:t>17</a:t>
+            </a:fld>
+            <a:endParaRPr lang="ko-KR" altLang="en-US"/>
+          </a:p>
+        </p:txBody>
+      </p:sp>
+      <p:sp>
+        <p:nvSpPr>
+          <p:cNvPr id="10" name="제목 1"/>
           <p:cNvSpPr>
             <a:spLocks noGrp="1"/>
           </p:cNvSpPr>
@@ -6674,7 +5656,12 @@
             <p:ph type="title"/>
           </p:nvPr>
         </p:nvSpPr>
-        <p:spPr/>
+        <p:spPr>
+          <a:xfrm>
+            <a:off x="1" y="-18256"/>
+            <a:ext cx="5724128" cy="854968"/>
+          </a:xfrm>
+        </p:spPr>
         <p:txBody>
           <a:bodyPr>
             <a:normAutofit/>
@@ -6683,60 +5670,29 @@
           <a:p>
             <a:r>
               <a:rPr lang="en-US" altLang="ko-KR" sz="2800" dirty="0" smtClean="0"/>
-              <a:t> </a:t>
-            </a:r>
-            <a:r>
-              <a:rPr lang="en-US" altLang="ko-KR" sz="2800" b="1" dirty="0" smtClean="0"/>
-              <a:t>LOLLUP() </a:t>
-            </a:r>
-            <a:r>
-              <a:rPr lang="ko-KR" altLang="en-US" sz="2800" b="1" dirty="0"/>
-              <a:t>함수 </a:t>
-            </a:r>
-            <a:r>
-              <a:rPr lang="en-US" altLang="ko-KR" sz="2800" b="1" dirty="0"/>
-              <a:t>vs </a:t>
-            </a:r>
-            <a:r>
-              <a:rPr lang="en-US" altLang="ko-KR" sz="2800" b="1" dirty="0" smtClean="0"/>
-              <a:t>CUBE()</a:t>
-            </a:r>
-            <a:endParaRPr lang="ko-KR" altLang="en-US" sz="2800" dirty="0"/>
-          </a:p>
-        </p:txBody>
-      </p:sp>
-      <p:sp>
-        <p:nvSpPr>
-          <p:cNvPr id="4" name="슬라이드 번호 개체 틀 3"/>
-          <p:cNvSpPr>
-            <a:spLocks noGrp="1"/>
-          </p:cNvSpPr>
-          <p:nvPr>
-            <p:ph type="sldNum" sz="quarter" idx="12"/>
-          </p:nvPr>
-        </p:nvSpPr>
-        <p:spPr/>
-        <p:txBody>
-          <a:bodyPr/>
-          <a:lstStyle/>
-          <a:p>
-            <a:fld id="{1BDE3FE7-3AEA-4B05-AC5A-802D1816ACF0}" type="slidenum">
-              <a:rPr lang="ko-KR" altLang="en-US" smtClean="0"/>
-              <a:t>17</a:t>
-            </a:fld>
-            <a:endParaRPr lang="ko-KR" altLang="en-US"/>
+              <a:t>  </a:t>
+            </a:r>
+            <a:r>
+              <a:rPr lang="en-US" altLang="ko-KR" sz="2800" dirty="0"/>
+              <a:t>SQL </a:t>
+            </a:r>
+            <a:r>
+              <a:rPr lang="ko-KR" altLang="en-US" sz="2800" dirty="0"/>
+              <a:t>최적화</a:t>
+            </a:r>
+            <a:endParaRPr lang="ko-KR" altLang="en-US" sz="2800" b="1" dirty="0"/>
           </a:p>
         </p:txBody>
       </p:sp>
       <p:pic>
         <p:nvPicPr>
-          <p:cNvPr id="5" name="그림 4"/>
+          <p:cNvPr id="6" name="그림 5"/>
           <p:cNvPicPr>
             <a:picLocks noChangeAspect="1"/>
           </p:cNvPicPr>
           <p:nvPr/>
         </p:nvPicPr>
-        <p:blipFill rotWithShape="1">
+        <p:blipFill>
           <a:blip r:embed="rId2">
             <a:extLst>
               <a:ext uri="{28A0092B-C50C-407E-A947-70E740481C1C}">
@@ -6744,13 +5700,14 @@
               </a:ext>
             </a:extLst>
           </a:blip>
-          <a:srcRect b="51868"/>
-          <a:stretch/>
+          <a:stretch>
+            <a:fillRect/>
+          </a:stretch>
         </p:blipFill>
         <p:spPr>
           <a:xfrm>
-            <a:off x="1986279" y="1844824"/>
-            <a:ext cx="3967155" cy="1512168"/>
+            <a:off x="611560" y="1556792"/>
+            <a:ext cx="8205378" cy="1656184"/>
           </a:xfrm>
           <a:prstGeom prst="rect">
             <a:avLst/>
@@ -6766,7 +5723,7 @@
       </p:pic>
       <p:pic>
         <p:nvPicPr>
-          <p:cNvPr id="6" name="그림 5"/>
+          <p:cNvPr id="5" name="그림 4"/>
           <p:cNvPicPr>
             <a:picLocks noChangeAspect="1"/>
           </p:cNvPicPr>
@@ -6786,8 +5743,8 @@
         </p:blipFill>
         <p:spPr>
           <a:xfrm>
-            <a:off x="2001085" y="3717032"/>
-            <a:ext cx="3964165" cy="2232248"/>
+            <a:off x="1403648" y="3717032"/>
+            <a:ext cx="6221487" cy="1583147"/>
           </a:xfrm>
           <a:prstGeom prst="rect">
             <a:avLst/>
@@ -6801,253 +5758,10 @@
           </a:ln>
         </p:spPr>
       </p:pic>
-      <p:cxnSp>
-        <p:nvCxnSpPr>
-          <p:cNvPr id="8" name="직선 화살표 연결선 7"/>
-          <p:cNvCxnSpPr/>
-          <p:nvPr/>
-        </p:nvCxnSpPr>
-        <p:spPr>
-          <a:xfrm flipV="1">
-            <a:off x="5580112" y="4077072"/>
-            <a:ext cx="720080" cy="432048"/>
-          </a:xfrm>
-          <a:prstGeom prst="straightConnector1">
-            <a:avLst/>
-          </a:prstGeom>
-          <a:ln>
-            <a:tailEnd type="triangle"/>
-          </a:ln>
-        </p:spPr>
-        <p:style>
-          <a:lnRef idx="1">
-            <a:schemeClr val="accent1"/>
-          </a:lnRef>
-          <a:fillRef idx="0">
-            <a:schemeClr val="accent1"/>
-          </a:fillRef>
-          <a:effectRef idx="0">
-            <a:schemeClr val="accent1"/>
-          </a:effectRef>
-          <a:fontRef idx="minor">
-            <a:schemeClr val="tx1"/>
-          </a:fontRef>
-        </p:style>
-      </p:cxnSp>
-      <p:sp>
-        <p:nvSpPr>
-          <p:cNvPr id="9" name="TextBox 8"/>
-          <p:cNvSpPr txBox="1"/>
-          <p:nvPr/>
-        </p:nvSpPr>
-        <p:spPr>
-          <a:xfrm>
-            <a:off x="6362464" y="3907795"/>
-            <a:ext cx="1233872" cy="322659"/>
-          </a:xfrm>
-          <a:prstGeom prst="round2SameRect">
-            <a:avLst/>
-          </a:prstGeom>
-        </p:spPr>
-        <p:style>
-          <a:lnRef idx="2">
-            <a:schemeClr val="accent2"/>
-          </a:lnRef>
-          <a:fillRef idx="1">
-            <a:schemeClr val="lt1"/>
-          </a:fillRef>
-          <a:effectRef idx="0">
-            <a:schemeClr val="accent2"/>
-          </a:effectRef>
-          <a:fontRef idx="minor">
-            <a:schemeClr val="dk1"/>
-          </a:fontRef>
-        </p:style>
-        <p:txBody>
-          <a:bodyPr wrap="square" rtlCol="0">
-            <a:spAutoFit/>
-          </a:bodyPr>
-          <a:lstStyle/>
-          <a:p>
-            <a:r>
-              <a:rPr lang="ko-KR" altLang="en-US" sz="1400" smtClean="0"/>
-              <a:t>부서별소계</a:t>
-            </a:r>
-            <a:endParaRPr lang="ko-KR" altLang="en-US" sz="1400" dirty="0"/>
-          </a:p>
-        </p:txBody>
-      </p:sp>
-      <p:cxnSp>
-        <p:nvCxnSpPr>
-          <p:cNvPr id="11" name="직선 화살표 연결선 10"/>
-          <p:cNvCxnSpPr>
-            <a:endCxn id="9" idx="2"/>
-          </p:cNvCxnSpPr>
-          <p:nvPr/>
-        </p:nvCxnSpPr>
-        <p:spPr>
-          <a:xfrm flipV="1">
-            <a:off x="5580112" y="4069125"/>
-            <a:ext cx="782352" cy="1376101"/>
-          </a:xfrm>
-          <a:prstGeom prst="straightConnector1">
-            <a:avLst/>
-          </a:prstGeom>
-          <a:ln>
-            <a:tailEnd type="triangle"/>
-          </a:ln>
-        </p:spPr>
-        <p:style>
-          <a:lnRef idx="1">
-            <a:schemeClr val="accent1"/>
-          </a:lnRef>
-          <a:fillRef idx="0">
-            <a:schemeClr val="accent1"/>
-          </a:fillRef>
-          <a:effectRef idx="0">
-            <a:schemeClr val="accent1"/>
-          </a:effectRef>
-          <a:fontRef idx="minor">
-            <a:schemeClr val="tx1"/>
-          </a:fontRef>
-        </p:style>
-      </p:cxnSp>
-      <p:sp>
-        <p:nvSpPr>
-          <p:cNvPr id="15" name="TextBox 14"/>
-          <p:cNvSpPr txBox="1"/>
-          <p:nvPr/>
-        </p:nvSpPr>
-        <p:spPr>
-          <a:xfrm>
-            <a:off x="6362464" y="5233473"/>
-            <a:ext cx="648072" cy="322659"/>
-          </a:xfrm>
-          <a:prstGeom prst="round2SameRect">
-            <a:avLst/>
-          </a:prstGeom>
-        </p:spPr>
-        <p:style>
-          <a:lnRef idx="2">
-            <a:schemeClr val="accent2"/>
-          </a:lnRef>
-          <a:fillRef idx="1">
-            <a:schemeClr val="lt1"/>
-          </a:fillRef>
-          <a:effectRef idx="0">
-            <a:schemeClr val="accent2"/>
-          </a:effectRef>
-          <a:fontRef idx="minor">
-            <a:schemeClr val="dk1"/>
-          </a:fontRef>
-        </p:style>
-        <p:txBody>
-          <a:bodyPr wrap="square" rtlCol="0">
-            <a:spAutoFit/>
-          </a:bodyPr>
-          <a:lstStyle/>
-          <a:p>
-            <a:r>
-              <a:rPr lang="ko-KR" altLang="en-US" sz="1400" dirty="0"/>
-              <a:t>총</a:t>
-            </a:r>
-            <a:r>
-              <a:rPr lang="ko-KR" altLang="en-US" sz="1400" dirty="0" smtClean="0"/>
-              <a:t>계</a:t>
-            </a:r>
-            <a:endParaRPr lang="ko-KR" altLang="en-US" sz="1400" dirty="0"/>
-          </a:p>
-        </p:txBody>
-      </p:sp>
-      <p:cxnSp>
-        <p:nvCxnSpPr>
-          <p:cNvPr id="17" name="직선 화살표 연결선 16"/>
-          <p:cNvCxnSpPr>
-            <a:endCxn id="15" idx="2"/>
-          </p:cNvCxnSpPr>
-          <p:nvPr/>
-        </p:nvCxnSpPr>
-        <p:spPr>
-          <a:xfrm flipV="1">
-            <a:off x="5580112" y="5394803"/>
-            <a:ext cx="782352" cy="338453"/>
-          </a:xfrm>
-          <a:prstGeom prst="straightConnector1">
-            <a:avLst/>
-          </a:prstGeom>
-          <a:ln>
-            <a:tailEnd type="triangle"/>
-          </a:ln>
-        </p:spPr>
-        <p:style>
-          <a:lnRef idx="1">
-            <a:schemeClr val="accent1"/>
-          </a:lnRef>
-          <a:fillRef idx="0">
-            <a:schemeClr val="accent1"/>
-          </a:fillRef>
-          <a:effectRef idx="0">
-            <a:schemeClr val="accent1"/>
-          </a:effectRef>
-          <a:fontRef idx="minor">
-            <a:schemeClr val="tx1"/>
-          </a:fontRef>
-        </p:style>
-      </p:cxnSp>
-      <p:sp>
-        <p:nvSpPr>
-          <p:cNvPr id="20" name="TextBox 19"/>
-          <p:cNvSpPr txBox="1"/>
-          <p:nvPr/>
-        </p:nvSpPr>
-        <p:spPr>
-          <a:xfrm>
-            <a:off x="827584" y="1193356"/>
-            <a:ext cx="3816424" cy="400110"/>
-          </a:xfrm>
-          <a:prstGeom prst="rect">
-            <a:avLst/>
-          </a:prstGeom>
-          <a:noFill/>
-        </p:spPr>
-        <p:txBody>
-          <a:bodyPr wrap="square" rtlCol="0">
-            <a:spAutoFit/>
-          </a:bodyPr>
-          <a:lstStyle/>
-          <a:p>
-            <a:pPr marL="342900" indent="-342900">
-              <a:buFont typeface="Wingdings" panose="05000000000000000000" pitchFamily="2" charset="2"/>
-              <a:buChar char="ü"/>
-            </a:pPr>
-            <a:r>
-              <a:rPr lang="en-US" altLang="ko-KR" sz="2000" b="1" dirty="0" smtClean="0"/>
-              <a:t>LOLLUP(</a:t>
-            </a:r>
-            <a:r>
-              <a:rPr lang="ko-KR" altLang="en-US" sz="2000" b="1" dirty="0" err="1" smtClean="0"/>
-              <a:t>칼럼명</a:t>
-            </a:r>
-            <a:r>
-              <a:rPr lang="en-US" altLang="ko-KR" sz="2000" b="1" dirty="0" smtClean="0"/>
-              <a:t>, </a:t>
-            </a:r>
-            <a:r>
-              <a:rPr lang="ko-KR" altLang="en-US" sz="2000" b="1" dirty="0" err="1" smtClean="0"/>
-              <a:t>칼럼명</a:t>
-            </a:r>
-            <a:r>
-              <a:rPr lang="en-US" altLang="ko-KR" sz="2000" b="1" dirty="0" smtClean="0"/>
-              <a:t>)</a:t>
-            </a:r>
-            <a:endParaRPr lang="ko-KR" altLang="en-US" sz="2000" b="1" dirty="0"/>
-          </a:p>
-        </p:txBody>
-      </p:sp>
     </p:spTree>
     <p:extLst>
       <p:ext uri="{BB962C8B-B14F-4D97-AF65-F5344CB8AC3E}">
-        <p14:creationId xmlns:p14="http://schemas.microsoft.com/office/powerpoint/2010/main" val="3975981687"/>
+        <p14:creationId xmlns:p14="http://schemas.microsoft.com/office/powerpoint/2010/main" val="1131468264"/>
       </p:ext>
     </p:extLst>
   </p:cSld>
@@ -7083,47 +5797,6 @@
       </p:grpSpPr>
       <p:sp>
         <p:nvSpPr>
-          <p:cNvPr id="2" name="제목 1"/>
-          <p:cNvSpPr>
-            <a:spLocks noGrp="1"/>
-          </p:cNvSpPr>
-          <p:nvPr>
-            <p:ph type="title"/>
-          </p:nvPr>
-        </p:nvSpPr>
-        <p:spPr/>
-        <p:txBody>
-          <a:bodyPr>
-            <a:normAutofit/>
-          </a:bodyPr>
-          <a:lstStyle/>
-          <a:p>
-            <a:r>
-              <a:rPr lang="en-US" altLang="ko-KR" sz="2800" dirty="0" smtClean="0"/>
-              <a:t> </a:t>
-            </a:r>
-            <a:r>
-              <a:rPr lang="en-US" altLang="ko-KR" sz="2800" b="1" dirty="0" smtClean="0"/>
-              <a:t>LOLLUP() </a:t>
-            </a:r>
-            <a:r>
-              <a:rPr lang="ko-KR" altLang="en-US" sz="2800" b="1" dirty="0"/>
-              <a:t>함수 </a:t>
-            </a:r>
-            <a:r>
-              <a:rPr lang="en-US" altLang="ko-KR" sz="2800" b="1" dirty="0"/>
-              <a:t>vs </a:t>
-            </a:r>
-            <a:r>
-              <a:rPr lang="en-US" altLang="ko-KR" sz="2800" b="1" dirty="0" smtClean="0"/>
-              <a:t>CUBE()</a:t>
-            </a:r>
-            <a:endParaRPr lang="ko-KR" altLang="en-US" sz="2800" dirty="0"/>
-          </a:p>
-        </p:txBody>
-      </p:sp>
-      <p:sp>
-        <p:nvSpPr>
           <p:cNvPr id="4" name="슬라이드 번호 개체 틀 3"/>
           <p:cNvSpPr>
             <a:spLocks noGrp="1"/>
@@ -7147,94 +5820,14 @@
       </p:sp>
       <p:sp>
         <p:nvSpPr>
-          <p:cNvPr id="15" name="TextBox 14"/>
+          <p:cNvPr id="3" name="TextBox 2"/>
           <p:cNvSpPr txBox="1"/>
           <p:nvPr/>
         </p:nvSpPr>
         <p:spPr>
           <a:xfrm>
-            <a:off x="5879199" y="5586837"/>
-            <a:ext cx="648072" cy="354925"/>
-          </a:xfrm>
-          <a:prstGeom prst="round2SameRect">
-            <a:avLst/>
-          </a:prstGeom>
-        </p:spPr>
-        <p:style>
-          <a:lnRef idx="2">
-            <a:schemeClr val="accent2"/>
-          </a:lnRef>
-          <a:fillRef idx="1">
-            <a:schemeClr val="lt1"/>
-          </a:fillRef>
-          <a:effectRef idx="0">
-            <a:schemeClr val="accent2"/>
-          </a:effectRef>
-          <a:fontRef idx="minor">
-            <a:schemeClr val="dk1"/>
-          </a:fontRef>
-        </p:style>
-        <p:txBody>
-          <a:bodyPr wrap="square" rtlCol="0">
-            <a:spAutoFit/>
-          </a:bodyPr>
-          <a:lstStyle/>
-          <a:p>
-            <a:r>
-              <a:rPr lang="ko-KR" altLang="en-US" sz="1600" dirty="0"/>
-              <a:t>총</a:t>
-            </a:r>
-            <a:r>
-              <a:rPr lang="ko-KR" altLang="en-US" sz="1600" dirty="0" smtClean="0"/>
-              <a:t>계</a:t>
-            </a:r>
-            <a:endParaRPr lang="ko-KR" altLang="en-US" sz="1600" dirty="0"/>
-          </a:p>
-        </p:txBody>
-      </p:sp>
-      <p:cxnSp>
-        <p:nvCxnSpPr>
-          <p:cNvPr id="17" name="직선 화살표 연결선 16"/>
-          <p:cNvCxnSpPr/>
-          <p:nvPr/>
-        </p:nvCxnSpPr>
-        <p:spPr>
-          <a:xfrm flipV="1">
-            <a:off x="4860032" y="5822686"/>
-            <a:ext cx="936104" cy="54586"/>
-          </a:xfrm>
-          <a:prstGeom prst="straightConnector1">
-            <a:avLst/>
-          </a:prstGeom>
-          <a:ln>
-            <a:tailEnd type="triangle"/>
-          </a:ln>
-        </p:spPr>
-        <p:style>
-          <a:lnRef idx="1">
-            <a:schemeClr val="accent1"/>
-          </a:lnRef>
-          <a:fillRef idx="0">
-            <a:schemeClr val="accent1"/>
-          </a:fillRef>
-          <a:effectRef idx="0">
-            <a:schemeClr val="accent1"/>
-          </a:effectRef>
-          <a:fontRef idx="minor">
-            <a:schemeClr val="tx1"/>
-          </a:fontRef>
-        </p:style>
-      </p:cxnSp>
-      <p:sp>
-        <p:nvSpPr>
-          <p:cNvPr id="20" name="TextBox 19"/>
-          <p:cNvSpPr txBox="1"/>
-          <p:nvPr/>
-        </p:nvSpPr>
-        <p:spPr>
-          <a:xfrm>
-            <a:off x="827584" y="1193356"/>
-            <a:ext cx="3816424" cy="400110"/>
+            <a:off x="827584" y="1156682"/>
+            <a:ext cx="6120680" cy="400110"/>
           </a:xfrm>
           <a:prstGeom prst="rect">
             <a:avLst/>
@@ -7247,29 +5840,13 @@
           </a:bodyPr>
           <a:lstStyle/>
           <a:p>
-            <a:pPr marL="342900" indent="-342900">
-              <a:buFont typeface="Wingdings" panose="05000000000000000000" pitchFamily="2" charset="2"/>
-              <a:buChar char="ü"/>
-            </a:pPr>
+            <a:r>
+              <a:rPr lang="ko-KR" altLang="en-US" sz="2000" b="1" dirty="0" smtClean="0"/>
+              <a:t>인덱스</a:t>
+            </a:r>
             <a:r>
               <a:rPr lang="en-US" altLang="ko-KR" sz="2000" b="1" dirty="0" smtClean="0"/>
-              <a:t>CUBE(</a:t>
-            </a:r>
-            <a:r>
-              <a:rPr lang="ko-KR" altLang="en-US" sz="2000" b="1" dirty="0" err="1" smtClean="0"/>
-              <a:t>칼럼명</a:t>
-            </a:r>
-            <a:r>
-              <a:rPr lang="en-US" altLang="ko-KR" sz="2000" b="1" dirty="0" smtClean="0"/>
-              <a:t>, </a:t>
-            </a:r>
-            <a:r>
-              <a:rPr lang="ko-KR" altLang="en-US" sz="2000" b="1" dirty="0" err="1" smtClean="0"/>
-              <a:t>칼럼명</a:t>
-            </a:r>
-            <a:r>
-              <a:rPr lang="en-US" altLang="ko-KR" sz="2000" b="1" dirty="0" smtClean="0"/>
-              <a:t>)</a:t>
+              <a:t>(INDEX)</a:t>
             </a:r>
             <a:endParaRPr lang="ko-KR" altLang="en-US" sz="2000" b="1" dirty="0"/>
           </a:p>
@@ -7277,335 +5854,160 @@
       </p:sp>
       <p:sp>
         <p:nvSpPr>
-          <p:cNvPr id="12" name="TextBox 11"/>
+          <p:cNvPr id="10" name="제목 1"/>
+          <p:cNvSpPr>
+            <a:spLocks noGrp="1"/>
+          </p:cNvSpPr>
+          <p:nvPr>
+            <p:ph type="title"/>
+          </p:nvPr>
+        </p:nvSpPr>
+        <p:spPr>
+          <a:xfrm>
+            <a:off x="1" y="-18256"/>
+            <a:ext cx="5724128" cy="854968"/>
+          </a:xfrm>
+        </p:spPr>
+        <p:txBody>
+          <a:bodyPr>
+            <a:normAutofit/>
+          </a:bodyPr>
+          <a:lstStyle/>
+          <a:p>
+            <a:r>
+              <a:rPr lang="en-US" altLang="ko-KR" sz="2800" dirty="0" smtClean="0"/>
+              <a:t>  SQL </a:t>
+            </a:r>
+            <a:r>
+              <a:rPr lang="ko-KR" altLang="en-US" sz="2800" dirty="0" smtClean="0"/>
+              <a:t>최적화</a:t>
+            </a:r>
+            <a:endParaRPr lang="ko-KR" altLang="en-US" sz="2800" b="1" dirty="0"/>
+          </a:p>
+        </p:txBody>
+      </p:sp>
+      <p:sp>
+        <p:nvSpPr>
+          <p:cNvPr id="5" name="TextBox 4"/>
           <p:cNvSpPr txBox="1"/>
           <p:nvPr/>
         </p:nvSpPr>
         <p:spPr>
           <a:xfrm>
-            <a:off x="5674382" y="4261063"/>
-            <a:ext cx="1238538" cy="322659"/>
-          </a:xfrm>
-          <a:prstGeom prst="round2SameRect">
+            <a:off x="827583" y="1724779"/>
+            <a:ext cx="7448807" cy="2308324"/>
+          </a:xfrm>
+          <a:prstGeom prst="rect">
             <a:avLst/>
           </a:prstGeom>
-        </p:spPr>
-        <p:style>
-          <a:lnRef idx="2">
-            <a:schemeClr val="accent2"/>
-          </a:lnRef>
-          <a:fillRef idx="1">
-            <a:schemeClr val="lt1"/>
-          </a:fillRef>
-          <a:effectRef idx="0">
-            <a:schemeClr val="accent2"/>
-          </a:effectRef>
-          <a:fontRef idx="minor">
-            <a:schemeClr val="dk1"/>
-          </a:fontRef>
-        </p:style>
+          <a:noFill/>
+        </p:spPr>
         <p:txBody>
           <a:bodyPr wrap="square" rtlCol="0">
             <a:spAutoFit/>
           </a:bodyPr>
           <a:lstStyle/>
           <a:p>
-            <a:r>
-              <a:rPr lang="ko-KR" altLang="en-US" sz="1400" dirty="0" smtClean="0"/>
-              <a:t>부서별 소계</a:t>
-            </a:r>
-            <a:endParaRPr lang="ko-KR" altLang="en-US" sz="1400" dirty="0"/>
-          </a:p>
-        </p:txBody>
-      </p:sp>
-      <p:sp>
-        <p:nvSpPr>
-          <p:cNvPr id="13" name="TextBox 12"/>
-          <p:cNvSpPr txBox="1"/>
-          <p:nvPr/>
-        </p:nvSpPr>
-        <p:spPr>
-          <a:xfrm>
-            <a:off x="5591446" y="5065930"/>
-            <a:ext cx="1584176" cy="322659"/>
-          </a:xfrm>
-          <a:prstGeom prst="round2SameRect">
-            <a:avLst/>
-          </a:prstGeom>
-        </p:spPr>
-        <p:style>
-          <a:lnRef idx="2">
-            <a:schemeClr val="accent2"/>
-          </a:lnRef>
-          <a:fillRef idx="1">
-            <a:schemeClr val="lt1"/>
-          </a:fillRef>
-          <a:effectRef idx="0">
-            <a:schemeClr val="accent2"/>
-          </a:effectRef>
-          <a:fontRef idx="minor">
-            <a:schemeClr val="dk1"/>
-          </a:fontRef>
-        </p:style>
-        <p:txBody>
-          <a:bodyPr wrap="square" rtlCol="0">
-            <a:spAutoFit/>
-          </a:bodyPr>
-          <a:lstStyle/>
-          <a:p>
-            <a:r>
-              <a:rPr lang="ko-KR" altLang="en-US" sz="1400" dirty="0" err="1" smtClean="0"/>
-              <a:t>직무이름별</a:t>
-            </a:r>
-            <a:r>
-              <a:rPr lang="ko-KR" altLang="en-US" sz="1400" dirty="0" smtClean="0"/>
-              <a:t> 소계</a:t>
-            </a:r>
-            <a:endParaRPr lang="ko-KR" altLang="en-US" sz="1400" dirty="0"/>
-          </a:p>
-        </p:txBody>
-      </p:sp>
-      <p:cxnSp>
-        <p:nvCxnSpPr>
-          <p:cNvPr id="14" name="직선 화살표 연결선 13"/>
-          <p:cNvCxnSpPr>
-            <a:endCxn id="12" idx="2"/>
-          </p:cNvCxnSpPr>
-          <p:nvPr/>
-        </p:nvCxnSpPr>
-        <p:spPr>
-          <a:xfrm>
-            <a:off x="4894160" y="4403366"/>
-            <a:ext cx="780222" cy="19027"/>
-          </a:xfrm>
-          <a:prstGeom prst="straightConnector1">
-            <a:avLst/>
-          </a:prstGeom>
-          <a:ln>
-            <a:tailEnd type="triangle"/>
-          </a:ln>
-        </p:spPr>
-        <p:style>
-          <a:lnRef idx="1">
-            <a:schemeClr val="accent1"/>
-          </a:lnRef>
-          <a:fillRef idx="0">
-            <a:schemeClr val="accent1"/>
-          </a:fillRef>
-          <a:effectRef idx="0">
-            <a:schemeClr val="accent1"/>
-          </a:effectRef>
-          <a:fontRef idx="minor">
-            <a:schemeClr val="tx1"/>
-          </a:fontRef>
-        </p:style>
-      </p:cxnSp>
-      <p:cxnSp>
-        <p:nvCxnSpPr>
-          <p:cNvPr id="16" name="직선 화살표 연결선 15"/>
-          <p:cNvCxnSpPr/>
-          <p:nvPr/>
-        </p:nvCxnSpPr>
-        <p:spPr>
-          <a:xfrm flipV="1">
-            <a:off x="4855646" y="5180125"/>
-            <a:ext cx="720080" cy="109170"/>
-          </a:xfrm>
-          <a:prstGeom prst="straightConnector1">
-            <a:avLst/>
-          </a:prstGeom>
-          <a:ln>
-            <a:tailEnd type="triangle"/>
-          </a:ln>
-        </p:spPr>
-        <p:style>
-          <a:lnRef idx="1">
-            <a:schemeClr val="accent1"/>
-          </a:lnRef>
-          <a:fillRef idx="0">
-            <a:schemeClr val="accent1"/>
-          </a:fillRef>
-          <a:effectRef idx="0">
-            <a:schemeClr val="accent1"/>
-          </a:effectRef>
-          <a:fontRef idx="minor">
-            <a:schemeClr val="tx1"/>
-          </a:fontRef>
-        </p:style>
-      </p:cxnSp>
-      <p:cxnSp>
-        <p:nvCxnSpPr>
-          <p:cNvPr id="18" name="직선 화살표 연결선 17"/>
-          <p:cNvCxnSpPr/>
-          <p:nvPr/>
-        </p:nvCxnSpPr>
-        <p:spPr>
-          <a:xfrm flipV="1">
-            <a:off x="4846798" y="5234710"/>
-            <a:ext cx="728928" cy="229984"/>
-          </a:xfrm>
-          <a:prstGeom prst="straightConnector1">
-            <a:avLst/>
-          </a:prstGeom>
-          <a:ln>
-            <a:tailEnd type="triangle"/>
-          </a:ln>
-        </p:spPr>
-        <p:style>
-          <a:lnRef idx="1">
-            <a:schemeClr val="accent1"/>
-          </a:lnRef>
-          <a:fillRef idx="0">
-            <a:schemeClr val="accent1"/>
-          </a:fillRef>
-          <a:effectRef idx="0">
-            <a:schemeClr val="accent1"/>
-          </a:effectRef>
-          <a:fontRef idx="minor">
-            <a:schemeClr val="tx1"/>
-          </a:fontRef>
-        </p:style>
-      </p:cxnSp>
-      <p:cxnSp>
-        <p:nvCxnSpPr>
-          <p:cNvPr id="19" name="직선 화살표 연결선 18"/>
-          <p:cNvCxnSpPr/>
-          <p:nvPr/>
-        </p:nvCxnSpPr>
-        <p:spPr>
-          <a:xfrm flipV="1">
-            <a:off x="4756914" y="5331017"/>
-            <a:ext cx="818812" cy="380932"/>
-          </a:xfrm>
-          <a:prstGeom prst="straightConnector1">
-            <a:avLst/>
-          </a:prstGeom>
-          <a:ln>
-            <a:tailEnd type="triangle"/>
-          </a:ln>
-        </p:spPr>
-        <p:style>
-          <a:lnRef idx="1">
-            <a:schemeClr val="accent1"/>
-          </a:lnRef>
-          <a:fillRef idx="0">
-            <a:schemeClr val="accent1"/>
-          </a:fillRef>
-          <a:effectRef idx="0">
-            <a:schemeClr val="accent1"/>
-          </a:effectRef>
-          <a:fontRef idx="minor">
-            <a:schemeClr val="tx1"/>
-          </a:fontRef>
-        </p:style>
-      </p:cxnSp>
-      <p:cxnSp>
-        <p:nvCxnSpPr>
-          <p:cNvPr id="21" name="직선 화살표 연결선 20"/>
-          <p:cNvCxnSpPr>
-            <a:endCxn id="12" idx="2"/>
-          </p:cNvCxnSpPr>
-          <p:nvPr/>
-        </p:nvCxnSpPr>
-        <p:spPr>
-          <a:xfrm flipV="1">
-            <a:off x="4904201" y="4422393"/>
-            <a:ext cx="770181" cy="639168"/>
-          </a:xfrm>
-          <a:prstGeom prst="straightConnector1">
-            <a:avLst/>
-          </a:prstGeom>
-          <a:ln>
-            <a:tailEnd type="triangle"/>
-          </a:ln>
-        </p:spPr>
-        <p:style>
-          <a:lnRef idx="1">
-            <a:schemeClr val="accent1"/>
-          </a:lnRef>
-          <a:fillRef idx="0">
-            <a:schemeClr val="accent1"/>
-          </a:fillRef>
-          <a:effectRef idx="0">
-            <a:schemeClr val="accent1"/>
-          </a:effectRef>
-          <a:fontRef idx="minor">
-            <a:schemeClr val="tx1"/>
-          </a:fontRef>
-        </p:style>
-      </p:cxnSp>
-      <p:pic>
-        <p:nvPicPr>
-          <p:cNvPr id="3" name="그림 2"/>
-          <p:cNvPicPr>
-            <a:picLocks noChangeAspect="1"/>
-          </p:cNvPicPr>
-          <p:nvPr/>
-        </p:nvPicPr>
-        <p:blipFill>
-          <a:blip r:embed="rId2">
-            <a:extLst>
-              <a:ext uri="{28A0092B-C50C-407E-A947-70E740481C1C}">
-                <a14:useLocalDpi xmlns:a14="http://schemas.microsoft.com/office/drawing/2010/main" val="0"/>
-              </a:ext>
-            </a:extLst>
-          </a:blip>
-          <a:stretch>
-            <a:fillRect/>
-          </a:stretch>
-        </p:blipFill>
-        <p:spPr>
-          <a:xfrm>
-            <a:off x="1498484" y="1931887"/>
-            <a:ext cx="4000847" cy="1447925"/>
-          </a:xfrm>
-          <a:prstGeom prst="rect">
-            <a:avLst/>
-          </a:prstGeom>
-          <a:ln>
-            <a:solidFill>
-              <a:schemeClr val="bg1">
-                <a:lumMod val="85000"/>
-              </a:schemeClr>
-            </a:solidFill>
-          </a:ln>
-        </p:spPr>
-      </p:pic>
-      <p:pic>
-        <p:nvPicPr>
-          <p:cNvPr id="7" name="그림 6"/>
-          <p:cNvPicPr>
-            <a:picLocks noChangeAspect="1"/>
-          </p:cNvPicPr>
-          <p:nvPr/>
-        </p:nvPicPr>
-        <p:blipFill>
-          <a:blip r:embed="rId3"/>
-          <a:stretch>
-            <a:fillRect/>
-          </a:stretch>
-        </p:blipFill>
-        <p:spPr>
-          <a:xfrm>
-            <a:off x="1822144" y="3718233"/>
-            <a:ext cx="3017782" cy="2377646"/>
-          </a:xfrm>
-          <a:prstGeom prst="rect">
-            <a:avLst/>
-          </a:prstGeom>
-          <a:ln>
-            <a:solidFill>
-              <a:schemeClr val="bg1">
-                <a:lumMod val="85000"/>
-              </a:schemeClr>
-            </a:solidFill>
-          </a:ln>
-        </p:spPr>
-      </p:pic>
+            <a:pPr marL="285750" indent="-285750">
+              <a:lnSpc>
+                <a:spcPct val="150000"/>
+              </a:lnSpc>
+              <a:buFontTx/>
+              <a:buChar char="-"/>
+            </a:pPr>
+            <a:r>
+              <a:rPr lang="ko-KR" altLang="en-US" sz="1600" dirty="0" smtClean="0"/>
+              <a:t>인덱스는 데이터를 빠르게 검색할 수 있는 방법을 제공함</a:t>
+            </a:r>
+            <a:endParaRPr lang="en-US" altLang="ko-KR" sz="1600" dirty="0" smtClean="0"/>
+          </a:p>
+          <a:p>
+            <a:pPr marL="285750" indent="-285750">
+              <a:lnSpc>
+                <a:spcPct val="150000"/>
+              </a:lnSpc>
+              <a:buFontTx/>
+              <a:buChar char="-"/>
+            </a:pPr>
+            <a:r>
+              <a:rPr lang="ko-KR" altLang="en-US" sz="1600" dirty="0" smtClean="0"/>
+              <a:t>인덱스는  인덱스 키</a:t>
+            </a:r>
+            <a:r>
+              <a:rPr lang="en-US" altLang="ko-KR" sz="1600" dirty="0" smtClean="0"/>
+              <a:t>(</a:t>
+            </a:r>
+            <a:r>
+              <a:rPr lang="ko-KR" altLang="en-US" sz="1600" dirty="0" smtClean="0"/>
+              <a:t>예 </a:t>
+            </a:r>
+            <a:r>
+              <a:rPr lang="en-US" altLang="ko-KR" sz="1600" dirty="0" err="1" smtClean="0"/>
+              <a:t>bookid</a:t>
+            </a:r>
+            <a:r>
+              <a:rPr lang="en-US" altLang="ko-KR" sz="1600" dirty="0" smtClean="0"/>
+              <a:t>)</a:t>
+            </a:r>
+            <a:r>
+              <a:rPr lang="ko-KR" altLang="en-US" sz="1600" dirty="0" smtClean="0"/>
+              <a:t>로</a:t>
+            </a:r>
+            <a:r>
+              <a:rPr lang="en-US" altLang="ko-KR" sz="1600" dirty="0" smtClean="0"/>
+              <a:t> </a:t>
+            </a:r>
+            <a:r>
+              <a:rPr lang="ko-KR" altLang="en-US" sz="1600" dirty="0" smtClean="0"/>
+              <a:t>정렬되어 있기 때문에 원하는 데이터를 빠르게 조회한다</a:t>
+            </a:r>
+            <a:r>
+              <a:rPr lang="en-US" altLang="ko-KR" sz="1600" dirty="0" smtClean="0"/>
+              <a:t>.</a:t>
+            </a:r>
+          </a:p>
+          <a:p>
+            <a:pPr marL="285750" indent="-285750">
+              <a:lnSpc>
+                <a:spcPct val="150000"/>
+              </a:lnSpc>
+              <a:buFontTx/>
+              <a:buChar char="-"/>
+            </a:pPr>
+            <a:r>
+              <a:rPr lang="ko-KR" altLang="en-US" sz="1600" dirty="0" smtClean="0"/>
+              <a:t>인덱스는 오름차순 및 내림차순으로 탐색이 가능하다</a:t>
+            </a:r>
+            <a:endParaRPr lang="en-US" altLang="ko-KR" sz="1600" dirty="0" smtClean="0"/>
+          </a:p>
+          <a:p>
+            <a:pPr marL="285750" indent="-285750">
+              <a:lnSpc>
+                <a:spcPct val="150000"/>
+              </a:lnSpc>
+              <a:buFontTx/>
+              <a:buChar char="-"/>
+            </a:pPr>
+            <a:r>
+              <a:rPr lang="ko-KR" altLang="en-US" sz="1600" dirty="0" smtClean="0"/>
+              <a:t>하나의 테이블에 여러 개의 인덱스를 생성할 수 </a:t>
+            </a:r>
+            <a:r>
+              <a:rPr lang="ko-KR" altLang="en-US" sz="1600" dirty="0" smtClean="0"/>
+              <a:t>있고 하나의 인덱스는 여러 개의 칼럼으로 구성될 수 있다</a:t>
+            </a:r>
+            <a:r>
+              <a:rPr lang="en-US" altLang="ko-KR" sz="1600" dirty="0" smtClean="0"/>
+              <a:t>.</a:t>
+            </a:r>
+            <a:endParaRPr lang="ko-KR" altLang="en-US" sz="1600" dirty="0"/>
+          </a:p>
+        </p:txBody>
+      </p:sp>
     </p:spTree>
     <p:extLst>
       <p:ext uri="{BB962C8B-B14F-4D97-AF65-F5344CB8AC3E}">
-        <p14:creationId xmlns:p14="http://schemas.microsoft.com/office/powerpoint/2010/main" val="3382072215"/>
+        <p14:creationId xmlns:p14="http://schemas.microsoft.com/office/powerpoint/2010/main" val="646947040"/>
       </p:ext>
     </p:extLst>
   </p:cSld>
@@ -7641,7 +6043,104 @@
       </p:grpSpPr>
       <p:sp>
         <p:nvSpPr>
-          <p:cNvPr id="2" name="제목 1"/>
+          <p:cNvPr id="4" name="슬라이드 번호 개체 틀 3"/>
+          <p:cNvSpPr>
+            <a:spLocks noGrp="1"/>
+          </p:cNvSpPr>
+          <p:nvPr>
+            <p:ph type="sldNum" sz="quarter" idx="12"/>
+          </p:nvPr>
+        </p:nvSpPr>
+        <p:spPr/>
+        <p:txBody>
+          <a:bodyPr/>
+          <a:lstStyle/>
+          <a:p>
+            <a:fld id="{1BDE3FE7-3AEA-4B05-AC5A-802D1816ACF0}" type="slidenum">
+              <a:rPr lang="ko-KR" altLang="en-US" smtClean="0"/>
+              <a:t>19</a:t>
+            </a:fld>
+            <a:endParaRPr lang="ko-KR" altLang="en-US"/>
+          </a:p>
+        </p:txBody>
+      </p:sp>
+      <p:sp>
+        <p:nvSpPr>
+          <p:cNvPr id="3" name="TextBox 2"/>
+          <p:cNvSpPr txBox="1"/>
+          <p:nvPr/>
+        </p:nvSpPr>
+        <p:spPr>
+          <a:xfrm>
+            <a:off x="827584" y="1156682"/>
+            <a:ext cx="6120680" cy="400110"/>
+          </a:xfrm>
+          <a:prstGeom prst="rect">
+            <a:avLst/>
+          </a:prstGeom>
+          <a:noFill/>
+        </p:spPr>
+        <p:txBody>
+          <a:bodyPr wrap="square" rtlCol="0">
+            <a:spAutoFit/>
+          </a:bodyPr>
+          <a:lstStyle/>
+          <a:p>
+            <a:r>
+              <a:rPr lang="en-US" altLang="ko-KR" sz="2000" b="1" dirty="0" smtClean="0"/>
+              <a:t>INDEX </a:t>
+            </a:r>
+            <a:r>
+              <a:rPr lang="ko-KR" altLang="en-US" sz="2000" b="1" dirty="0" smtClean="0"/>
+              <a:t>생성 </a:t>
+            </a:r>
+            <a:r>
+              <a:rPr lang="en-US" altLang="ko-KR" sz="2000" b="1" dirty="0" smtClean="0"/>
+              <a:t>: </a:t>
+            </a:r>
+            <a:r>
+              <a:rPr lang="en-US" altLang="ko-KR" sz="2000" b="1" dirty="0" smtClean="0">
+                <a:solidFill>
+                  <a:srgbClr val="C00000"/>
+                </a:solidFill>
+              </a:rPr>
+              <a:t>CREATE INDEX </a:t>
+            </a:r>
+            <a:r>
+              <a:rPr lang="ko-KR" altLang="en-US" sz="2000" b="1" dirty="0" err="1" smtClean="0">
+                <a:solidFill>
+                  <a:srgbClr val="C00000"/>
+                </a:solidFill>
+              </a:rPr>
+              <a:t>인덱스이름</a:t>
+            </a:r>
+            <a:r>
+              <a:rPr lang="ko-KR" altLang="en-US" sz="2000" b="1" dirty="0" smtClean="0">
+                <a:solidFill>
+                  <a:srgbClr val="C00000"/>
+                </a:solidFill>
+              </a:rPr>
+              <a:t> </a:t>
+            </a:r>
+            <a:r>
+              <a:rPr lang="en-US" altLang="ko-KR" sz="2000" b="1" dirty="0" smtClean="0">
+                <a:solidFill>
+                  <a:srgbClr val="C00000"/>
+                </a:solidFill>
+              </a:rPr>
+              <a:t>ON </a:t>
+            </a:r>
+            <a:r>
+              <a:rPr lang="en-US" altLang="ko-KR" sz="2000" b="1" dirty="0" smtClean="0"/>
+              <a:t>~</a:t>
+            </a:r>
+            <a:endParaRPr lang="ko-KR" altLang="en-US" sz="2000" b="1" dirty="0"/>
+          </a:p>
+        </p:txBody>
+      </p:sp>
+      <p:sp>
+        <p:nvSpPr>
+          <p:cNvPr id="10" name="제목 1"/>
           <p:cNvSpPr>
             <a:spLocks noGrp="1"/>
           </p:cNvSpPr>
@@ -7649,7 +6148,12 @@
             <p:ph type="title"/>
           </p:nvPr>
         </p:nvSpPr>
-        <p:spPr/>
+        <p:spPr>
+          <a:xfrm>
+            <a:off x="1" y="-18256"/>
+            <a:ext cx="5724128" cy="854968"/>
+          </a:xfrm>
+        </p:spPr>
         <p:txBody>
           <a:bodyPr>
             <a:normAutofit/>
@@ -7658,215 +6162,19 @@
           <a:p>
             <a:r>
               <a:rPr lang="en-US" altLang="ko-KR" sz="2800" dirty="0" smtClean="0"/>
-              <a:t> </a:t>
-            </a:r>
-            <a:r>
-              <a:rPr lang="en-US" altLang="ko-KR" sz="2800" b="1" dirty="0" smtClean="0"/>
-              <a:t>LOLLUP() </a:t>
-            </a:r>
-            <a:r>
-              <a:rPr lang="ko-KR" altLang="en-US" sz="2800" b="1" dirty="0"/>
-              <a:t>함수 </a:t>
-            </a:r>
-            <a:r>
-              <a:rPr lang="en-US" altLang="ko-KR" sz="2800" b="1" dirty="0"/>
-              <a:t>vs </a:t>
-            </a:r>
-            <a:r>
-              <a:rPr lang="en-US" altLang="ko-KR" sz="2800" b="1" dirty="0" smtClean="0"/>
-              <a:t>CUBE()</a:t>
-            </a:r>
-            <a:endParaRPr lang="ko-KR" altLang="en-US" sz="2800" dirty="0"/>
-          </a:p>
-        </p:txBody>
-      </p:sp>
-      <p:sp>
-        <p:nvSpPr>
-          <p:cNvPr id="4" name="슬라이드 번호 개체 틀 3"/>
-          <p:cNvSpPr>
-            <a:spLocks noGrp="1"/>
-          </p:cNvSpPr>
-          <p:nvPr>
-            <p:ph type="sldNum" sz="quarter" idx="12"/>
-          </p:nvPr>
-        </p:nvSpPr>
-        <p:spPr/>
-        <p:txBody>
-          <a:bodyPr/>
-          <a:lstStyle/>
-          <a:p>
-            <a:fld id="{1BDE3FE7-3AEA-4B05-AC5A-802D1816ACF0}" type="slidenum">
-              <a:rPr lang="ko-KR" altLang="en-US" smtClean="0"/>
-              <a:t>19</a:t>
-            </a:fld>
-            <a:endParaRPr lang="ko-KR" altLang="en-US"/>
-          </a:p>
-        </p:txBody>
-      </p:sp>
-      <p:sp>
-        <p:nvSpPr>
-          <p:cNvPr id="13" name="TextBox 12"/>
-          <p:cNvSpPr txBox="1"/>
-          <p:nvPr/>
-        </p:nvSpPr>
-        <p:spPr>
-          <a:xfrm>
-            <a:off x="5906886" y="3800272"/>
-            <a:ext cx="1238538" cy="322659"/>
-          </a:xfrm>
-          <a:prstGeom prst="round2SameRect">
-            <a:avLst/>
-          </a:prstGeom>
-        </p:spPr>
-        <p:style>
-          <a:lnRef idx="2">
-            <a:schemeClr val="accent2"/>
-          </a:lnRef>
-          <a:fillRef idx="1">
-            <a:schemeClr val="lt1"/>
-          </a:fillRef>
-          <a:effectRef idx="0">
-            <a:schemeClr val="accent2"/>
-          </a:effectRef>
-          <a:fontRef idx="minor">
-            <a:schemeClr val="dk1"/>
-          </a:fontRef>
-        </p:style>
-        <p:txBody>
-          <a:bodyPr wrap="square" rtlCol="0">
-            <a:spAutoFit/>
-          </a:bodyPr>
-          <a:lstStyle/>
-          <a:p>
-            <a:r>
-              <a:rPr lang="ko-KR" altLang="en-US" sz="1400" dirty="0" smtClean="0"/>
-              <a:t>부서별 소계</a:t>
-            </a:r>
-            <a:endParaRPr lang="ko-KR" altLang="en-US" sz="1400" dirty="0"/>
-          </a:p>
-        </p:txBody>
-      </p:sp>
-      <p:sp>
-        <p:nvSpPr>
-          <p:cNvPr id="14" name="TextBox 13"/>
-          <p:cNvSpPr txBox="1"/>
-          <p:nvPr/>
-        </p:nvSpPr>
-        <p:spPr>
-          <a:xfrm>
-            <a:off x="6012160" y="4393268"/>
-            <a:ext cx="1584176" cy="322659"/>
-          </a:xfrm>
-          <a:prstGeom prst="round2SameRect">
-            <a:avLst/>
-          </a:prstGeom>
-        </p:spPr>
-        <p:style>
-          <a:lnRef idx="2">
-            <a:schemeClr val="accent2"/>
-          </a:lnRef>
-          <a:fillRef idx="1">
-            <a:schemeClr val="lt1"/>
-          </a:fillRef>
-          <a:effectRef idx="0">
-            <a:schemeClr val="accent2"/>
-          </a:effectRef>
-          <a:fontRef idx="minor">
-            <a:schemeClr val="dk1"/>
-          </a:fontRef>
-        </p:style>
-        <p:txBody>
-          <a:bodyPr wrap="square" rtlCol="0">
-            <a:spAutoFit/>
-          </a:bodyPr>
-          <a:lstStyle/>
-          <a:p>
-            <a:r>
-              <a:rPr lang="ko-KR" altLang="en-US" sz="1400" dirty="0" err="1" smtClean="0"/>
-              <a:t>직무이름별</a:t>
-            </a:r>
-            <a:r>
-              <a:rPr lang="ko-KR" altLang="en-US" sz="1400" dirty="0" smtClean="0"/>
-              <a:t> 소계</a:t>
-            </a:r>
-            <a:endParaRPr lang="ko-KR" altLang="en-US" sz="1400" dirty="0"/>
-          </a:p>
-        </p:txBody>
-      </p:sp>
-      <p:cxnSp>
-        <p:nvCxnSpPr>
-          <p:cNvPr id="16" name="직선 화살표 연결선 15"/>
-          <p:cNvCxnSpPr>
-            <a:endCxn id="13" idx="2"/>
-          </p:cNvCxnSpPr>
-          <p:nvPr/>
-        </p:nvCxnSpPr>
-        <p:spPr>
-          <a:xfrm>
-            <a:off x="5126664" y="3942575"/>
-            <a:ext cx="780222" cy="19027"/>
-          </a:xfrm>
-          <a:prstGeom prst="straightConnector1">
-            <a:avLst/>
-          </a:prstGeom>
-          <a:ln>
-            <a:tailEnd type="triangle"/>
-          </a:ln>
-        </p:spPr>
-        <p:style>
-          <a:lnRef idx="1">
-            <a:schemeClr val="accent1"/>
-          </a:lnRef>
-          <a:fillRef idx="0">
-            <a:schemeClr val="accent1"/>
-          </a:fillRef>
-          <a:effectRef idx="0">
-            <a:schemeClr val="accent1"/>
-          </a:effectRef>
-          <a:fontRef idx="minor">
-            <a:schemeClr val="tx1"/>
-          </a:fontRef>
-        </p:style>
-      </p:cxnSp>
-      <p:cxnSp>
-        <p:nvCxnSpPr>
-          <p:cNvPr id="18" name="직선 화살표 연결선 17"/>
-          <p:cNvCxnSpPr>
-            <a:stCxn id="30" idx="3"/>
-            <a:endCxn id="14" idx="2"/>
-          </p:cNvCxnSpPr>
-          <p:nvPr/>
-        </p:nvCxnSpPr>
-        <p:spPr>
-          <a:xfrm>
-            <a:off x="5126664" y="4393269"/>
-            <a:ext cx="885496" cy="161329"/>
-          </a:xfrm>
-          <a:prstGeom prst="straightConnector1">
-            <a:avLst/>
-          </a:prstGeom>
-          <a:ln>
-            <a:tailEnd type="triangle"/>
-          </a:ln>
-        </p:spPr>
-        <p:style>
-          <a:lnRef idx="1">
-            <a:schemeClr val="accent1"/>
-          </a:lnRef>
-          <a:fillRef idx="0">
-            <a:schemeClr val="accent1"/>
-          </a:fillRef>
-          <a:effectRef idx="0">
-            <a:schemeClr val="accent1"/>
-          </a:effectRef>
-          <a:fontRef idx="minor">
-            <a:schemeClr val="tx1"/>
-          </a:fontRef>
-        </p:style>
-      </p:cxnSp>
+              <a:t>  SQL </a:t>
+            </a:r>
+            <a:r>
+              <a:rPr lang="ko-KR" altLang="en-US" sz="2800" dirty="0" smtClean="0"/>
+              <a:t>최적화</a:t>
+            </a:r>
+            <a:endParaRPr lang="ko-KR" altLang="en-US" sz="2800" b="1" dirty="0"/>
+          </a:p>
+        </p:txBody>
+      </p:sp>
       <p:pic>
         <p:nvPicPr>
-          <p:cNvPr id="29" name="그림 28"/>
+          <p:cNvPr id="2" name="그림 1"/>
           <p:cNvPicPr>
             <a:picLocks noChangeAspect="1"/>
           </p:cNvPicPr>
@@ -7886,8 +6194,8 @@
         </p:blipFill>
         <p:spPr>
           <a:xfrm>
-            <a:off x="1836038" y="1803148"/>
-            <a:ext cx="4176122" cy="1348857"/>
+            <a:off x="971600" y="1977276"/>
+            <a:ext cx="5273497" cy="1165961"/>
           </a:xfrm>
           <a:prstGeom prst="rect">
             <a:avLst/>
@@ -7903,13 +6211,13 @@
       </p:pic>
       <p:pic>
         <p:nvPicPr>
-          <p:cNvPr id="30" name="그림 29"/>
+          <p:cNvPr id="8" name="그림 7"/>
           <p:cNvPicPr>
             <a:picLocks noChangeAspect="1"/>
           </p:cNvPicPr>
           <p:nvPr/>
         </p:nvPicPr>
-        <p:blipFill rotWithShape="1">
+        <p:blipFill>
           <a:blip r:embed="rId3">
             <a:extLst>
               <a:ext uri="{28A0092B-C50C-407E-A947-70E740481C1C}">
@@ -7917,13 +6225,14 @@
               </a:ext>
             </a:extLst>
           </a:blip>
-          <a:srcRect r="8535"/>
-          <a:stretch/>
+          <a:stretch>
+            <a:fillRect/>
+          </a:stretch>
         </p:blipFill>
         <p:spPr>
           <a:xfrm>
-            <a:off x="1706585" y="3653209"/>
-            <a:ext cx="3420079" cy="1480119"/>
+            <a:off x="477888" y="3717032"/>
+            <a:ext cx="8208912" cy="1008112"/>
           </a:xfrm>
           <a:prstGeom prst="rect">
             <a:avLst/>
@@ -7937,165 +6246,10 @@
           </a:ln>
         </p:spPr>
       </p:pic>
-      <p:cxnSp>
-        <p:nvCxnSpPr>
-          <p:cNvPr id="35" name="직선 화살표 연결선 34"/>
-          <p:cNvCxnSpPr>
-            <a:endCxn id="14" idx="2"/>
-          </p:cNvCxnSpPr>
-          <p:nvPr/>
-        </p:nvCxnSpPr>
-        <p:spPr>
-          <a:xfrm flipV="1">
-            <a:off x="5126664" y="4554598"/>
-            <a:ext cx="885496" cy="75770"/>
-          </a:xfrm>
-          <a:prstGeom prst="straightConnector1">
-            <a:avLst/>
-          </a:prstGeom>
-          <a:ln>
-            <a:tailEnd type="triangle"/>
-          </a:ln>
-        </p:spPr>
-        <p:style>
-          <a:lnRef idx="1">
-            <a:schemeClr val="accent1"/>
-          </a:lnRef>
-          <a:fillRef idx="0">
-            <a:schemeClr val="accent1"/>
-          </a:fillRef>
-          <a:effectRef idx="0">
-            <a:schemeClr val="accent1"/>
-          </a:effectRef>
-          <a:fontRef idx="minor">
-            <a:schemeClr val="tx1"/>
-          </a:fontRef>
-        </p:style>
-      </p:cxnSp>
-      <p:cxnSp>
-        <p:nvCxnSpPr>
-          <p:cNvPr id="36" name="직선 화살표 연결선 35"/>
-          <p:cNvCxnSpPr>
-            <a:endCxn id="14" idx="2"/>
-          </p:cNvCxnSpPr>
-          <p:nvPr/>
-        </p:nvCxnSpPr>
-        <p:spPr>
-          <a:xfrm flipV="1">
-            <a:off x="5126664" y="4554598"/>
-            <a:ext cx="885496" cy="274548"/>
-          </a:xfrm>
-          <a:prstGeom prst="straightConnector1">
-            <a:avLst/>
-          </a:prstGeom>
-          <a:ln>
-            <a:tailEnd type="triangle"/>
-          </a:ln>
-        </p:spPr>
-        <p:style>
-          <a:lnRef idx="1">
-            <a:schemeClr val="accent1"/>
-          </a:lnRef>
-          <a:fillRef idx="0">
-            <a:schemeClr val="accent1"/>
-          </a:fillRef>
-          <a:effectRef idx="0">
-            <a:schemeClr val="accent1"/>
-          </a:effectRef>
-          <a:fontRef idx="minor">
-            <a:schemeClr val="tx1"/>
-          </a:fontRef>
-        </p:style>
-      </p:cxnSp>
-      <p:cxnSp>
-        <p:nvCxnSpPr>
-          <p:cNvPr id="49" name="직선 화살표 연결선 48"/>
-          <p:cNvCxnSpPr>
-            <a:endCxn id="13" idx="2"/>
-          </p:cNvCxnSpPr>
-          <p:nvPr/>
-        </p:nvCxnSpPr>
-        <p:spPr>
-          <a:xfrm flipV="1">
-            <a:off x="5126664" y="3961602"/>
-            <a:ext cx="780222" cy="211339"/>
-          </a:xfrm>
-          <a:prstGeom prst="straightConnector1">
-            <a:avLst/>
-          </a:prstGeom>
-          <a:ln>
-            <a:tailEnd type="triangle"/>
-          </a:ln>
-        </p:spPr>
-        <p:style>
-          <a:lnRef idx="1">
-            <a:schemeClr val="accent1"/>
-          </a:lnRef>
-          <a:fillRef idx="0">
-            <a:schemeClr val="accent1"/>
-          </a:fillRef>
-          <a:effectRef idx="0">
-            <a:schemeClr val="accent1"/>
-          </a:effectRef>
-          <a:fontRef idx="minor">
-            <a:schemeClr val="tx1"/>
-          </a:fontRef>
-        </p:style>
-      </p:cxnSp>
-      <p:sp>
-        <p:nvSpPr>
-          <p:cNvPr id="53" name="TextBox 52"/>
-          <p:cNvSpPr txBox="1"/>
-          <p:nvPr/>
-        </p:nvSpPr>
-        <p:spPr>
-          <a:xfrm>
-            <a:off x="827584" y="1193356"/>
-            <a:ext cx="4752528" cy="400110"/>
-          </a:xfrm>
-          <a:prstGeom prst="rect">
-            <a:avLst/>
-          </a:prstGeom>
-          <a:noFill/>
-        </p:spPr>
-        <p:txBody>
-          <a:bodyPr wrap="square" rtlCol="0">
-            <a:spAutoFit/>
-          </a:bodyPr>
-          <a:lstStyle/>
-          <a:p>
-            <a:pPr marL="342900" indent="-342900">
-              <a:buFont typeface="Wingdings" panose="05000000000000000000" pitchFamily="2" charset="2"/>
-              <a:buChar char="ü"/>
-            </a:pPr>
-            <a:r>
-              <a:rPr lang="en-US" altLang="ko-KR" sz="2000" b="1" dirty="0" smtClean="0"/>
-              <a:t>GROUPING SETS(</a:t>
-            </a:r>
-            <a:r>
-              <a:rPr lang="ko-KR" altLang="en-US" sz="2000" b="1" dirty="0" err="1" smtClean="0"/>
-              <a:t>칼럼명</a:t>
-            </a:r>
-            <a:r>
-              <a:rPr lang="en-US" altLang="ko-KR" sz="2000" b="1" dirty="0" smtClean="0"/>
-              <a:t>, </a:t>
-            </a:r>
-            <a:r>
-              <a:rPr lang="ko-KR" altLang="en-US" sz="2000" b="1" dirty="0" err="1" smtClean="0"/>
-              <a:t>칼럼명</a:t>
-            </a:r>
-            <a:r>
-              <a:rPr lang="en-US" altLang="ko-KR" sz="2000" b="1" dirty="0" smtClean="0"/>
-              <a:t>)</a:t>
-            </a:r>
-            <a:endParaRPr lang="ko-KR" altLang="en-US" sz="2000" b="1" dirty="0"/>
-          </a:p>
-        </p:txBody>
-      </p:sp>
     </p:spTree>
     <p:extLst>
       <p:ext uri="{BB962C8B-B14F-4D97-AF65-F5344CB8AC3E}">
-        <p14:creationId xmlns:p14="http://schemas.microsoft.com/office/powerpoint/2010/main" val="3092511824"/>
+        <p14:creationId xmlns:p14="http://schemas.microsoft.com/office/powerpoint/2010/main" val="2765927728"/>
       </p:ext>
     </p:extLst>
   </p:cSld>
@@ -8145,10 +6299,13 @@
           <a:lstStyle/>
           <a:p>
             <a:r>
-              <a:rPr lang="ko-KR" altLang="en-US" dirty="0" smtClean="0"/>
-              <a:t> 그룹 함수</a:t>
-            </a:r>
-            <a:endParaRPr lang="ko-KR" altLang="en-US" dirty="0"/>
+              <a:rPr lang="en-US" altLang="ko-KR" dirty="0"/>
+              <a:t>  </a:t>
+            </a:r>
+            <a:r>
+              <a:rPr lang="ko-KR" altLang="en-US" dirty="0"/>
+              <a:t>집합 연산</a:t>
+            </a:r>
           </a:p>
         </p:txBody>
       </p:sp>
@@ -8177,563 +6334,427 @@
       </p:sp>
       <p:sp>
         <p:nvSpPr>
-          <p:cNvPr id="12" name="내용 개체 틀 2"/>
-          <p:cNvSpPr txBox="1">
-            <a:spLocks/>
-          </p:cNvSpPr>
+          <p:cNvPr id="11" name="TextBox 10"/>
+          <p:cNvSpPr txBox="1"/>
           <p:nvPr/>
         </p:nvSpPr>
         <p:spPr>
           <a:xfrm>
-            <a:off x="549896" y="1196752"/>
-            <a:ext cx="7910536" cy="1512168"/>
+            <a:off x="971600" y="1196752"/>
+            <a:ext cx="5904656" cy="400110"/>
           </a:xfrm>
           <a:prstGeom prst="rect">
             <a:avLst/>
           </a:prstGeom>
-        </p:spPr>
-        <p:txBody>
-          <a:bodyPr vert="horz" lIns="91440" tIns="45720" rIns="91440" bIns="45720" rtlCol="0">
-            <a:noAutofit/>
+          <a:noFill/>
+        </p:spPr>
+        <p:txBody>
+          <a:bodyPr wrap="square" rtlCol="0">
+            <a:spAutoFit/>
           </a:bodyPr>
-          <a:lstStyle>
-            <a:lvl1pPr marL="342900" indent="-342900" algn="l" defTabSz="914400" rtl="0" eaLnBrk="1" latinLnBrk="1" hangingPunct="1">
-              <a:spcBef>
-                <a:spcPct val="20000"/>
-              </a:spcBef>
-              <a:buFont typeface="Arial" panose="020B0604020202020204" pitchFamily="34" charset="0"/>
-              <a:buChar char="•"/>
-              <a:defRPr sz="3200" kern="1200">
-                <a:solidFill>
-                  <a:schemeClr val="tx1"/>
-                </a:solidFill>
-                <a:latin typeface="+mn-lt"/>
-                <a:ea typeface="+mn-ea"/>
-                <a:cs typeface="+mn-cs"/>
-              </a:defRPr>
-            </a:lvl1pPr>
-            <a:lvl2pPr marL="742950" indent="-285750" algn="l" defTabSz="914400" rtl="0" eaLnBrk="1" latinLnBrk="1" hangingPunct="1">
-              <a:spcBef>
-                <a:spcPct val="20000"/>
-              </a:spcBef>
-              <a:buFont typeface="Arial" panose="020B0604020202020204" pitchFamily="34" charset="0"/>
-              <a:buChar char="–"/>
-              <a:defRPr sz="2800" kern="1200">
-                <a:solidFill>
-                  <a:schemeClr val="tx1"/>
-                </a:solidFill>
-                <a:latin typeface="+mn-lt"/>
-                <a:ea typeface="+mn-ea"/>
-                <a:cs typeface="+mn-cs"/>
-              </a:defRPr>
-            </a:lvl2pPr>
-            <a:lvl3pPr marL="1143000" indent="-228600" algn="l" defTabSz="914400" rtl="0" eaLnBrk="1" latinLnBrk="1" hangingPunct="1">
-              <a:spcBef>
-                <a:spcPct val="20000"/>
-              </a:spcBef>
-              <a:buFont typeface="Arial" panose="020B0604020202020204" pitchFamily="34" charset="0"/>
-              <a:buChar char="•"/>
-              <a:defRPr sz="2400" kern="1200">
-                <a:solidFill>
-                  <a:schemeClr val="tx1"/>
-                </a:solidFill>
-                <a:latin typeface="+mn-lt"/>
-                <a:ea typeface="+mn-ea"/>
-                <a:cs typeface="+mn-cs"/>
-              </a:defRPr>
-            </a:lvl3pPr>
-            <a:lvl4pPr marL="1600200" indent="-228600" algn="l" defTabSz="914400" rtl="0" eaLnBrk="1" latinLnBrk="1" hangingPunct="1">
-              <a:spcBef>
-                <a:spcPct val="20000"/>
-              </a:spcBef>
-              <a:buFont typeface="Arial" panose="020B0604020202020204" pitchFamily="34" charset="0"/>
-              <a:buChar char="–"/>
-              <a:defRPr sz="2000" kern="1200">
-                <a:solidFill>
-                  <a:schemeClr val="tx1"/>
-                </a:solidFill>
-                <a:latin typeface="+mn-lt"/>
-                <a:ea typeface="+mn-ea"/>
-                <a:cs typeface="+mn-cs"/>
-              </a:defRPr>
-            </a:lvl4pPr>
-            <a:lvl5pPr marL="2057400" indent="-228600" algn="l" defTabSz="914400" rtl="0" eaLnBrk="1" latinLnBrk="1" hangingPunct="1">
-              <a:spcBef>
-                <a:spcPct val="20000"/>
-              </a:spcBef>
-              <a:buFont typeface="Arial" panose="020B0604020202020204" pitchFamily="34" charset="0"/>
-              <a:buChar char="»"/>
-              <a:defRPr sz="2000" kern="1200">
-                <a:solidFill>
-                  <a:schemeClr val="tx1"/>
-                </a:solidFill>
-                <a:latin typeface="+mn-lt"/>
-                <a:ea typeface="+mn-ea"/>
-                <a:cs typeface="+mn-cs"/>
-              </a:defRPr>
-            </a:lvl5pPr>
-            <a:lvl6pPr marL="2514600" indent="-228600" algn="l" defTabSz="914400" rtl="0" eaLnBrk="1" latinLnBrk="1" hangingPunct="1">
-              <a:spcBef>
-                <a:spcPct val="20000"/>
-              </a:spcBef>
-              <a:buFont typeface="Arial" panose="020B0604020202020204" pitchFamily="34" charset="0"/>
-              <a:buChar char="•"/>
-              <a:defRPr sz="2000" kern="1200">
-                <a:solidFill>
-                  <a:schemeClr val="tx1"/>
-                </a:solidFill>
-                <a:latin typeface="+mn-lt"/>
-                <a:ea typeface="+mn-ea"/>
-                <a:cs typeface="+mn-cs"/>
-              </a:defRPr>
-            </a:lvl6pPr>
-            <a:lvl7pPr marL="2971800" indent="-228600" algn="l" defTabSz="914400" rtl="0" eaLnBrk="1" latinLnBrk="1" hangingPunct="1">
-              <a:spcBef>
-                <a:spcPct val="20000"/>
-              </a:spcBef>
-              <a:buFont typeface="Arial" panose="020B0604020202020204" pitchFamily="34" charset="0"/>
-              <a:buChar char="•"/>
-              <a:defRPr sz="2000" kern="1200">
-                <a:solidFill>
-                  <a:schemeClr val="tx1"/>
-                </a:solidFill>
-                <a:latin typeface="+mn-lt"/>
-                <a:ea typeface="+mn-ea"/>
-                <a:cs typeface="+mn-cs"/>
-              </a:defRPr>
-            </a:lvl7pPr>
-            <a:lvl8pPr marL="3429000" indent="-228600" algn="l" defTabSz="914400" rtl="0" eaLnBrk="1" latinLnBrk="1" hangingPunct="1">
-              <a:spcBef>
-                <a:spcPct val="20000"/>
-              </a:spcBef>
-              <a:buFont typeface="Arial" panose="020B0604020202020204" pitchFamily="34" charset="0"/>
-              <a:buChar char="•"/>
-              <a:defRPr sz="2000" kern="1200">
-                <a:solidFill>
-                  <a:schemeClr val="tx1"/>
-                </a:solidFill>
-                <a:latin typeface="+mn-lt"/>
-                <a:ea typeface="+mn-ea"/>
-                <a:cs typeface="+mn-cs"/>
-              </a:defRPr>
-            </a:lvl8pPr>
-            <a:lvl9pPr marL="3886200" indent="-228600" algn="l" defTabSz="914400" rtl="0" eaLnBrk="1" latinLnBrk="1" hangingPunct="1">
-              <a:spcBef>
-                <a:spcPct val="20000"/>
-              </a:spcBef>
-              <a:buFont typeface="Arial" panose="020B0604020202020204" pitchFamily="34" charset="0"/>
-              <a:buChar char="•"/>
-              <a:defRPr sz="2000" kern="1200">
-                <a:solidFill>
-                  <a:schemeClr val="tx1"/>
-                </a:solidFill>
-                <a:latin typeface="+mn-lt"/>
-                <a:ea typeface="+mn-ea"/>
-                <a:cs typeface="+mn-cs"/>
-              </a:defRPr>
-            </a:lvl9pPr>
-          </a:lstStyle>
-          <a:p>
-            <a:pPr marL="0" indent="0">
+          <a:lstStyle/>
+          <a:p>
+            <a:r>
+              <a:rPr lang="ko-KR" altLang="en-US" sz="2000" b="1" dirty="0"/>
+              <a:t>집합 </a:t>
+            </a:r>
+            <a:r>
+              <a:rPr lang="ko-KR" altLang="en-US" sz="2000" b="1" dirty="0" smtClean="0"/>
+              <a:t>연산</a:t>
+            </a:r>
+            <a:endParaRPr lang="en-US" altLang="ko-KR" sz="2000" dirty="0"/>
+          </a:p>
+        </p:txBody>
+      </p:sp>
+      <p:sp>
+        <p:nvSpPr>
+          <p:cNvPr id="7" name="TextBox 6"/>
+          <p:cNvSpPr txBox="1"/>
+          <p:nvPr/>
+        </p:nvSpPr>
+        <p:spPr>
+          <a:xfrm>
+            <a:off x="1043608" y="1628800"/>
+            <a:ext cx="7643192" cy="1569660"/>
+          </a:xfrm>
+          <a:prstGeom prst="rect">
+            <a:avLst/>
+          </a:prstGeom>
+          <a:noFill/>
+        </p:spPr>
+        <p:txBody>
+          <a:bodyPr wrap="square" rtlCol="0">
+            <a:spAutoFit/>
+          </a:bodyPr>
+          <a:lstStyle/>
+          <a:p>
+            <a:pPr>
               <a:lnSpc>
                 <a:spcPct val="150000"/>
               </a:lnSpc>
-              <a:buFont typeface="Arial" panose="020B0604020202020204" pitchFamily="34" charset="0"/>
-              <a:buNone/>
             </a:pPr>
             <a:r>
-              <a:rPr lang="en-US" altLang="ko-KR" sz="1800" dirty="0"/>
-              <a:t> </a:t>
-            </a:r>
-            <a:r>
-              <a:rPr lang="ko-KR" altLang="en-US" sz="2000" b="1" dirty="0" smtClean="0"/>
-              <a:t>그룹 함수 </a:t>
-            </a:r>
-            <a:endParaRPr lang="en-US" altLang="ko-KR" sz="2000" b="1" dirty="0" smtClean="0"/>
-          </a:p>
-          <a:p>
-            <a:pPr marL="0" indent="0">
+              <a:rPr lang="ko-KR" altLang="en-US" sz="1600" dirty="0"/>
+              <a:t>테이블은 </a:t>
+            </a:r>
+            <a:r>
+              <a:rPr lang="ko-KR" altLang="en-US" sz="1600" dirty="0" err="1"/>
+              <a:t>투플의</a:t>
+            </a:r>
+            <a:r>
+              <a:rPr lang="ko-KR" altLang="en-US" sz="1600" dirty="0"/>
+              <a:t> 집합이므로 테이블 </a:t>
+            </a:r>
+            <a:r>
+              <a:rPr lang="ko-KR" altLang="en-US" sz="1600" dirty="0" smtClean="0"/>
+              <a:t>간의 </a:t>
+            </a:r>
+            <a:r>
+              <a:rPr lang="ko-KR" altLang="en-US" sz="1600" dirty="0"/>
+              <a:t>집합 연산을 이용하여 합집합</a:t>
+            </a:r>
+            <a:r>
+              <a:rPr lang="en-US" altLang="ko-KR" sz="1600" dirty="0"/>
+              <a:t>, </a:t>
+            </a:r>
+            <a:r>
+              <a:rPr lang="ko-KR" altLang="en-US" sz="1600" dirty="0" err="1"/>
+              <a:t>차집합</a:t>
+            </a:r>
+            <a:r>
+              <a:rPr lang="en-US" altLang="ko-KR" sz="1600" dirty="0"/>
+              <a:t>, </a:t>
+            </a:r>
+            <a:r>
+              <a:rPr lang="ko-KR" altLang="en-US" sz="1600" dirty="0"/>
+              <a:t>교집합을 구할 수 있다</a:t>
+            </a:r>
+            <a:r>
+              <a:rPr lang="en-US" altLang="ko-KR" sz="1600" dirty="0" smtClean="0"/>
+              <a:t>.</a:t>
+            </a:r>
+          </a:p>
+          <a:p>
+            <a:pPr>
               <a:lnSpc>
                 <a:spcPct val="150000"/>
               </a:lnSpc>
-              <a:buFont typeface="Arial" panose="020B0604020202020204" pitchFamily="34" charset="0"/>
-              <a:buNone/>
             </a:pPr>
             <a:r>
-              <a:rPr lang="en-US" altLang="ko-KR" sz="1800" dirty="0" smtClean="0"/>
-              <a:t>   – </a:t>
-            </a:r>
-            <a:r>
-              <a:rPr lang="ko-KR" altLang="en-US" sz="1800" dirty="0" smtClean="0"/>
-              <a:t>단일 행 함수와 달리 여러 행에 대해 함수가 적용되어 하나의 결과를 </a:t>
-            </a:r>
-            <a:endParaRPr lang="en-US" altLang="ko-KR" sz="1800" dirty="0" smtClean="0"/>
-          </a:p>
-          <a:p>
-            <a:pPr marL="0" indent="0">
+              <a:rPr lang="en-US" altLang="ko-KR" sz="1600" dirty="0" smtClean="0"/>
+              <a:t>UNION, MINUS </a:t>
+            </a:r>
+            <a:r>
+              <a:rPr lang="ko-KR" altLang="en-US" sz="1600" dirty="0" smtClean="0"/>
+              <a:t>등이 있으며</a:t>
+            </a:r>
+            <a:endParaRPr lang="en-US" altLang="ko-KR" sz="1600" dirty="0"/>
+          </a:p>
+          <a:p>
+            <a:pPr>
               <a:lnSpc>
                 <a:spcPct val="150000"/>
               </a:lnSpc>
-              <a:buFont typeface="Arial" panose="020B0604020202020204" pitchFamily="34" charset="0"/>
-              <a:buNone/>
             </a:pPr>
             <a:r>
-              <a:rPr lang="en-US" altLang="ko-KR" sz="1800" dirty="0"/>
-              <a:t> </a:t>
-            </a:r>
-            <a:r>
-              <a:rPr lang="en-US" altLang="ko-KR" sz="1800" dirty="0" smtClean="0"/>
-              <a:t>     </a:t>
-            </a:r>
-            <a:r>
-              <a:rPr lang="ko-KR" altLang="en-US" sz="1800" dirty="0" smtClean="0"/>
-              <a:t>나타내는 함수</a:t>
-            </a:r>
-            <a:endParaRPr lang="en-US" altLang="ko-KR" sz="1800" dirty="0" smtClean="0"/>
-          </a:p>
-        </p:txBody>
-      </p:sp>
-      <p:graphicFrame>
-        <p:nvGraphicFramePr>
-          <p:cNvPr id="11" name="내용 개체 틀 4"/>
-          <p:cNvGraphicFramePr>
-            <a:graphicFrameLocks/>
-          </p:cNvGraphicFramePr>
-          <p:nvPr>
-            <p:extLst/>
-          </p:nvPr>
-        </p:nvGraphicFramePr>
-        <p:xfrm>
-          <a:off x="1691680" y="2852936"/>
-          <a:ext cx="4409664" cy="2736306"/>
-        </p:xfrm>
-        <a:graphic>
-          <a:graphicData uri="http://schemas.openxmlformats.org/drawingml/2006/table">
-            <a:tbl>
-              <a:tblPr firstRow="1">
-                <a:tableStyleId>{5940675A-B579-460E-94D1-54222C63F5DA}</a:tableStyleId>
-              </a:tblPr>
-              <a:tblGrid>
-                <a:gridCol w="1558554">
-                  <a:extLst>
-                    <a:ext uri="{9D8B030D-6E8A-4147-A177-3AD203B41FA5}">
-                      <a16:colId xmlns:a16="http://schemas.microsoft.com/office/drawing/2014/main" val="20000"/>
-                    </a:ext>
-                  </a:extLst>
-                </a:gridCol>
-                <a:gridCol w="2851110">
-                  <a:extLst>
-                    <a:ext uri="{9D8B030D-6E8A-4147-A177-3AD203B41FA5}">
-                      <a16:colId xmlns:a16="http://schemas.microsoft.com/office/drawing/2014/main" val="20002"/>
-                    </a:ext>
-                  </a:extLst>
-                </a:gridCol>
-              </a:tblGrid>
-              <a:tr h="456051">
-                <a:tc>
-                  <a:txBody>
-                    <a:bodyPr/>
-                    <a:lstStyle/>
-                    <a:p>
-                      <a:pPr algn="ctr" latinLnBrk="1"/>
-                      <a:r>
-                        <a:rPr lang="ko-KR" altLang="en-US" sz="1600" u="none" dirty="0"/>
-                        <a:t> 함수</a:t>
-                      </a:r>
-                    </a:p>
-                  </a:txBody>
-                  <a:tcPr anchor="ctr">
-                    <a:solidFill>
-                      <a:schemeClr val="accent1">
-                        <a:lumMod val="20000"/>
-                        <a:lumOff val="80000"/>
-                      </a:schemeClr>
-                    </a:solidFill>
-                  </a:tcPr>
-                </a:tc>
-                <a:tc>
-                  <a:txBody>
-                    <a:bodyPr/>
-                    <a:lstStyle/>
-                    <a:p>
-                      <a:pPr algn="ctr" latinLnBrk="1"/>
-                      <a:r>
-                        <a:rPr lang="ko-KR" altLang="en-US" sz="1600" dirty="0"/>
-                        <a:t> 기능</a:t>
-                      </a:r>
-                    </a:p>
-                  </a:txBody>
-                  <a:tcPr anchor="ctr">
-                    <a:solidFill>
-                      <a:schemeClr val="accent1">
-                        <a:lumMod val="20000"/>
-                        <a:lumOff val="80000"/>
-                      </a:schemeClr>
-                    </a:solidFill>
-                  </a:tcPr>
-                </a:tc>
-                <a:extLst>
-                  <a:ext uri="{0D108BD9-81ED-4DB2-BD59-A6C34878D82A}">
-                    <a16:rowId xmlns:a16="http://schemas.microsoft.com/office/drawing/2014/main" val="10000"/>
-                  </a:ext>
-                </a:extLst>
-              </a:tr>
-              <a:tr h="456051">
-                <a:tc>
-                  <a:txBody>
-                    <a:bodyPr/>
-                    <a:lstStyle/>
-                    <a:p>
-                      <a:pPr algn="ctr" latinLnBrk="1"/>
-                      <a:r>
-                        <a:rPr lang="en-US" altLang="ko-KR" sz="1600" dirty="0"/>
-                        <a:t>SUM(</a:t>
-                      </a:r>
-                      <a:r>
-                        <a:rPr lang="ko-KR" altLang="en-US" sz="1600" dirty="0"/>
-                        <a:t>칼럼</a:t>
-                      </a:r>
-                      <a:r>
-                        <a:rPr lang="en-US" altLang="ko-KR" sz="1600" baseline="0" dirty="0"/>
-                        <a:t> )</a:t>
-                      </a:r>
-                      <a:endParaRPr lang="ko-KR" altLang="en-US" sz="1600" dirty="0"/>
-                    </a:p>
-                  </a:txBody>
-                  <a:tcPr anchor="ctr"/>
-                </a:tc>
-                <a:tc>
-                  <a:txBody>
-                    <a:bodyPr/>
-                    <a:lstStyle/>
-                    <a:p>
-                      <a:pPr algn="l" latinLnBrk="1"/>
-                      <a:r>
-                        <a:rPr lang="en-US" altLang="ko-KR" sz="1600" dirty="0"/>
-                        <a:t> </a:t>
-                      </a:r>
-                      <a:r>
-                        <a:rPr lang="ko-KR" altLang="en-US" sz="1600" dirty="0"/>
-                        <a:t>합계</a:t>
-                      </a:r>
-                    </a:p>
-                  </a:txBody>
-                  <a:tcPr anchor="ctr"/>
-                </a:tc>
-                <a:extLst>
-                  <a:ext uri="{0D108BD9-81ED-4DB2-BD59-A6C34878D82A}">
-                    <a16:rowId xmlns:a16="http://schemas.microsoft.com/office/drawing/2014/main" val="10001"/>
-                  </a:ext>
-                </a:extLst>
-              </a:tr>
-              <a:tr h="456051">
-                <a:tc>
-                  <a:txBody>
-                    <a:bodyPr/>
-                    <a:lstStyle/>
-                    <a:p>
-                      <a:pPr algn="ctr" latinLnBrk="1"/>
-                      <a:r>
-                        <a:rPr lang="en-US" altLang="ko-KR" sz="1600" dirty="0"/>
-                        <a:t>COUNT(*)</a:t>
-                      </a:r>
-                      <a:endParaRPr lang="ko-KR" altLang="en-US" sz="1600" dirty="0"/>
-                    </a:p>
-                  </a:txBody>
-                  <a:tcPr anchor="ctr"/>
-                </a:tc>
-                <a:tc>
-                  <a:txBody>
-                    <a:bodyPr/>
-                    <a:lstStyle/>
-                    <a:p>
-                      <a:pPr algn="l" latinLnBrk="1"/>
-                      <a:r>
-                        <a:rPr lang="en-US" altLang="ko-KR" sz="1600" dirty="0"/>
-                        <a:t> </a:t>
-                      </a:r>
-                      <a:r>
-                        <a:rPr lang="ko-KR" altLang="en-US" sz="1600" dirty="0"/>
-                        <a:t>개수</a:t>
-                      </a:r>
-                    </a:p>
-                  </a:txBody>
-                  <a:tcPr anchor="ctr"/>
-                </a:tc>
-                <a:extLst>
-                  <a:ext uri="{0D108BD9-81ED-4DB2-BD59-A6C34878D82A}">
-                    <a16:rowId xmlns:a16="http://schemas.microsoft.com/office/drawing/2014/main" val="10002"/>
-                  </a:ext>
-                </a:extLst>
-              </a:tr>
-              <a:tr h="456051">
-                <a:tc>
-                  <a:txBody>
-                    <a:bodyPr/>
-                    <a:lstStyle/>
-                    <a:p>
-                      <a:pPr algn="ctr" latinLnBrk="1"/>
-                      <a:r>
-                        <a:rPr lang="en-US" altLang="ko-KR" sz="1600" dirty="0"/>
-                        <a:t>AVG(</a:t>
-                      </a:r>
-                      <a:r>
-                        <a:rPr lang="ko-KR" altLang="en-US" sz="1600" dirty="0"/>
-                        <a:t>칼럼</a:t>
-                      </a:r>
-                      <a:r>
-                        <a:rPr lang="en-US" altLang="ko-KR" sz="1600" dirty="0"/>
-                        <a:t>)</a:t>
-                      </a:r>
-                      <a:endParaRPr lang="ko-KR" altLang="en-US" sz="1600" dirty="0"/>
-                    </a:p>
-                  </a:txBody>
-                  <a:tcPr anchor="ctr"/>
-                </a:tc>
-                <a:tc>
-                  <a:txBody>
-                    <a:bodyPr/>
-                    <a:lstStyle/>
-                    <a:p>
-                      <a:pPr algn="l" latinLnBrk="1"/>
-                      <a:r>
-                        <a:rPr lang="en-US" altLang="ko-KR" sz="1600" dirty="0"/>
-                        <a:t> </a:t>
-                      </a:r>
-                      <a:r>
-                        <a:rPr lang="ko-KR" altLang="en-US" sz="1600" dirty="0"/>
-                        <a:t>평균</a:t>
-                      </a:r>
-                    </a:p>
-                  </a:txBody>
-                  <a:tcPr anchor="ctr"/>
-                </a:tc>
-                <a:extLst>
-                  <a:ext uri="{0D108BD9-81ED-4DB2-BD59-A6C34878D82A}">
-                    <a16:rowId xmlns:a16="http://schemas.microsoft.com/office/drawing/2014/main" val="10003"/>
-                  </a:ext>
-                </a:extLst>
-              </a:tr>
-              <a:tr h="456051">
-                <a:tc>
-                  <a:txBody>
-                    <a:bodyPr/>
-                    <a:lstStyle/>
-                    <a:p>
-                      <a:pPr algn="ctr" latinLnBrk="1"/>
-                      <a:r>
-                        <a:rPr lang="en-US" altLang="ko-KR" sz="1600" dirty="0"/>
-                        <a:t>MAX(</a:t>
-                      </a:r>
-                      <a:r>
-                        <a:rPr lang="ko-KR" altLang="en-US" sz="1600" dirty="0"/>
-                        <a:t>칼럼</a:t>
-                      </a:r>
-                      <a:r>
-                        <a:rPr lang="en-US" altLang="ko-KR" sz="1600" dirty="0"/>
-                        <a:t>)</a:t>
-                      </a:r>
-                      <a:endParaRPr lang="ko-KR" altLang="en-US" sz="1600" dirty="0"/>
-                    </a:p>
-                  </a:txBody>
-                  <a:tcPr anchor="ctr"/>
-                </a:tc>
-                <a:tc>
-                  <a:txBody>
-                    <a:bodyPr/>
-                    <a:lstStyle/>
-                    <a:p>
-                      <a:pPr algn="l" latinLnBrk="1"/>
-                      <a:r>
-                        <a:rPr lang="en-US" altLang="ko-KR" sz="1600" dirty="0"/>
-                        <a:t> </a:t>
-                      </a:r>
-                      <a:r>
-                        <a:rPr lang="ko-KR" altLang="en-US" sz="1600" dirty="0"/>
-                        <a:t>최대값</a:t>
-                      </a:r>
-                    </a:p>
-                  </a:txBody>
-                  <a:tcPr anchor="ctr"/>
-                </a:tc>
-                <a:extLst>
-                  <a:ext uri="{0D108BD9-81ED-4DB2-BD59-A6C34878D82A}">
-                    <a16:rowId xmlns:a16="http://schemas.microsoft.com/office/drawing/2014/main" val="10004"/>
-                  </a:ext>
-                </a:extLst>
-              </a:tr>
-              <a:tr h="456051">
-                <a:tc>
-                  <a:txBody>
-                    <a:bodyPr/>
-                    <a:lstStyle/>
-                    <a:p>
-                      <a:pPr marL="0" marR="0" indent="0" algn="ctr" defTabSz="914400" rtl="0" eaLnBrk="1" fontAlgn="auto" latinLnBrk="1" hangingPunct="1">
-                        <a:lnSpc>
-                          <a:spcPct val="100000"/>
-                        </a:lnSpc>
-                        <a:spcBef>
-                          <a:spcPts val="0"/>
-                        </a:spcBef>
-                        <a:spcAft>
-                          <a:spcPts val="0"/>
-                        </a:spcAft>
-                        <a:buClrTx/>
-                        <a:buSzTx/>
-                        <a:buFontTx/>
-                        <a:buNone/>
-                        <a:tabLst/>
-                        <a:defRPr/>
-                      </a:pPr>
-                      <a:r>
-                        <a:rPr lang="en-US" altLang="ko-KR" sz="1600" dirty="0"/>
-                        <a:t>MIN(</a:t>
-                      </a:r>
-                      <a:r>
-                        <a:rPr lang="ko-KR" altLang="en-US" sz="1600" dirty="0"/>
-                        <a:t>칼럼</a:t>
-                      </a:r>
-                      <a:r>
-                        <a:rPr lang="en-US" altLang="ko-KR" sz="1600" dirty="0"/>
-                        <a:t>)</a:t>
-                      </a:r>
-                      <a:endParaRPr lang="ko-KR" altLang="en-US" sz="1600" dirty="0"/>
-                    </a:p>
-                  </a:txBody>
-                  <a:tcPr anchor="ctr"/>
-                </a:tc>
-                <a:tc>
-                  <a:txBody>
-                    <a:bodyPr/>
-                    <a:lstStyle/>
-                    <a:p>
-                      <a:pPr algn="l" latinLnBrk="1"/>
-                      <a:r>
-                        <a:rPr lang="en-US" altLang="ko-KR" sz="1600" dirty="0"/>
-                        <a:t>  </a:t>
-                      </a:r>
-                      <a:r>
-                        <a:rPr lang="ko-KR" altLang="en-US" sz="1600" dirty="0"/>
-                        <a:t>최소값</a:t>
-                      </a:r>
-                    </a:p>
-                  </a:txBody>
-                  <a:tcPr anchor="ctr"/>
-                </a:tc>
-                <a:extLst>
-                  <a:ext uri="{0D108BD9-81ED-4DB2-BD59-A6C34878D82A}">
-                    <a16:rowId xmlns:a16="http://schemas.microsoft.com/office/drawing/2014/main" val="10005"/>
-                  </a:ext>
-                </a:extLst>
-              </a:tr>
-            </a:tbl>
-          </a:graphicData>
-        </a:graphic>
-      </p:graphicFrame>
+              <a:rPr lang="en-US" altLang="ko-KR" sz="1600" dirty="0"/>
+              <a:t>UNION </a:t>
+            </a:r>
+            <a:r>
+              <a:rPr lang="ko-KR" altLang="en-US" sz="1600" dirty="0"/>
+              <a:t>연산자는 중복을 포함하지 않고</a:t>
+            </a:r>
+            <a:r>
+              <a:rPr lang="en-US" altLang="ko-KR" sz="1600" dirty="0"/>
+              <a:t>, UNION ALL </a:t>
+            </a:r>
+            <a:r>
+              <a:rPr lang="ko-KR" altLang="en-US" sz="1600" dirty="0"/>
+              <a:t>연산자는 중복을 포함한다</a:t>
+            </a:r>
+            <a:r>
+              <a:rPr lang="en-US" altLang="ko-KR" sz="1600" dirty="0"/>
+              <a:t>.</a:t>
+            </a:r>
+          </a:p>
+        </p:txBody>
+      </p:sp>
+      <p:pic>
+        <p:nvPicPr>
+          <p:cNvPr id="6" name="그림 5"/>
+          <p:cNvPicPr>
+            <a:picLocks noChangeAspect="1"/>
+          </p:cNvPicPr>
+          <p:nvPr/>
+        </p:nvPicPr>
+        <p:blipFill>
+          <a:blip r:embed="rId2">
+            <a:extLst>
+              <a:ext uri="{28A0092B-C50C-407E-A947-70E740481C1C}">
+                <a14:useLocalDpi xmlns:a14="http://schemas.microsoft.com/office/drawing/2010/main" val="0"/>
+              </a:ext>
+            </a:extLst>
+          </a:blip>
+          <a:stretch>
+            <a:fillRect/>
+          </a:stretch>
+        </p:blipFill>
+        <p:spPr>
+          <a:xfrm>
+            <a:off x="1691680" y="3398923"/>
+            <a:ext cx="4290432" cy="2834886"/>
+          </a:xfrm>
+          <a:prstGeom prst="rect">
+            <a:avLst/>
+          </a:prstGeom>
+          <a:ln>
+            <a:solidFill>
+              <a:schemeClr val="bg1">
+                <a:lumMod val="85000"/>
+              </a:schemeClr>
+            </a:solidFill>
+          </a:ln>
+        </p:spPr>
+      </p:pic>
     </p:spTree>
     <p:extLst>
       <p:ext uri="{BB962C8B-B14F-4D97-AF65-F5344CB8AC3E}">
-        <p14:creationId xmlns:p14="http://schemas.microsoft.com/office/powerpoint/2010/main" val="4018593747"/>
+        <p14:creationId xmlns:p14="http://schemas.microsoft.com/office/powerpoint/2010/main" val="159101960"/>
+      </p:ext>
+    </p:extLst>
+  </p:cSld>
+  <p:clrMapOvr>
+    <a:masterClrMapping/>
+  </p:clrMapOvr>
+</p:sld>
+</file>
+
+<file path=ppt/slides/slide20.xml><?xml version="1.0" encoding="utf-8"?>
+<p:sld xmlns:a="http://schemas.openxmlformats.org/drawingml/2006/main" xmlns:r="http://schemas.openxmlformats.org/officeDocument/2006/relationships" xmlns:p="http://schemas.openxmlformats.org/presentationml/2006/main">
+  <p:cSld>
+    <p:spTree>
+      <p:nvGrpSpPr>
+        <p:cNvPr id="1" name=""/>
+        <p:cNvGrpSpPr/>
+        <p:nvPr/>
+      </p:nvGrpSpPr>
+      <p:grpSpPr>
+        <a:xfrm>
+          <a:off x="0" y="0"/>
+          <a:ext cx="0" cy="0"/>
+          <a:chOff x="0" y="0"/>
+          <a:chExt cx="0" cy="0"/>
+        </a:xfrm>
+      </p:grpSpPr>
+      <p:sp>
+        <p:nvSpPr>
+          <p:cNvPr id="4" name="슬라이드 번호 개체 틀 3"/>
+          <p:cNvSpPr>
+            <a:spLocks noGrp="1"/>
+          </p:cNvSpPr>
+          <p:nvPr>
+            <p:ph type="sldNum" sz="quarter" idx="12"/>
+          </p:nvPr>
+        </p:nvSpPr>
+        <p:spPr/>
+        <p:txBody>
+          <a:bodyPr/>
+          <a:lstStyle/>
+          <a:p>
+            <a:fld id="{1BDE3FE7-3AEA-4B05-AC5A-802D1816ACF0}" type="slidenum">
+              <a:rPr lang="ko-KR" altLang="en-US" smtClean="0"/>
+              <a:t>20</a:t>
+            </a:fld>
+            <a:endParaRPr lang="ko-KR" altLang="en-US"/>
+          </a:p>
+        </p:txBody>
+      </p:sp>
+      <p:sp>
+        <p:nvSpPr>
+          <p:cNvPr id="3" name="TextBox 2"/>
+          <p:cNvSpPr txBox="1"/>
+          <p:nvPr/>
+        </p:nvSpPr>
+        <p:spPr>
+          <a:xfrm>
+            <a:off x="827584" y="1156682"/>
+            <a:ext cx="6120680" cy="400110"/>
+          </a:xfrm>
+          <a:prstGeom prst="rect">
+            <a:avLst/>
+          </a:prstGeom>
+          <a:noFill/>
+        </p:spPr>
+        <p:txBody>
+          <a:bodyPr wrap="square" rtlCol="0">
+            <a:spAutoFit/>
+          </a:bodyPr>
+          <a:lstStyle/>
+          <a:p>
+            <a:r>
+              <a:rPr lang="en-US" altLang="ko-KR" sz="2000" b="1" dirty="0" smtClean="0"/>
+              <a:t>INDEX </a:t>
+            </a:r>
+            <a:r>
+              <a:rPr lang="ko-KR" altLang="en-US" sz="2000" b="1" dirty="0" smtClean="0"/>
+              <a:t>삭제 </a:t>
+            </a:r>
+            <a:r>
+              <a:rPr lang="en-US" altLang="ko-KR" sz="2000" b="1" dirty="0" smtClean="0"/>
+              <a:t>: </a:t>
+            </a:r>
+            <a:r>
+              <a:rPr lang="en-US" altLang="ko-KR" sz="2000" b="1" dirty="0" smtClean="0">
+                <a:solidFill>
+                  <a:srgbClr val="C00000"/>
+                </a:solidFill>
+              </a:rPr>
+              <a:t>CREATE INDEX </a:t>
+            </a:r>
+            <a:r>
+              <a:rPr lang="ko-KR" altLang="en-US" sz="2000" b="1" dirty="0" err="1" smtClean="0">
+                <a:solidFill>
+                  <a:srgbClr val="C00000"/>
+                </a:solidFill>
+              </a:rPr>
+              <a:t>인덱스이름</a:t>
+            </a:r>
+            <a:r>
+              <a:rPr lang="ko-KR" altLang="en-US" sz="2000" b="1" dirty="0" smtClean="0">
+                <a:solidFill>
+                  <a:srgbClr val="C00000"/>
+                </a:solidFill>
+              </a:rPr>
+              <a:t> </a:t>
+            </a:r>
+            <a:r>
+              <a:rPr lang="en-US" altLang="ko-KR" sz="2000" b="1" dirty="0" smtClean="0">
+                <a:solidFill>
+                  <a:srgbClr val="C00000"/>
+                </a:solidFill>
+              </a:rPr>
+              <a:t>ON </a:t>
+            </a:r>
+            <a:r>
+              <a:rPr lang="en-US" altLang="ko-KR" sz="2000" b="1" dirty="0" smtClean="0"/>
+              <a:t>~</a:t>
+            </a:r>
+            <a:endParaRPr lang="ko-KR" altLang="en-US" sz="2000" b="1" dirty="0"/>
+          </a:p>
+        </p:txBody>
+      </p:sp>
+      <p:sp>
+        <p:nvSpPr>
+          <p:cNvPr id="10" name="제목 1"/>
+          <p:cNvSpPr>
+            <a:spLocks noGrp="1"/>
+          </p:cNvSpPr>
+          <p:nvPr>
+            <p:ph type="title"/>
+          </p:nvPr>
+        </p:nvSpPr>
+        <p:spPr>
+          <a:xfrm>
+            <a:off x="1" y="-18256"/>
+            <a:ext cx="5724128" cy="854968"/>
+          </a:xfrm>
+        </p:spPr>
+        <p:txBody>
+          <a:bodyPr>
+            <a:normAutofit/>
+          </a:bodyPr>
+          <a:lstStyle/>
+          <a:p>
+            <a:r>
+              <a:rPr lang="en-US" altLang="ko-KR" sz="2800" dirty="0" smtClean="0"/>
+              <a:t>  SQL </a:t>
+            </a:r>
+            <a:r>
+              <a:rPr lang="ko-KR" altLang="en-US" sz="2800" dirty="0" smtClean="0"/>
+              <a:t>최적화</a:t>
+            </a:r>
+            <a:endParaRPr lang="ko-KR" altLang="en-US" sz="2800" b="1" dirty="0"/>
+          </a:p>
+        </p:txBody>
+      </p:sp>
+      <p:pic>
+        <p:nvPicPr>
+          <p:cNvPr id="5" name="그림 4"/>
+          <p:cNvPicPr>
+            <a:picLocks noChangeAspect="1"/>
+          </p:cNvPicPr>
+          <p:nvPr/>
+        </p:nvPicPr>
+        <p:blipFill>
+          <a:blip r:embed="rId2">
+            <a:extLst>
+              <a:ext uri="{28A0092B-C50C-407E-A947-70E740481C1C}">
+                <a14:useLocalDpi xmlns:a14="http://schemas.microsoft.com/office/drawing/2010/main" val="0"/>
+              </a:ext>
+            </a:extLst>
+          </a:blip>
+          <a:stretch>
+            <a:fillRect/>
+          </a:stretch>
+        </p:blipFill>
+        <p:spPr>
+          <a:xfrm>
+            <a:off x="971600" y="1952994"/>
+            <a:ext cx="3520745" cy="647756"/>
+          </a:xfrm>
+          <a:prstGeom prst="rect">
+            <a:avLst/>
+          </a:prstGeom>
+          <a:ln>
+            <a:solidFill>
+              <a:schemeClr val="bg1">
+                <a:lumMod val="85000"/>
+              </a:schemeClr>
+            </a:solidFill>
+          </a:ln>
+        </p:spPr>
+      </p:pic>
+      <p:pic>
+        <p:nvPicPr>
+          <p:cNvPr id="6" name="그림 5"/>
+          <p:cNvPicPr>
+            <a:picLocks noChangeAspect="1"/>
+          </p:cNvPicPr>
+          <p:nvPr/>
+        </p:nvPicPr>
+        <p:blipFill>
+          <a:blip r:embed="rId3">
+            <a:extLst>
+              <a:ext uri="{28A0092B-C50C-407E-A947-70E740481C1C}">
+                <a14:useLocalDpi xmlns:a14="http://schemas.microsoft.com/office/drawing/2010/main" val="0"/>
+              </a:ext>
+            </a:extLst>
+          </a:blip>
+          <a:stretch>
+            <a:fillRect/>
+          </a:stretch>
+        </p:blipFill>
+        <p:spPr>
+          <a:xfrm>
+            <a:off x="395536" y="3005877"/>
+            <a:ext cx="8579296" cy="999187"/>
+          </a:xfrm>
+          <a:prstGeom prst="rect">
+            <a:avLst/>
+          </a:prstGeom>
+          <a:ln>
+            <a:solidFill>
+              <a:schemeClr val="bg1">
+                <a:lumMod val="85000"/>
+              </a:schemeClr>
+            </a:solidFill>
+          </a:ln>
+        </p:spPr>
+      </p:pic>
+    </p:spTree>
+    <p:extLst>
+      <p:ext uri="{BB962C8B-B14F-4D97-AF65-F5344CB8AC3E}">
+        <p14:creationId xmlns:p14="http://schemas.microsoft.com/office/powerpoint/2010/main" val="3223707018"/>
       </p:ext>
     </p:extLst>
   </p:cSld>
@@ -8816,156 +6837,9 @@
           </a:p>
         </p:txBody>
       </p:sp>
-      <p:sp>
-        <p:nvSpPr>
-          <p:cNvPr id="11" name="TextBox 10"/>
-          <p:cNvSpPr txBox="1"/>
-          <p:nvPr/>
-        </p:nvSpPr>
-        <p:spPr>
-          <a:xfrm>
-            <a:off x="971600" y="1196752"/>
-            <a:ext cx="5904656" cy="400110"/>
-          </a:xfrm>
-          <a:prstGeom prst="rect">
-            <a:avLst/>
-          </a:prstGeom>
-          <a:noFill/>
-        </p:spPr>
-        <p:txBody>
-          <a:bodyPr wrap="square" rtlCol="0">
-            <a:spAutoFit/>
-          </a:bodyPr>
-          <a:lstStyle/>
-          <a:p>
-            <a:r>
-              <a:rPr lang="ko-KR" altLang="en-US" sz="2000" b="1" dirty="0"/>
-              <a:t>집합 </a:t>
-            </a:r>
-            <a:r>
-              <a:rPr lang="ko-KR" altLang="en-US" sz="2000" b="1" dirty="0" smtClean="0"/>
-              <a:t>연산</a:t>
-            </a:r>
-            <a:endParaRPr lang="en-US" altLang="ko-KR" sz="2000" dirty="0"/>
-          </a:p>
-        </p:txBody>
-      </p:sp>
-      <p:sp>
-        <p:nvSpPr>
-          <p:cNvPr id="7" name="TextBox 6"/>
-          <p:cNvSpPr txBox="1"/>
-          <p:nvPr/>
-        </p:nvSpPr>
-        <p:spPr>
-          <a:xfrm>
-            <a:off x="1043608" y="1628800"/>
-            <a:ext cx="7643192" cy="1569660"/>
-          </a:xfrm>
-          <a:prstGeom prst="rect">
-            <a:avLst/>
-          </a:prstGeom>
-          <a:noFill/>
-        </p:spPr>
-        <p:txBody>
-          <a:bodyPr wrap="square" rtlCol="0">
-            <a:spAutoFit/>
-          </a:bodyPr>
-          <a:lstStyle/>
-          <a:p>
-            <a:pPr>
-              <a:lnSpc>
-                <a:spcPct val="150000"/>
-              </a:lnSpc>
-            </a:pPr>
-            <a:r>
-              <a:rPr lang="ko-KR" altLang="en-US" sz="1600" dirty="0"/>
-              <a:t>테이블은 </a:t>
-            </a:r>
-            <a:r>
-              <a:rPr lang="ko-KR" altLang="en-US" sz="1600" dirty="0" err="1"/>
-              <a:t>투플의</a:t>
-            </a:r>
-            <a:r>
-              <a:rPr lang="ko-KR" altLang="en-US" sz="1600" dirty="0"/>
-              <a:t> 집합이므로 테이블 </a:t>
-            </a:r>
-            <a:r>
-              <a:rPr lang="ko-KR" altLang="en-US" sz="1600" dirty="0" smtClean="0"/>
-              <a:t>간의 </a:t>
-            </a:r>
-            <a:r>
-              <a:rPr lang="ko-KR" altLang="en-US" sz="1600" dirty="0"/>
-              <a:t>집합 연산을 이용하여 합집합</a:t>
-            </a:r>
-            <a:r>
-              <a:rPr lang="en-US" altLang="ko-KR" sz="1600" dirty="0"/>
-              <a:t>, </a:t>
-            </a:r>
-            <a:r>
-              <a:rPr lang="ko-KR" altLang="en-US" sz="1600" dirty="0" err="1"/>
-              <a:t>차집합</a:t>
-            </a:r>
-            <a:r>
-              <a:rPr lang="en-US" altLang="ko-KR" sz="1600" dirty="0"/>
-              <a:t>, </a:t>
-            </a:r>
-            <a:r>
-              <a:rPr lang="ko-KR" altLang="en-US" sz="1600" dirty="0"/>
-              <a:t>교집합을 구할 수 있다</a:t>
-            </a:r>
-            <a:r>
-              <a:rPr lang="en-US" altLang="ko-KR" sz="1600" dirty="0" smtClean="0"/>
-              <a:t>.</a:t>
-            </a:r>
-          </a:p>
-          <a:p>
-            <a:pPr>
-              <a:lnSpc>
-                <a:spcPct val="150000"/>
-              </a:lnSpc>
-            </a:pPr>
-            <a:r>
-              <a:rPr lang="en-US" altLang="ko-KR" sz="1600" dirty="0" smtClean="0"/>
-              <a:t>UNION, MINUS </a:t>
-            </a:r>
-            <a:r>
-              <a:rPr lang="ko-KR" altLang="en-US" sz="1600" dirty="0" smtClean="0"/>
-              <a:t>등이 있으며</a:t>
-            </a:r>
-            <a:endParaRPr lang="en-US" altLang="ko-KR" sz="1600" dirty="0"/>
-          </a:p>
-          <a:p>
-            <a:pPr>
-              <a:lnSpc>
-                <a:spcPct val="150000"/>
-              </a:lnSpc>
-            </a:pPr>
-            <a:r>
-              <a:rPr lang="en-US" altLang="ko-KR" sz="1600" dirty="0"/>
-              <a:t>UNION </a:t>
-            </a:r>
-            <a:r>
-              <a:rPr lang="ko-KR" altLang="en-US" sz="1600" dirty="0"/>
-              <a:t>연산자는 중복을 포함하지 않고</a:t>
-            </a:r>
-            <a:r>
-              <a:rPr lang="en-US" altLang="ko-KR" sz="1600" dirty="0"/>
-              <a:t>, UNION ALL </a:t>
-            </a:r>
-            <a:r>
-              <a:rPr lang="ko-KR" altLang="en-US" sz="1600" dirty="0"/>
-              <a:t>연산자는 중복을 포함한다</a:t>
-            </a:r>
-            <a:r>
-              <a:rPr lang="en-US" altLang="ko-KR" sz="1600" dirty="0"/>
-              <a:t>.</a:t>
-            </a:r>
-          </a:p>
-        </p:txBody>
-      </p:sp>
       <p:pic>
         <p:nvPicPr>
-          <p:cNvPr id="6" name="그림 5"/>
+          <p:cNvPr id="5" name="그림 4"/>
           <p:cNvPicPr>
             <a:picLocks noChangeAspect="1"/>
           </p:cNvPicPr>
@@ -8985,8 +6859,8 @@
         </p:blipFill>
         <p:spPr>
           <a:xfrm>
-            <a:off x="1691680" y="3398923"/>
-            <a:ext cx="4290432" cy="2834886"/>
+            <a:off x="1547664" y="1484784"/>
+            <a:ext cx="5044877" cy="3604572"/>
           </a:xfrm>
           <a:prstGeom prst="rect">
             <a:avLst/>
@@ -9003,7 +6877,7 @@
     </p:spTree>
     <p:extLst>
       <p:ext uri="{BB962C8B-B14F-4D97-AF65-F5344CB8AC3E}">
-        <p14:creationId xmlns:p14="http://schemas.microsoft.com/office/powerpoint/2010/main" val="159101960"/>
+        <p14:creationId xmlns:p14="http://schemas.microsoft.com/office/powerpoint/2010/main" val="1861491599"/>
       </p:ext>
     </p:extLst>
   </p:cSld>
@@ -9081,7 +6955,7 @@
       </p:sp>
       <p:pic>
         <p:nvPicPr>
-          <p:cNvPr id="5" name="그림 4"/>
+          <p:cNvPr id="3" name="그림 2"/>
           <p:cNvPicPr>
             <a:picLocks noChangeAspect="1"/>
           </p:cNvPicPr>
@@ -9101,8 +6975,8 @@
         </p:blipFill>
         <p:spPr>
           <a:xfrm>
-            <a:off x="1547664" y="1484784"/>
-            <a:ext cx="5044877" cy="3604572"/>
+            <a:off x="1548007" y="1268760"/>
+            <a:ext cx="4176122" cy="4595258"/>
           </a:xfrm>
           <a:prstGeom prst="rect">
             <a:avLst/>
@@ -9116,10 +6990,47 @@
           </a:ln>
         </p:spPr>
       </p:pic>
+      <p:pic>
+        <p:nvPicPr>
+          <p:cNvPr id="6" name="그림 5"/>
+          <p:cNvPicPr>
+            <a:picLocks noChangeAspect="1"/>
+          </p:cNvPicPr>
+          <p:nvPr/>
+        </p:nvPicPr>
+        <p:blipFill>
+          <a:blip r:embed="rId3">
+            <a:extLst>
+              <a:ext uri="{28A0092B-C50C-407E-A947-70E740481C1C}">
+                <a14:useLocalDpi xmlns:a14="http://schemas.microsoft.com/office/drawing/2010/main" val="0"/>
+              </a:ext>
+            </a:extLst>
+          </a:blip>
+          <a:stretch>
+            <a:fillRect/>
+          </a:stretch>
+        </p:blipFill>
+        <p:spPr>
+          <a:xfrm>
+            <a:off x="6137684" y="3645024"/>
+            <a:ext cx="2034716" cy="1044030"/>
+          </a:xfrm>
+          <a:prstGeom prst="rect">
+            <a:avLst/>
+          </a:prstGeom>
+          <a:ln>
+            <a:solidFill>
+              <a:schemeClr val="bg1">
+                <a:lumMod val="85000"/>
+              </a:schemeClr>
+            </a:solidFill>
+          </a:ln>
+        </p:spPr>
+      </p:pic>
     </p:spTree>
     <p:extLst>
       <p:ext uri="{BB962C8B-B14F-4D97-AF65-F5344CB8AC3E}">
-        <p14:creationId xmlns:p14="http://schemas.microsoft.com/office/powerpoint/2010/main" val="1861491599"/>
+        <p14:creationId xmlns:p14="http://schemas.microsoft.com/office/powerpoint/2010/main" val="2736423051"/>
       </p:ext>
     </p:extLst>
   </p:cSld>
@@ -9195,6 +7106,47 @@
           </a:p>
         </p:txBody>
       </p:sp>
+      <p:sp>
+        <p:nvSpPr>
+          <p:cNvPr id="11" name="TextBox 10"/>
+          <p:cNvSpPr txBox="1"/>
+          <p:nvPr/>
+        </p:nvSpPr>
+        <p:spPr>
+          <a:xfrm>
+            <a:off x="971600" y="1196752"/>
+            <a:ext cx="5904656" cy="400110"/>
+          </a:xfrm>
+          <a:prstGeom prst="rect">
+            <a:avLst/>
+          </a:prstGeom>
+          <a:noFill/>
+        </p:spPr>
+        <p:txBody>
+          <a:bodyPr wrap="square" rtlCol="0">
+            <a:spAutoFit/>
+          </a:bodyPr>
+          <a:lstStyle/>
+          <a:p>
+            <a:r>
+              <a:rPr lang="ko-KR" altLang="en-US" sz="2000" b="1" dirty="0"/>
+              <a:t>집합 연산 </a:t>
+            </a:r>
+            <a:r>
+              <a:rPr lang="en-US" altLang="ko-KR" sz="2000" b="1" dirty="0"/>
+              <a:t>– </a:t>
+            </a:r>
+            <a:r>
+              <a:rPr lang="ko-KR" altLang="en-US" dirty="0"/>
+              <a:t>고객 이름의 합집합을 구하고 싶다</a:t>
+            </a:r>
+            <a:r>
+              <a:rPr lang="en-US" altLang="ko-KR" dirty="0"/>
+              <a:t>.</a:t>
+            </a:r>
+          </a:p>
+        </p:txBody>
+      </p:sp>
       <p:pic>
         <p:nvPicPr>
           <p:cNvPr id="3" name="그림 2"/>
@@ -9217,8 +7169,8 @@
         </p:blipFill>
         <p:spPr>
           <a:xfrm>
-            <a:off x="1548007" y="1268760"/>
-            <a:ext cx="4176122" cy="4595258"/>
+            <a:off x="1331640" y="1844824"/>
+            <a:ext cx="5486875" cy="3711262"/>
           </a:xfrm>
           <a:prstGeom prst="rect">
             <a:avLst/>
@@ -9232,47 +7184,10 @@
           </a:ln>
         </p:spPr>
       </p:pic>
-      <p:pic>
-        <p:nvPicPr>
-          <p:cNvPr id="6" name="그림 5"/>
-          <p:cNvPicPr>
-            <a:picLocks noChangeAspect="1"/>
-          </p:cNvPicPr>
-          <p:nvPr/>
-        </p:nvPicPr>
-        <p:blipFill>
-          <a:blip r:embed="rId3">
-            <a:extLst>
-              <a:ext uri="{28A0092B-C50C-407E-A947-70E740481C1C}">
-                <a14:useLocalDpi xmlns:a14="http://schemas.microsoft.com/office/drawing/2010/main" val="0"/>
-              </a:ext>
-            </a:extLst>
-          </a:blip>
-          <a:stretch>
-            <a:fillRect/>
-          </a:stretch>
-        </p:blipFill>
-        <p:spPr>
-          <a:xfrm>
-            <a:off x="6137684" y="3645024"/>
-            <a:ext cx="2034716" cy="1044030"/>
-          </a:xfrm>
-          <a:prstGeom prst="rect">
-            <a:avLst/>
-          </a:prstGeom>
-          <a:ln>
-            <a:solidFill>
-              <a:schemeClr val="bg1">
-                <a:lumMod val="85000"/>
-              </a:schemeClr>
-            </a:solidFill>
-          </a:ln>
-        </p:spPr>
-      </p:pic>
     </p:spTree>
     <p:extLst>
       <p:ext uri="{BB962C8B-B14F-4D97-AF65-F5344CB8AC3E}">
-        <p14:creationId xmlns:p14="http://schemas.microsoft.com/office/powerpoint/2010/main" val="2736423051"/>
+        <p14:creationId xmlns:p14="http://schemas.microsoft.com/office/powerpoint/2010/main" val="123165833"/>
       </p:ext>
     </p:extLst>
   </p:cSld>
@@ -9348,50 +7263,9 @@
           </a:p>
         </p:txBody>
       </p:sp>
-      <p:sp>
-        <p:nvSpPr>
-          <p:cNvPr id="11" name="TextBox 10"/>
-          <p:cNvSpPr txBox="1"/>
-          <p:nvPr/>
-        </p:nvSpPr>
-        <p:spPr>
-          <a:xfrm>
-            <a:off x="971600" y="1196752"/>
-            <a:ext cx="5904656" cy="400110"/>
-          </a:xfrm>
-          <a:prstGeom prst="rect">
-            <a:avLst/>
-          </a:prstGeom>
-          <a:noFill/>
-        </p:spPr>
-        <p:txBody>
-          <a:bodyPr wrap="square" rtlCol="0">
-            <a:spAutoFit/>
-          </a:bodyPr>
-          <a:lstStyle/>
-          <a:p>
-            <a:r>
-              <a:rPr lang="ko-KR" altLang="en-US" sz="2000" b="1" dirty="0"/>
-              <a:t>집합 연산 </a:t>
-            </a:r>
-            <a:r>
-              <a:rPr lang="en-US" altLang="ko-KR" sz="2000" b="1" dirty="0"/>
-              <a:t>– </a:t>
-            </a:r>
-            <a:r>
-              <a:rPr lang="ko-KR" altLang="en-US" dirty="0"/>
-              <a:t>고객 이름의 합집합을 구하고 싶다</a:t>
-            </a:r>
-            <a:r>
-              <a:rPr lang="en-US" altLang="ko-KR" dirty="0"/>
-              <a:t>.</a:t>
-            </a:r>
-          </a:p>
-        </p:txBody>
-      </p:sp>
       <p:pic>
         <p:nvPicPr>
-          <p:cNvPr id="3" name="그림 2"/>
+          <p:cNvPr id="5" name="그림 4"/>
           <p:cNvPicPr>
             <a:picLocks noChangeAspect="1"/>
           </p:cNvPicPr>
@@ -9411,8 +7285,8 @@
         </p:blipFill>
         <p:spPr>
           <a:xfrm>
-            <a:off x="1331640" y="1844824"/>
-            <a:ext cx="5486875" cy="3711262"/>
+            <a:off x="1403648" y="1196752"/>
+            <a:ext cx="6073666" cy="4701947"/>
           </a:xfrm>
           <a:prstGeom prst="rect">
             <a:avLst/>
@@ -9429,7 +7303,7 @@
     </p:spTree>
     <p:extLst>
       <p:ext uri="{BB962C8B-B14F-4D97-AF65-F5344CB8AC3E}">
-        <p14:creationId xmlns:p14="http://schemas.microsoft.com/office/powerpoint/2010/main" val="123165833"/>
+        <p14:creationId xmlns:p14="http://schemas.microsoft.com/office/powerpoint/2010/main" val="3326323986"/>
       </p:ext>
     </p:extLst>
   </p:cSld>
@@ -9527,8 +7401,8 @@
         </p:blipFill>
         <p:spPr>
           <a:xfrm>
-            <a:off x="1403648" y="1196752"/>
-            <a:ext cx="6073666" cy="4701947"/>
+            <a:off x="1043609" y="1844824"/>
+            <a:ext cx="2849020" cy="2664296"/>
           </a:xfrm>
           <a:prstGeom prst="rect">
             <a:avLst/>
@@ -9542,10 +7416,47 @@
           </a:ln>
         </p:spPr>
       </p:pic>
+      <p:pic>
+        <p:nvPicPr>
+          <p:cNvPr id="6" name="그림 5"/>
+          <p:cNvPicPr>
+            <a:picLocks noChangeAspect="1"/>
+          </p:cNvPicPr>
+          <p:nvPr/>
+        </p:nvPicPr>
+        <p:blipFill>
+          <a:blip r:embed="rId3">
+            <a:extLst>
+              <a:ext uri="{28A0092B-C50C-407E-A947-70E740481C1C}">
+                <a14:useLocalDpi xmlns:a14="http://schemas.microsoft.com/office/drawing/2010/main" val="0"/>
+              </a:ext>
+            </a:extLst>
+          </a:blip>
+          <a:stretch>
+            <a:fillRect/>
+          </a:stretch>
+        </p:blipFill>
+        <p:spPr>
+          <a:xfrm>
+            <a:off x="4572000" y="1777835"/>
+            <a:ext cx="3024336" cy="2747918"/>
+          </a:xfrm>
+          <a:prstGeom prst="rect">
+            <a:avLst/>
+          </a:prstGeom>
+          <a:ln>
+            <a:solidFill>
+              <a:schemeClr val="bg1">
+                <a:lumMod val="85000"/>
+              </a:schemeClr>
+            </a:solidFill>
+          </a:ln>
+        </p:spPr>
+      </p:pic>
     </p:spTree>
     <p:extLst>
       <p:ext uri="{BB962C8B-B14F-4D97-AF65-F5344CB8AC3E}">
-        <p14:creationId xmlns:p14="http://schemas.microsoft.com/office/powerpoint/2010/main" val="3326323986"/>
+        <p14:creationId xmlns:p14="http://schemas.microsoft.com/office/powerpoint/2010/main" val="1593074869"/>
       </p:ext>
     </p:extLst>
   </p:cSld>
@@ -9623,7 +7534,7 @@
       </p:sp>
       <p:pic>
         <p:nvPicPr>
-          <p:cNvPr id="5" name="그림 4"/>
+          <p:cNvPr id="3" name="그림 2"/>
           <p:cNvPicPr>
             <a:picLocks noChangeAspect="1"/>
           </p:cNvPicPr>
@@ -9643,8 +7554,8 @@
         </p:blipFill>
         <p:spPr>
           <a:xfrm>
-            <a:off x="1043609" y="1844824"/>
-            <a:ext cx="2849020" cy="2664296"/>
+            <a:off x="1763688" y="1412776"/>
+            <a:ext cx="2636748" cy="3901778"/>
           </a:xfrm>
           <a:prstGeom prst="rect">
             <a:avLst/>
@@ -9680,8 +7591,8 @@
         </p:blipFill>
         <p:spPr>
           <a:xfrm>
-            <a:off x="4572000" y="1777835"/>
-            <a:ext cx="3024336" cy="2747918"/>
+            <a:off x="5068752" y="3717032"/>
+            <a:ext cx="1310754" cy="929721"/>
           </a:xfrm>
           <a:prstGeom prst="rect">
             <a:avLst/>
@@ -9698,7 +7609,7 @@
     </p:spTree>
     <p:extLst>
       <p:ext uri="{BB962C8B-B14F-4D97-AF65-F5344CB8AC3E}">
-        <p14:creationId xmlns:p14="http://schemas.microsoft.com/office/powerpoint/2010/main" val="1593074869"/>
+        <p14:creationId xmlns:p14="http://schemas.microsoft.com/office/powerpoint/2010/main" val="505839486"/>
       </p:ext>
     </p:extLst>
   </p:cSld>
@@ -9745,9 +7656,10 @@
               <a:t>  </a:t>
             </a:r>
             <a:r>
-              <a:rPr lang="ko-KR" altLang="en-US" dirty="0"/>
-              <a:t>집합 연산</a:t>
-            </a:r>
+              <a:rPr lang="en-US" altLang="ko-KR" dirty="0" smtClean="0"/>
+              <a:t>EXISTS</a:t>
+            </a:r>
+            <a:endParaRPr lang="ko-KR" altLang="en-US" dirty="0"/>
           </a:p>
         </p:txBody>
       </p:sp>
@@ -9771,6 +7683,120 @@
               <a:t>9</a:t>
             </a:fld>
             <a:endParaRPr lang="ko-KR" altLang="en-US"/>
+          </a:p>
+        </p:txBody>
+      </p:sp>
+      <p:sp>
+        <p:nvSpPr>
+          <p:cNvPr id="11" name="TextBox 10"/>
+          <p:cNvSpPr txBox="1"/>
+          <p:nvPr/>
+        </p:nvSpPr>
+        <p:spPr>
+          <a:xfrm>
+            <a:off x="971600" y="1196752"/>
+            <a:ext cx="5904656" cy="400110"/>
+          </a:xfrm>
+          <a:prstGeom prst="rect">
+            <a:avLst/>
+          </a:prstGeom>
+          <a:noFill/>
+        </p:spPr>
+        <p:txBody>
+          <a:bodyPr wrap="square" rtlCol="0">
+            <a:spAutoFit/>
+          </a:bodyPr>
+          <a:lstStyle/>
+          <a:p>
+            <a:r>
+              <a:rPr lang="en-US" altLang="ko-KR" sz="2000" b="1" dirty="0"/>
+              <a:t>EXISTS</a:t>
+            </a:r>
+            <a:r>
+              <a:rPr lang="ko-KR" altLang="en-US" sz="2000" b="1" dirty="0"/>
+              <a:t> </a:t>
+            </a:r>
+            <a:r>
+              <a:rPr lang="en-US" altLang="ko-KR" sz="2000" b="1" dirty="0"/>
+              <a:t>– </a:t>
+            </a:r>
+            <a:r>
+              <a:rPr lang="ko-KR" altLang="en-US" dirty="0"/>
+              <a:t>주문이 있는 고객을 알고 싶다</a:t>
+            </a:r>
+            <a:r>
+              <a:rPr lang="en-US" altLang="ko-KR" dirty="0"/>
+              <a:t>.</a:t>
+            </a:r>
+          </a:p>
+        </p:txBody>
+      </p:sp>
+      <p:sp>
+        <p:nvSpPr>
+          <p:cNvPr id="7" name="TextBox 6"/>
+          <p:cNvSpPr txBox="1"/>
+          <p:nvPr/>
+        </p:nvSpPr>
+        <p:spPr>
+          <a:xfrm>
+            <a:off x="1043608" y="1628800"/>
+            <a:ext cx="7643192" cy="830997"/>
+          </a:xfrm>
+          <a:prstGeom prst="rect">
+            <a:avLst/>
+          </a:prstGeom>
+          <a:noFill/>
+        </p:spPr>
+        <p:txBody>
+          <a:bodyPr wrap="square" rtlCol="0">
+            <a:spAutoFit/>
+          </a:bodyPr>
+          <a:lstStyle/>
+          <a:p>
+            <a:pPr>
+              <a:lnSpc>
+                <a:spcPct val="150000"/>
+              </a:lnSpc>
+            </a:pPr>
+            <a:r>
+              <a:rPr lang="ko-KR" altLang="en-US" sz="1600" dirty="0"/>
+              <a:t>조건에 맞는 </a:t>
+            </a:r>
+            <a:r>
+              <a:rPr lang="ko-KR" altLang="en-US" sz="1600" dirty="0" err="1" smtClean="0"/>
+              <a:t>투플이</a:t>
+            </a:r>
+            <a:r>
+              <a:rPr lang="ko-KR" altLang="en-US" sz="1600" dirty="0"/>
+              <a:t> </a:t>
+            </a:r>
+            <a:r>
+              <a:rPr lang="ko-KR" altLang="en-US" sz="1600" dirty="0" smtClean="0"/>
+              <a:t>존재하면 </a:t>
+            </a:r>
+            <a:r>
+              <a:rPr lang="ko-KR" altLang="en-US" sz="1600" dirty="0"/>
+              <a:t>결과에 포함시킨다</a:t>
+            </a:r>
+            <a:r>
+              <a:rPr lang="en-US" altLang="ko-KR" sz="1600" dirty="0"/>
+              <a:t>.</a:t>
+            </a:r>
+          </a:p>
+          <a:p>
+            <a:pPr>
+              <a:lnSpc>
+                <a:spcPct val="150000"/>
+              </a:lnSpc>
+            </a:pPr>
+            <a:r>
+              <a:rPr lang="ko-KR" altLang="en-US" sz="1600" dirty="0"/>
+              <a:t>즉 부속질의문의 어떤 행이 조건에 만족하면 참이다</a:t>
+            </a:r>
+            <a:r>
+              <a:rPr lang="en-US" altLang="ko-KR" sz="1600" dirty="0"/>
+              <a:t>.</a:t>
+            </a:r>
           </a:p>
         </p:txBody>
       </p:sp>
@@ -9796,8 +7822,8 @@
         </p:blipFill>
         <p:spPr>
           <a:xfrm>
-            <a:off x="1763688" y="1412776"/>
-            <a:ext cx="2636748" cy="3901778"/>
+            <a:off x="1187624" y="2636912"/>
+            <a:ext cx="5006774" cy="1676545"/>
           </a:xfrm>
           <a:prstGeom prst="rect">
             <a:avLst/>
@@ -9813,7 +7839,7 @@
       </p:pic>
       <p:pic>
         <p:nvPicPr>
-          <p:cNvPr id="6" name="그림 5"/>
+          <p:cNvPr id="8" name="그림 7"/>
           <p:cNvPicPr>
             <a:picLocks noChangeAspect="1"/>
           </p:cNvPicPr>
@@ -9833,8 +7859,8 @@
         </p:blipFill>
         <p:spPr>
           <a:xfrm>
-            <a:off x="5068752" y="3717032"/>
-            <a:ext cx="1310754" cy="929721"/>
+            <a:off x="5364088" y="3938362"/>
+            <a:ext cx="2720576" cy="1036410"/>
           </a:xfrm>
           <a:prstGeom prst="rect">
             <a:avLst/>
@@ -9851,7 +7877,7 @@
     </p:spTree>
     <p:extLst>
       <p:ext uri="{BB962C8B-B14F-4D97-AF65-F5344CB8AC3E}">
-        <p14:creationId xmlns:p14="http://schemas.microsoft.com/office/powerpoint/2010/main" val="505839486"/>
+        <p14:creationId xmlns:p14="http://schemas.microsoft.com/office/powerpoint/2010/main" val="2049825284"/>
       </p:ext>
     </p:extLst>
   </p:cSld>

--- a/sqlWorks/자료/db_ppt/6장. 함수2.pptx
+++ b/sqlWorks/자료/db_ppt/6장. 함수2.pptx
@@ -5895,7 +5895,7 @@
         <p:spPr>
           <a:xfrm>
             <a:off x="827583" y="1724779"/>
-            <a:ext cx="7448807" cy="2308324"/>
+            <a:ext cx="7448807" cy="2677656"/>
           </a:xfrm>
           <a:prstGeom prst="rect">
             <a:avLst/>
@@ -5931,35 +5931,75 @@
             </a:pPr>
             <a:r>
               <a:rPr lang="ko-KR" altLang="en-US" sz="1600" dirty="0" smtClean="0"/>
-              <a:t>인덱스는  인덱스 키</a:t>
-            </a:r>
-            <a:r>
-              <a:rPr lang="en-US" altLang="ko-KR" sz="1600" dirty="0" smtClean="0"/>
+              <a:t>인덱스는  </a:t>
+            </a:r>
+            <a:r>
+              <a:rPr lang="ko-KR" altLang="en-US" sz="1600" b="1" dirty="0" smtClean="0">
+                <a:solidFill>
+                  <a:srgbClr val="C00000"/>
+                </a:solidFill>
+              </a:rPr>
+              <a:t>인덱스 키</a:t>
+            </a:r>
+            <a:r>
+              <a:rPr lang="en-US" altLang="ko-KR" sz="1600" b="1" dirty="0" smtClean="0">
+                <a:solidFill>
+                  <a:srgbClr val="C00000"/>
+                </a:solidFill>
+              </a:rPr>
               <a:t>(</a:t>
             </a:r>
             <a:r>
+              <a:rPr lang="ko-KR" altLang="en-US" sz="1600" b="1" dirty="0" smtClean="0">
+                <a:solidFill>
+                  <a:srgbClr val="C00000"/>
+                </a:solidFill>
+              </a:rPr>
+              <a:t>예 </a:t>
+            </a:r>
+            <a:r>
+              <a:rPr lang="en-US" altLang="ko-KR" sz="1600" b="1" dirty="0" err="1" smtClean="0">
+                <a:solidFill>
+                  <a:srgbClr val="C00000"/>
+                </a:solidFill>
+              </a:rPr>
+              <a:t>bookid</a:t>
+            </a:r>
+            <a:r>
+              <a:rPr lang="en-US" altLang="ko-KR" sz="1600" b="1" dirty="0" smtClean="0">
+                <a:solidFill>
+                  <a:srgbClr val="C00000"/>
+                </a:solidFill>
+              </a:rPr>
+              <a:t>)</a:t>
+            </a:r>
+            <a:r>
+              <a:rPr lang="ko-KR" altLang="en-US" sz="1600" b="1" dirty="0" smtClean="0">
+                <a:solidFill>
+                  <a:srgbClr val="C00000"/>
+                </a:solidFill>
+              </a:rPr>
+              <a:t>로</a:t>
+            </a:r>
+            <a:r>
+              <a:rPr lang="en-US" altLang="ko-KR" sz="1600" b="1" dirty="0" smtClean="0">
+                <a:solidFill>
+                  <a:srgbClr val="C00000"/>
+                </a:solidFill>
+              </a:rPr>
+              <a:t> </a:t>
+            </a:r>
+            <a:r>
+              <a:rPr lang="ko-KR" altLang="en-US" sz="1600" b="1" dirty="0" smtClean="0">
+                <a:solidFill>
+                  <a:srgbClr val="C00000"/>
+                </a:solidFill>
+              </a:rPr>
+              <a:t>정렬</a:t>
+            </a:r>
+            <a:r>
               <a:rPr lang="ko-KR" altLang="en-US" sz="1600" dirty="0" smtClean="0"/>
-              <a:t>예 </a:t>
-            </a:r>
-            <a:r>
-              <a:rPr lang="en-US" altLang="ko-KR" sz="1600" dirty="0" err="1" smtClean="0"/>
-              <a:t>bookid</a:t>
-            </a:r>
-            <a:r>
-              <a:rPr lang="en-US" altLang="ko-KR" sz="1600" dirty="0" smtClean="0"/>
-              <a:t>)</a:t>
-            </a:r>
-            <a:r>
-              <a:rPr lang="ko-KR" altLang="en-US" sz="1600" dirty="0" smtClean="0"/>
-              <a:t>로</a:t>
-            </a:r>
-            <a:r>
-              <a:rPr lang="en-US" altLang="ko-KR" sz="1600" dirty="0" smtClean="0"/>
-              <a:t> </a:t>
-            </a:r>
-            <a:r>
-              <a:rPr lang="ko-KR" altLang="en-US" sz="1600" dirty="0" smtClean="0"/>
-              <a:t>정렬되어 있기 때문에 원하는 데이터를 빠르게 조회한다</a:t>
+              <a:t>되어 있기 때문에 원하는 데이터를 빠르게 조회한다</a:t>
             </a:r>
             <a:r>
               <a:rPr lang="en-US" altLang="ko-KR" sz="1600" dirty="0" smtClean="0"/>
@@ -5990,11 +6030,40 @@
             </a:pPr>
             <a:r>
               <a:rPr lang="ko-KR" altLang="en-US" sz="1600" dirty="0" smtClean="0"/>
-              <a:t>하나의 테이블에 여러 개의 인덱스를 생성할 수 </a:t>
+              <a:t>하나의 테이블에 여러 개의 인덱스를 생성할 수 있고 하나의 인덱스는 여러 개의 칼럼으로 구성될 수 있다</a:t>
+            </a:r>
+            <a:r>
+              <a:rPr lang="en-US" altLang="ko-KR" sz="1600" dirty="0" smtClean="0"/>
+              <a:t>.</a:t>
+            </a:r>
+          </a:p>
+          <a:p>
+            <a:pPr marL="285750" indent="-285750">
+              <a:lnSpc>
+                <a:spcPct val="150000"/>
+              </a:lnSpc>
+              <a:buFontTx/>
+              <a:buChar char="-"/>
+            </a:pPr>
+            <a:r>
+              <a:rPr lang="ko-KR" altLang="en-US" sz="1600" b="1" dirty="0" smtClean="0">
+                <a:solidFill>
+                  <a:srgbClr val="C00000"/>
+                </a:solidFill>
+              </a:rPr>
+              <a:t>오라클은 힌트</a:t>
             </a:r>
             <a:r>
               <a:rPr lang="ko-KR" altLang="en-US" sz="1600" dirty="0" smtClean="0"/>
-              <a:t>있고 하나의 인덱스는 여러 개의 칼럼으로 구성될 수 있다</a:t>
+              <a:t>를 사용하면 확실하게 인덱스를 실행 </a:t>
+            </a:r>
+            <a:r>
+              <a:rPr lang="ko-KR" altLang="en-US" sz="1600" dirty="0" err="1" smtClean="0"/>
+              <a:t>시킬수</a:t>
+            </a:r>
+            <a:r>
+              <a:rPr lang="ko-KR" altLang="en-US" sz="1600" dirty="0" smtClean="0"/>
+              <a:t> 있다</a:t>
             </a:r>
             <a:r>
               <a:rPr lang="en-US" altLang="ko-KR" sz="1600" dirty="0" smtClean="0"/>
@@ -6072,8 +6141,8 @@
         </p:nvSpPr>
         <p:spPr>
           <a:xfrm>
-            <a:off x="827584" y="1156682"/>
-            <a:ext cx="6120680" cy="400110"/>
+            <a:off x="765920" y="1052736"/>
+            <a:ext cx="8054552" cy="1384995"/>
           </a:xfrm>
           <a:prstGeom prst="rect">
             <a:avLst/>
@@ -6086,6 +6155,13 @@
           </a:bodyPr>
           <a:lstStyle/>
           <a:p>
+            <a:pPr marL="342900" indent="-342900">
+              <a:lnSpc>
+                <a:spcPct val="150000"/>
+              </a:lnSpc>
+              <a:buFont typeface="Wingdings" panose="05000000000000000000" pitchFamily="2" charset="2"/>
+              <a:buChar char="l"/>
+            </a:pPr>
             <a:r>
               <a:rPr lang="en-US" altLang="ko-KR" sz="2000" b="1" dirty="0" smtClean="0"/>
               <a:t>INDEX </a:t>
@@ -6131,10 +6207,127 @@
               <a:t>ON </a:t>
             </a:r>
             <a:r>
+              <a:rPr lang="ko-KR" altLang="en-US" sz="2000" b="1" dirty="0" err="1" smtClean="0"/>
+              <a:t>테이블명</a:t>
+            </a:r>
+            <a:r>
               <a:rPr lang="en-US" altLang="ko-KR" sz="2000" b="1" dirty="0" smtClean="0"/>
-              <a:t>~</a:t>
-            </a:r>
-            <a:endParaRPr lang="ko-KR" altLang="en-US" sz="2000" b="1" dirty="0"/>
+              <a:t>(</a:t>
+            </a:r>
+            <a:r>
+              <a:rPr lang="ko-KR" altLang="en-US" sz="2000" b="1" dirty="0" err="1" smtClean="0"/>
+              <a:t>칼럼명</a:t>
+            </a:r>
+            <a:r>
+              <a:rPr lang="en-US" altLang="ko-KR" sz="2000" b="1" dirty="0" smtClean="0"/>
+              <a:t>)</a:t>
+            </a:r>
+          </a:p>
+          <a:p>
+            <a:pPr marL="742950" lvl="1" indent="-285750">
+              <a:lnSpc>
+                <a:spcPct val="150000"/>
+              </a:lnSpc>
+              <a:buFont typeface="Wingdings" panose="05000000000000000000" pitchFamily="2" charset="2"/>
+              <a:buChar char="ü"/>
+            </a:pPr>
+            <a:r>
+              <a:rPr lang="ko-KR" altLang="en-US" b="1" dirty="0" smtClean="0"/>
+              <a:t>힌트 사용법</a:t>
+            </a:r>
+            <a:endParaRPr lang="en-US" altLang="ko-KR" b="1" dirty="0" smtClean="0"/>
+          </a:p>
+          <a:p>
+            <a:pPr>
+              <a:lnSpc>
+                <a:spcPct val="150000"/>
+              </a:lnSpc>
+            </a:pPr>
+            <a:r>
+              <a:rPr lang="en-US" altLang="ko-KR" b="1" dirty="0">
+                <a:solidFill>
+                  <a:schemeClr val="tx1">
+                    <a:lumMod val="50000"/>
+                    <a:lumOff val="50000"/>
+                  </a:schemeClr>
+                </a:solidFill>
+              </a:rPr>
+              <a:t> </a:t>
+            </a:r>
+            <a:r>
+              <a:rPr lang="en-US" altLang="ko-KR" b="1" dirty="0" smtClean="0">
+                <a:solidFill>
+                  <a:schemeClr val="tx1">
+                    <a:lumMod val="50000"/>
+                    <a:lumOff val="50000"/>
+                  </a:schemeClr>
+                </a:solidFill>
+              </a:rPr>
+              <a:t>        /*+ </a:t>
+            </a:r>
+            <a:r>
+              <a:rPr lang="en-US" altLang="ko-KR" b="1" dirty="0" smtClean="0">
+                <a:solidFill>
+                  <a:schemeClr val="tx1">
+                    <a:lumMod val="50000"/>
+                    <a:lumOff val="50000"/>
+                  </a:schemeClr>
+                </a:solidFill>
+              </a:rPr>
+              <a:t>INDEX(</a:t>
+            </a:r>
+            <a:r>
+              <a:rPr lang="ko-KR" altLang="en-US" b="1" dirty="0" err="1" smtClean="0">
+                <a:solidFill>
+                  <a:schemeClr val="tx1">
+                    <a:lumMod val="50000"/>
+                    <a:lumOff val="50000"/>
+                  </a:schemeClr>
+                </a:solidFill>
+              </a:rPr>
+              <a:t>테이블명</a:t>
+            </a:r>
+            <a:r>
+              <a:rPr lang="ko-KR" altLang="en-US" b="1" dirty="0" smtClean="0">
+                <a:solidFill>
+                  <a:schemeClr val="tx1">
+                    <a:lumMod val="50000"/>
+                    <a:lumOff val="50000"/>
+                  </a:schemeClr>
+                </a:solidFill>
+              </a:rPr>
+              <a:t> </a:t>
+            </a:r>
+            <a:r>
+              <a:rPr lang="ko-KR" altLang="en-US" b="1" dirty="0" err="1" smtClean="0">
+                <a:solidFill>
+                  <a:schemeClr val="tx1">
+                    <a:lumMod val="50000"/>
+                    <a:lumOff val="50000"/>
+                  </a:schemeClr>
+                </a:solidFill>
+              </a:rPr>
+              <a:t>인덱스명</a:t>
+            </a:r>
+            <a:r>
+              <a:rPr lang="en-US" altLang="ko-KR" b="1" dirty="0" smtClean="0">
+                <a:solidFill>
+                  <a:schemeClr val="tx1">
+                    <a:lumMod val="50000"/>
+                    <a:lumOff val="50000"/>
+                  </a:schemeClr>
+                </a:solidFill>
+              </a:rPr>
+              <a:t>) */</a:t>
+            </a:r>
+            <a:endParaRPr lang="ko-KR" altLang="en-US" b="1" dirty="0">
+              <a:solidFill>
+                <a:schemeClr val="tx1">
+                  <a:lumMod val="50000"/>
+                  <a:lumOff val="50000"/>
+                </a:schemeClr>
+              </a:solidFill>
+            </a:endParaRPr>
           </a:p>
         </p:txBody>
       </p:sp>
@@ -6174,7 +6367,7 @@
       </p:sp>
       <p:pic>
         <p:nvPicPr>
-          <p:cNvPr id="2" name="그림 1"/>
+          <p:cNvPr id="8" name="그림 7"/>
           <p:cNvPicPr>
             <a:picLocks noChangeAspect="1"/>
           </p:cNvPicPr>
@@ -6194,8 +6387,8 @@
         </p:blipFill>
         <p:spPr>
           <a:xfrm>
-            <a:off x="971600" y="1977276"/>
-            <a:ext cx="5273497" cy="1165961"/>
+            <a:off x="506489" y="5013176"/>
+            <a:ext cx="8208912" cy="1008112"/>
           </a:xfrm>
           <a:prstGeom prst="rect">
             <a:avLst/>
@@ -6211,7 +6404,7 @@
       </p:pic>
       <p:pic>
         <p:nvPicPr>
-          <p:cNvPr id="8" name="그림 7"/>
+          <p:cNvPr id="2" name="그림 1"/>
           <p:cNvPicPr>
             <a:picLocks noChangeAspect="1"/>
           </p:cNvPicPr>
@@ -6231,8 +6424,8 @@
         </p:blipFill>
         <p:spPr>
           <a:xfrm>
-            <a:off x="477888" y="3717032"/>
-            <a:ext cx="8208912" cy="1008112"/>
+            <a:off x="948014" y="2565319"/>
+            <a:ext cx="7224386" cy="2194750"/>
           </a:xfrm>
           <a:prstGeom prst="rect">
             <a:avLst/>
@@ -6609,7 +6802,7 @@
                   <a:srgbClr val="C00000"/>
                 </a:solidFill>
               </a:rPr>
-              <a:t>CREATE INDEX </a:t>
+              <a:t>DROP INDEX </a:t>
             </a:r>
             <a:r>
               <a:rPr lang="ko-KR" altLang="en-US" sz="2000" b="1" dirty="0" err="1" smtClean="0">
@@ -6618,26 +6811,6 @@
                 </a:solidFill>
               </a:rPr>
               <a:t>인덱스이름</a:t>
-            </a:r>
-            <a:r>
-              <a:rPr lang="ko-KR" altLang="en-US" sz="2000" b="1" dirty="0" smtClean="0">
-                <a:solidFill>
-                  <a:srgbClr val="C00000"/>
-                </a:solidFill>
-              </a:rPr>
-              <a:t> </a:t>
-            </a:r>
-            <a:r>
-              <a:rPr lang="en-US" altLang="ko-KR" sz="2000" b="1" dirty="0" smtClean="0">
-                <a:solidFill>
-                  <a:srgbClr val="C00000"/>
-                </a:solidFill>
-              </a:rPr>
-              <a:t>ON </a:t>
-            </a:r>
-            <a:r>
-              <a:rPr lang="en-US" altLang="ko-KR" sz="2000" b="1" dirty="0" smtClean="0"/>
-              <a:t>~</a:t>
             </a:r>
             <a:endParaRPr lang="ko-KR" altLang="en-US" sz="2000" b="1" dirty="0"/>
           </a:p>
